--- a/rust/Rust-Lab2.pptx
+++ b/rust/Rust-Lab2.pptx
@@ -213,7 +213,7 @@
           <a:p>
             <a:fld id="{D1237EF7-A117-46B7-88A8-1B7FB98FF0F2}" type="datetimeFigureOut">
               <a:rPr lang="zh-CN" altLang="en-US" smtClean="0"/>
-              <a:t>2025/5/13</a:t>
+              <a:t>2025/5/14</a:t>
             </a:fld>
             <a:endParaRPr lang="zh-CN" altLang="en-US"/>
           </a:p>
@@ -604,7 +604,7 @@
           <a:p>
             <a:fld id="{FC19A4FA-3D9A-4114-B0D5-759CBD56F1AB}" type="datetimeFigureOut">
               <a:rPr lang="zh-CN" altLang="en-US" smtClean="0"/>
-              <a:t>2025/5/13</a:t>
+              <a:t>2025/5/14</a:t>
             </a:fld>
             <a:endParaRPr lang="zh-CN" altLang="en-US"/>
           </a:p>
@@ -799,7 +799,7 @@
           <a:p>
             <a:fld id="{FC19A4FA-3D9A-4114-B0D5-759CBD56F1AB}" type="datetimeFigureOut">
               <a:rPr lang="zh-CN" altLang="en-US" smtClean="0"/>
-              <a:t>2025/5/13</a:t>
+              <a:t>2025/5/14</a:t>
             </a:fld>
             <a:endParaRPr lang="zh-CN" altLang="en-US"/>
           </a:p>
@@ -973,7 +973,7 @@
           <a:p>
             <a:fld id="{FC19A4FA-3D9A-4114-B0D5-759CBD56F1AB}" type="datetimeFigureOut">
               <a:rPr lang="zh-CN" altLang="en-US" smtClean="0"/>
-              <a:t>2025/5/13</a:t>
+              <a:t>2025/5/14</a:t>
             </a:fld>
             <a:endParaRPr lang="zh-CN" altLang="en-US"/>
           </a:p>
@@ -1158,7 +1158,7 @@
           <a:p>
             <a:fld id="{FC19A4FA-3D9A-4114-B0D5-759CBD56F1AB}" type="datetimeFigureOut">
               <a:rPr lang="zh-CN" altLang="en-US" smtClean="0"/>
-              <a:t>2025/5/13</a:t>
+              <a:t>2025/5/14</a:t>
             </a:fld>
             <a:endParaRPr lang="zh-CN" altLang="en-US"/>
           </a:p>
@@ -1416,7 +1416,7 @@
           <a:p>
             <a:fld id="{FC19A4FA-3D9A-4114-B0D5-759CBD56F1AB}" type="datetimeFigureOut">
               <a:rPr lang="zh-CN" altLang="en-US" smtClean="0"/>
-              <a:t>2025/5/13</a:t>
+              <a:t>2025/5/14</a:t>
             </a:fld>
             <a:endParaRPr lang="zh-CN" altLang="en-US"/>
           </a:p>
@@ -1804,7 +1804,7 @@
           <a:p>
             <a:fld id="{FC19A4FA-3D9A-4114-B0D5-759CBD56F1AB}" type="datetimeFigureOut">
               <a:rPr lang="zh-CN" altLang="en-US" smtClean="0"/>
-              <a:t>2025/5/13</a:t>
+              <a:t>2025/5/14</a:t>
             </a:fld>
             <a:endParaRPr lang="zh-CN" altLang="en-US"/>
           </a:p>
@@ -2073,7 +2073,7 @@
           <a:p>
             <a:fld id="{FC19A4FA-3D9A-4114-B0D5-759CBD56F1AB}" type="datetimeFigureOut">
               <a:rPr lang="zh-CN" altLang="en-US" smtClean="0"/>
-              <a:t>2025/5/13</a:t>
+              <a:t>2025/5/14</a:t>
             </a:fld>
             <a:endParaRPr lang="zh-CN" altLang="en-US"/>
           </a:p>
@@ -2214,7 +2214,7 @@
           <a:p>
             <a:fld id="{FC19A4FA-3D9A-4114-B0D5-759CBD56F1AB}" type="datetimeFigureOut">
               <a:rPr lang="zh-CN" altLang="en-US" smtClean="0"/>
-              <a:t>2025/5/13</a:t>
+              <a:t>2025/5/14</a:t>
             </a:fld>
             <a:endParaRPr lang="zh-CN" altLang="en-US"/>
           </a:p>
@@ -2305,7 +2305,7 @@
           <a:p>
             <a:fld id="{FC19A4FA-3D9A-4114-B0D5-759CBD56F1AB}" type="datetimeFigureOut">
               <a:rPr lang="zh-CN" altLang="en-US" smtClean="0"/>
-              <a:t>2025/5/13</a:t>
+              <a:t>2025/5/14</a:t>
             </a:fld>
             <a:endParaRPr lang="zh-CN" altLang="en-US"/>
           </a:p>
@@ -2576,7 +2576,7 @@
           <a:p>
             <a:fld id="{FC19A4FA-3D9A-4114-B0D5-759CBD56F1AB}" type="datetimeFigureOut">
               <a:rPr lang="zh-CN" altLang="en-US" smtClean="0"/>
-              <a:t>2025/5/13</a:t>
+              <a:t>2025/5/14</a:t>
             </a:fld>
             <a:endParaRPr lang="zh-CN" altLang="en-US"/>
           </a:p>
@@ -2824,7 +2824,7 @@
           <a:p>
             <a:fld id="{FC19A4FA-3D9A-4114-B0D5-759CBD56F1AB}" type="datetimeFigureOut">
               <a:rPr lang="zh-CN" altLang="en-US" smtClean="0"/>
-              <a:t>2025/5/13</a:t>
+              <a:t>2025/5/14</a:t>
             </a:fld>
             <a:endParaRPr lang="zh-CN" altLang="en-US"/>
           </a:p>
@@ -3031,7 +3031,7 @@
           <a:p>
             <a:fld id="{FC19A4FA-3D9A-4114-B0D5-759CBD56F1AB}" type="datetimeFigureOut">
               <a:rPr lang="zh-CN" altLang="en-US" smtClean="0"/>
-              <a:t>2025/5/13</a:t>
+              <a:t>2025/5/14</a:t>
             </a:fld>
             <a:endParaRPr lang="zh-CN" altLang="en-US"/>
           </a:p>
@@ -9346,7 +9346,7 @@
           <a:lstStyle/>
           <a:p>
             <a:r>
-              <a:rPr lang="en-US" altLang="zh-CN" sz="1400">
+              <a:rPr lang="en-US" altLang="zh-CN" sz="1400" dirty="0">
                 <a:solidFill>
                   <a:srgbClr val="FFFFFF"/>
                 </a:solidFill>
@@ -9356,7 +9356,7 @@
               <a:t>// </a:t>
             </a:r>
             <a:r>
-              <a:rPr lang="en-US" altLang="zh-CN" sz="1400" b="1">
+              <a:rPr lang="en-US" altLang="zh-CN" sz="1400" b="1" dirty="0">
                 <a:solidFill>
                   <a:srgbClr val="FF0000"/>
                 </a:solidFill>
@@ -9368,7 +9368,7 @@
           </a:p>
           <a:p>
             <a:r>
-              <a:rPr lang="en-US" altLang="zh-CN" sz="1400">
+              <a:rPr lang="en-US" altLang="zh-CN" sz="1400" dirty="0" err="1">
                 <a:solidFill>
                   <a:srgbClr val="C678DD"/>
                 </a:solidFill>
@@ -9378,7 +9378,7 @@
               <a:t>enum</a:t>
             </a:r>
             <a:r>
-              <a:rPr lang="en-US" altLang="zh-CN" sz="1400">
+              <a:rPr lang="en-US" altLang="zh-CN" sz="1400" dirty="0">
                 <a:solidFill>
                   <a:srgbClr val="ABB2BF"/>
                 </a:solidFill>
@@ -9388,7 +9388,7 @@
               <a:t> </a:t>
             </a:r>
             <a:r>
-              <a:rPr lang="en-US" altLang="zh-CN" sz="1400">
+              <a:rPr lang="en-US" altLang="zh-CN" sz="1400" dirty="0">
                 <a:solidFill>
                   <a:srgbClr val="E5C07B"/>
                 </a:solidFill>
@@ -9398,7 +9398,7 @@
               <a:t>List</a:t>
             </a:r>
             <a:r>
-              <a:rPr lang="en-US" altLang="zh-CN" sz="1400">
+              <a:rPr lang="en-US" altLang="zh-CN" sz="1400" dirty="0">
                 <a:solidFill>
                   <a:srgbClr val="ABB2BF"/>
                 </a:solidFill>
@@ -9410,7 +9410,7 @@
           </a:p>
           <a:p>
             <a:r>
-              <a:rPr lang="en-US" altLang="zh-CN" sz="1400">
+              <a:rPr lang="en-US" altLang="zh-CN" sz="1400" dirty="0">
                 <a:solidFill>
                   <a:srgbClr val="ABB2BF"/>
                 </a:solidFill>
@@ -9420,7 +9420,7 @@
               <a:t>    </a:t>
             </a:r>
             <a:r>
-              <a:rPr lang="en-US" altLang="zh-CN" sz="1400">
+              <a:rPr lang="en-US" altLang="zh-CN" sz="1400" dirty="0">
                 <a:solidFill>
                   <a:srgbClr val="61AFEF"/>
                 </a:solidFill>
@@ -9430,7 +9430,7 @@
               <a:t>Cons</a:t>
             </a:r>
             <a:r>
-              <a:rPr lang="en-US" altLang="zh-CN" sz="1400">
+              <a:rPr lang="en-US" altLang="zh-CN" sz="1400" dirty="0">
                 <a:solidFill>
                   <a:srgbClr val="ABB2BF"/>
                 </a:solidFill>
@@ -9440,7 +9440,7 @@
               <a:t>(</a:t>
             </a:r>
             <a:r>
-              <a:rPr lang="en-US" altLang="zh-CN" sz="1400">
+              <a:rPr lang="en-US" altLang="zh-CN" sz="1400" dirty="0">
                 <a:solidFill>
                   <a:srgbClr val="E5C07B"/>
                 </a:solidFill>
@@ -9450,7 +9450,7 @@
               <a:t>i32</a:t>
             </a:r>
             <a:r>
-              <a:rPr lang="en-US" altLang="zh-CN" sz="1400">
+              <a:rPr lang="en-US" altLang="zh-CN" sz="1400" dirty="0">
                 <a:solidFill>
                   <a:srgbClr val="ABB2BF"/>
                 </a:solidFill>
@@ -9460,7 +9460,7 @@
               <a:t>, </a:t>
             </a:r>
             <a:r>
-              <a:rPr lang="en-US" altLang="zh-CN" sz="1400">
+              <a:rPr lang="en-US" altLang="zh-CN" sz="1400" dirty="0">
                 <a:solidFill>
                   <a:srgbClr val="E5C07B"/>
                 </a:solidFill>
@@ -9470,7 +9470,7 @@
               <a:t>List</a:t>
             </a:r>
             <a:r>
-              <a:rPr lang="en-US" altLang="zh-CN" sz="1400">
+              <a:rPr lang="en-US" altLang="zh-CN" sz="1400" dirty="0">
                 <a:solidFill>
                   <a:srgbClr val="ABB2BF"/>
                 </a:solidFill>
@@ -9482,7 +9482,7 @@
           </a:p>
           <a:p>
             <a:r>
-              <a:rPr lang="en-US" altLang="zh-CN" sz="1400">
+              <a:rPr lang="en-US" altLang="zh-CN" sz="1400" dirty="0">
                 <a:solidFill>
                   <a:srgbClr val="ABB2BF"/>
                 </a:solidFill>
@@ -9492,7 +9492,7 @@
               <a:t>    </a:t>
             </a:r>
             <a:r>
-              <a:rPr lang="en-US" altLang="zh-CN" sz="1400">
+              <a:rPr lang="en-US" altLang="zh-CN" sz="1400" dirty="0">
                 <a:solidFill>
                   <a:srgbClr val="E5C07B"/>
                 </a:solidFill>
@@ -9502,7 +9502,7 @@
               <a:t>Nil</a:t>
             </a:r>
             <a:r>
-              <a:rPr lang="en-US" altLang="zh-CN" sz="1400">
+              <a:rPr lang="en-US" altLang="zh-CN" sz="1400" dirty="0">
                 <a:solidFill>
                   <a:srgbClr val="ABB2BF"/>
                 </a:solidFill>
@@ -9514,7 +9514,7 @@
           </a:p>
           <a:p>
             <a:r>
-              <a:rPr lang="en-US" altLang="zh-CN" sz="1400">
+              <a:rPr lang="en-US" altLang="zh-CN" sz="1400" dirty="0">
                 <a:solidFill>
                   <a:srgbClr val="ABB2BF"/>
                 </a:solidFill>
@@ -9526,7 +9526,7 @@
           </a:p>
           <a:p>
             <a:br>
-              <a:rPr lang="en-US" altLang="zh-CN" sz="1400">
+              <a:rPr lang="en-US" altLang="zh-CN" sz="1400" dirty="0">
                 <a:solidFill>
                   <a:srgbClr val="ABB2BF"/>
                 </a:solidFill>
@@ -9535,7 +9535,7 @@
               </a:rPr>
             </a:br>
             <a:r>
-              <a:rPr lang="en-US" altLang="zh-CN" sz="1400">
+              <a:rPr lang="en-US" altLang="zh-CN" sz="1400" dirty="0">
                 <a:solidFill>
                   <a:srgbClr val="C678DD"/>
                 </a:solidFill>
@@ -9545,7 +9545,7 @@
               <a:t>use</a:t>
             </a:r>
             <a:r>
-              <a:rPr lang="en-US" altLang="zh-CN" sz="1400">
+              <a:rPr lang="en-US" altLang="zh-CN" sz="1400" dirty="0">
                 <a:solidFill>
                   <a:srgbClr val="ABB2BF"/>
                 </a:solidFill>
@@ -9555,7 +9555,7 @@
               <a:t> </a:t>
             </a:r>
             <a:r>
-              <a:rPr lang="en-US" altLang="zh-CN" sz="1400">
+              <a:rPr lang="en-US" altLang="zh-CN" sz="1400" dirty="0">
                 <a:solidFill>
                   <a:srgbClr val="E5C07B"/>
                 </a:solidFill>
@@ -9565,7 +9565,7 @@
               <a:t>List</a:t>
             </a:r>
             <a:r>
-              <a:rPr lang="en-US" altLang="zh-CN" sz="1400">
+              <a:rPr lang="en-US" altLang="zh-CN" sz="1400" dirty="0">
                 <a:solidFill>
                   <a:srgbClr val="ABB2BF"/>
                 </a:solidFill>
@@ -9575,7 +9575,7 @@
               <a:t>::{</a:t>
             </a:r>
             <a:r>
-              <a:rPr lang="en-US" altLang="zh-CN" sz="1400">
+              <a:rPr lang="en-US" altLang="zh-CN" sz="1400" dirty="0">
                 <a:solidFill>
                   <a:srgbClr val="E5C07B"/>
                 </a:solidFill>
@@ -9585,7 +9585,7 @@
               <a:t>Cons</a:t>
             </a:r>
             <a:r>
-              <a:rPr lang="en-US" altLang="zh-CN" sz="1400">
+              <a:rPr lang="en-US" altLang="zh-CN" sz="1400" dirty="0">
                 <a:solidFill>
                   <a:srgbClr val="ABB2BF"/>
                 </a:solidFill>
@@ -9595,7 +9595,7 @@
               <a:t>, </a:t>
             </a:r>
             <a:r>
-              <a:rPr lang="en-US" altLang="zh-CN" sz="1400">
+              <a:rPr lang="en-US" altLang="zh-CN" sz="1400" dirty="0">
                 <a:solidFill>
                   <a:srgbClr val="E5C07B"/>
                 </a:solidFill>
@@ -9605,7 +9605,7 @@
               <a:t>Nil</a:t>
             </a:r>
             <a:r>
-              <a:rPr lang="en-US" altLang="zh-CN" sz="1400">
+              <a:rPr lang="en-US" altLang="zh-CN" sz="1400" dirty="0">
                 <a:solidFill>
                   <a:srgbClr val="ABB2BF"/>
                 </a:solidFill>
@@ -9617,7 +9617,7 @@
           </a:p>
           <a:p>
             <a:br>
-              <a:rPr lang="en-US" altLang="zh-CN" sz="1400">
+              <a:rPr lang="en-US" altLang="zh-CN" sz="1400" dirty="0">
                 <a:solidFill>
                   <a:srgbClr val="ABB2BF"/>
                 </a:solidFill>
@@ -9626,7 +9626,7 @@
               </a:rPr>
             </a:br>
             <a:r>
-              <a:rPr lang="en-US" altLang="zh-CN" sz="1400">
+              <a:rPr lang="en-US" altLang="zh-CN" sz="1400" dirty="0" err="1">
                 <a:solidFill>
                   <a:srgbClr val="C678DD"/>
                 </a:solidFill>
@@ -9636,7 +9636,7 @@
               <a:t>fn</a:t>
             </a:r>
             <a:r>
-              <a:rPr lang="en-US" altLang="zh-CN" sz="1400">
+              <a:rPr lang="en-US" altLang="zh-CN" sz="1400" dirty="0">
                 <a:solidFill>
                   <a:srgbClr val="ABB2BF"/>
                 </a:solidFill>
@@ -9646,7 +9646,7 @@
               <a:t> </a:t>
             </a:r>
             <a:r>
-              <a:rPr lang="en-US" altLang="zh-CN" sz="1400">
+              <a:rPr lang="en-US" altLang="zh-CN" sz="1400" dirty="0">
                 <a:solidFill>
                   <a:srgbClr val="61AFEF"/>
                 </a:solidFill>
@@ -9656,7 +9656,7 @@
               <a:t>main</a:t>
             </a:r>
             <a:r>
-              <a:rPr lang="en-US" altLang="zh-CN" sz="1400">
+              <a:rPr lang="en-US" altLang="zh-CN" sz="1400" dirty="0">
                 <a:solidFill>
                   <a:srgbClr val="ABB2BF"/>
                 </a:solidFill>
@@ -9668,7 +9668,7 @@
           </a:p>
           <a:p>
             <a:r>
-              <a:rPr lang="en-US" altLang="zh-CN" sz="1400">
+              <a:rPr lang="en-US" altLang="zh-CN" sz="1400" dirty="0">
                 <a:solidFill>
                   <a:srgbClr val="ABB2BF"/>
                 </a:solidFill>
@@ -9678,7 +9678,7 @@
               <a:t>    </a:t>
             </a:r>
             <a:r>
-              <a:rPr lang="en-US" altLang="zh-CN" sz="1400">
+              <a:rPr lang="en-US" altLang="zh-CN" sz="1400" dirty="0">
                 <a:solidFill>
                   <a:srgbClr val="C678DD"/>
                 </a:solidFill>
@@ -9688,7 +9688,7 @@
               <a:t>let</a:t>
             </a:r>
             <a:r>
-              <a:rPr lang="en-US" altLang="zh-CN" sz="1400">
+              <a:rPr lang="en-US" altLang="zh-CN" sz="1400" dirty="0">
                 <a:solidFill>
                   <a:srgbClr val="ABB2BF"/>
                 </a:solidFill>
@@ -9698,7 +9698,7 @@
               <a:t> </a:t>
             </a:r>
             <a:r>
-              <a:rPr lang="en-US" altLang="zh-CN" sz="1400">
+              <a:rPr lang="en-US" altLang="zh-CN" sz="1400" dirty="0">
                 <a:solidFill>
                   <a:srgbClr val="E06C75"/>
                 </a:solidFill>
@@ -9708,7 +9708,7 @@
               <a:t>list</a:t>
             </a:r>
             <a:r>
-              <a:rPr lang="en-US" altLang="zh-CN" sz="1400">
+              <a:rPr lang="en-US" altLang="zh-CN" sz="1400" dirty="0">
                 <a:solidFill>
                   <a:srgbClr val="ABB2BF"/>
                 </a:solidFill>
@@ -9718,7 +9718,7 @@
               <a:t> </a:t>
             </a:r>
             <a:r>
-              <a:rPr lang="en-US" altLang="zh-CN" sz="1400">
+              <a:rPr lang="en-US" altLang="zh-CN" sz="1400" dirty="0">
                 <a:solidFill>
                   <a:srgbClr val="56B6C2"/>
                 </a:solidFill>
@@ -9728,7 +9728,7 @@
               <a:t>=</a:t>
             </a:r>
             <a:r>
-              <a:rPr lang="en-US" altLang="zh-CN" sz="1400">
+              <a:rPr lang="en-US" altLang="zh-CN" sz="1400" dirty="0">
                 <a:solidFill>
                   <a:srgbClr val="ABB2BF"/>
                 </a:solidFill>
@@ -9738,7 +9738,7 @@
               <a:t> </a:t>
             </a:r>
             <a:r>
-              <a:rPr lang="en-US" altLang="zh-CN" sz="1400">
+              <a:rPr lang="en-US" altLang="zh-CN" sz="1400" dirty="0">
                 <a:solidFill>
                   <a:srgbClr val="61AFEF"/>
                 </a:solidFill>
@@ -9748,7 +9748,7 @@
               <a:t>Cons</a:t>
             </a:r>
             <a:r>
-              <a:rPr lang="en-US" altLang="zh-CN" sz="1400">
+              <a:rPr lang="en-US" altLang="zh-CN" sz="1400" dirty="0">
                 <a:solidFill>
                   <a:srgbClr val="ABB2BF"/>
                 </a:solidFill>
@@ -9758,7 +9758,7 @@
               <a:t>(</a:t>
             </a:r>
             <a:r>
-              <a:rPr lang="en-US" altLang="zh-CN" sz="1400">
+              <a:rPr lang="en-US" altLang="zh-CN" sz="1400" dirty="0">
                 <a:solidFill>
                   <a:srgbClr val="D19A66"/>
                 </a:solidFill>
@@ -9768,7 +9768,7 @@
               <a:t>1</a:t>
             </a:r>
             <a:r>
-              <a:rPr lang="en-US" altLang="zh-CN" sz="1400">
+              <a:rPr lang="en-US" altLang="zh-CN" sz="1400" dirty="0">
                 <a:solidFill>
                   <a:srgbClr val="ABB2BF"/>
                 </a:solidFill>
@@ -9778,7 +9778,7 @@
               <a:t>, </a:t>
             </a:r>
             <a:r>
-              <a:rPr lang="en-US" altLang="zh-CN" sz="1400">
+              <a:rPr lang="en-US" altLang="zh-CN" sz="1400" dirty="0">
                 <a:solidFill>
                   <a:srgbClr val="61AFEF"/>
                 </a:solidFill>
@@ -9788,7 +9788,7 @@
               <a:t>Cons</a:t>
             </a:r>
             <a:r>
-              <a:rPr lang="en-US" altLang="zh-CN" sz="1400">
+              <a:rPr lang="en-US" altLang="zh-CN" sz="1400" dirty="0">
                 <a:solidFill>
                   <a:srgbClr val="ABB2BF"/>
                 </a:solidFill>
@@ -9798,7 +9798,7 @@
               <a:t>(</a:t>
             </a:r>
             <a:r>
-              <a:rPr lang="en-US" altLang="zh-CN" sz="1400">
+              <a:rPr lang="en-US" altLang="zh-CN" sz="1400" dirty="0">
                 <a:solidFill>
                   <a:srgbClr val="D19A66"/>
                 </a:solidFill>
@@ -9808,7 +9808,7 @@
               <a:t>2</a:t>
             </a:r>
             <a:r>
-              <a:rPr lang="en-US" altLang="zh-CN" sz="1400">
+              <a:rPr lang="en-US" altLang="zh-CN" sz="1400" dirty="0">
                 <a:solidFill>
                   <a:srgbClr val="ABB2BF"/>
                 </a:solidFill>
@@ -9818,7 +9818,7 @@
               <a:t>, </a:t>
             </a:r>
             <a:r>
-              <a:rPr lang="en-US" altLang="zh-CN" sz="1400">
+              <a:rPr lang="en-US" altLang="zh-CN" sz="1400" dirty="0">
                 <a:solidFill>
                   <a:srgbClr val="61AFEF"/>
                 </a:solidFill>
@@ -9828,7 +9828,7 @@
               <a:t>Cons</a:t>
             </a:r>
             <a:r>
-              <a:rPr lang="en-US" altLang="zh-CN" sz="1400">
+              <a:rPr lang="en-US" altLang="zh-CN" sz="1400" dirty="0">
                 <a:solidFill>
                   <a:srgbClr val="ABB2BF"/>
                 </a:solidFill>
@@ -9838,7 +9838,7 @@
               <a:t>(</a:t>
             </a:r>
             <a:r>
-              <a:rPr lang="en-US" altLang="zh-CN" sz="1400">
+              <a:rPr lang="en-US" altLang="zh-CN" sz="1400" dirty="0">
                 <a:solidFill>
                   <a:srgbClr val="D19A66"/>
                 </a:solidFill>
@@ -9848,7 +9848,7 @@
               <a:t>3</a:t>
             </a:r>
             <a:r>
-              <a:rPr lang="en-US" altLang="zh-CN" sz="1400">
+              <a:rPr lang="en-US" altLang="zh-CN" sz="1400" dirty="0">
                 <a:solidFill>
                   <a:srgbClr val="ABB2BF"/>
                 </a:solidFill>
@@ -9858,7 +9858,7 @@
               <a:t>, </a:t>
             </a:r>
             <a:r>
-              <a:rPr lang="en-US" altLang="zh-CN" sz="1400">
+              <a:rPr lang="en-US" altLang="zh-CN" sz="1400" dirty="0">
                 <a:solidFill>
                   <a:srgbClr val="E5C07B"/>
                 </a:solidFill>
@@ -9868,7 +9868,7 @@
               <a:t>Nil</a:t>
             </a:r>
             <a:r>
-              <a:rPr lang="en-US" altLang="zh-CN" sz="1400">
+              <a:rPr lang="en-US" altLang="zh-CN" sz="1400" dirty="0">
                 <a:solidFill>
                   <a:srgbClr val="ABB2BF"/>
                 </a:solidFill>
@@ -9880,7 +9880,7 @@
           </a:p>
           <a:p>
             <a:r>
-              <a:rPr lang="en-US" altLang="zh-CN" sz="1400">
+              <a:rPr lang="en-US" altLang="zh-CN" sz="1400" dirty="0">
                 <a:solidFill>
                   <a:srgbClr val="ABB2BF"/>
                 </a:solidFill>
@@ -9889,7 +9889,7 @@
               </a:rPr>
               <a:t>}</a:t>
             </a:r>
-            <a:endParaRPr lang="en-US" altLang="zh-CN" sz="1400" b="0">
+            <a:endParaRPr lang="en-US" altLang="zh-CN" sz="1400" b="0" dirty="0">
               <a:solidFill>
                 <a:srgbClr val="ABB2BF"/>
               </a:solidFill>
@@ -17025,9 +17025,9 @@
               <a:rPr lang="en-US" altLang="zh-CN" b="1" dirty="0">
                 <a:sym typeface="+mn-ea"/>
               </a:rPr>
-              <a:t> Practices</a:t>
-            </a:r>
-            <a:endParaRPr lang="zh-CN" altLang="en-US"/>
+              <a:t> Exercises</a:t>
+            </a:r>
+            <a:endParaRPr lang="zh-CN" altLang="en-US" dirty="0"/>
           </a:p>
         </p:txBody>
       </p:sp>
@@ -17052,13 +17052,37 @@
           <a:lstStyle/>
           <a:p>
             <a:r>
-              <a:rPr lang="en-US" altLang="zh-CN"/>
-              <a:t>1. Please complete the code on page 5(as shown in the code on the right), print out the addresses of each element(a,b,c,d) in the two structures(RustStyle, CStyle).</a:t>
-            </a:r>
-          </a:p>
-          <a:p>
-            <a:r>
-              <a:rPr lang="en-US" altLang="zh-CN"/>
+              <a:rPr lang="en-US" altLang="zh-CN" dirty="0"/>
+              <a:t>1. Please complete the code on page 5(as shown in the code on the right), print out the addresses of each element(</a:t>
+            </a:r>
+            <a:r>
+              <a:rPr lang="en-US" altLang="zh-CN" dirty="0" err="1"/>
+              <a:t>a,b,c,d</a:t>
+            </a:r>
+            <a:r>
+              <a:rPr lang="en-US" altLang="zh-CN" dirty="0"/>
+              <a:t>) in the two structures(</a:t>
+            </a:r>
+            <a:r>
+              <a:rPr lang="en-US" altLang="zh-CN" dirty="0" err="1"/>
+              <a:t>RustStyle</a:t>
+            </a:r>
+            <a:r>
+              <a:rPr lang="en-US" altLang="zh-CN" dirty="0"/>
+              <a:t>, </a:t>
+            </a:r>
+            <a:r>
+              <a:rPr lang="en-US" altLang="zh-CN" dirty="0" err="1"/>
+              <a:t>CStyle</a:t>
+            </a:r>
+            <a:r>
+              <a:rPr lang="en-US" altLang="zh-CN" dirty="0"/>
+              <a:t>).</a:t>
+            </a:r>
+          </a:p>
+          <a:p>
+            <a:r>
+              <a:rPr lang="en-US" altLang="zh-CN" dirty="0"/>
               <a:t> Compare the differences between RUST and C when storing structure data.</a:t>
             </a:r>
           </a:p>
@@ -17117,7 +17141,7 @@
               </a:lnSpc>
             </a:pPr>
             <a:r>
-              <a:rPr lang="en-US" altLang="zh-CN" sz="1300" b="0">
+              <a:rPr lang="en-US" altLang="zh-CN" sz="1300" b="0" dirty="0">
                 <a:solidFill>
                   <a:srgbClr val="569CD6"/>
                 </a:solidFill>
@@ -17127,7 +17151,7 @@
               <a:t>use </a:t>
             </a:r>
             <a:r>
-              <a:rPr lang="en-US" altLang="zh-CN" sz="1300" b="0">
+              <a:rPr lang="en-US" altLang="zh-CN" sz="1300" b="0" dirty="0">
                 <a:solidFill>
                   <a:srgbClr val="4EC9B0"/>
                 </a:solidFill>
@@ -17137,7 +17161,7 @@
               <a:t>std</a:t>
             </a:r>
             <a:r>
-              <a:rPr lang="en-US" altLang="zh-CN" sz="1300" b="0">
+              <a:rPr lang="en-US" altLang="zh-CN" sz="1300" b="0" dirty="0">
                 <a:solidFill>
                   <a:srgbClr val="D4D4D4"/>
                 </a:solidFill>
@@ -17147,7 +17171,7 @@
               <a:t>::</a:t>
             </a:r>
             <a:r>
-              <a:rPr lang="en-US" altLang="zh-CN" sz="1300" b="0">
+              <a:rPr lang="en-US" altLang="zh-CN" sz="1300" b="0" dirty="0">
                 <a:solidFill>
                   <a:srgbClr val="4EC9B0"/>
                 </a:solidFill>
@@ -17157,7 +17181,7 @@
               <a:t>mem</a:t>
             </a:r>
             <a:r>
-              <a:rPr lang="en-US" altLang="zh-CN" sz="1300" b="0">
+              <a:rPr lang="en-US" altLang="zh-CN" sz="1300" b="0" dirty="0">
                 <a:solidFill>
                   <a:srgbClr val="D4D4D4"/>
                 </a:solidFill>
@@ -17167,14 +17191,54 @@
               <a:t>::</a:t>
             </a:r>
             <a:r>
-              <a:rPr lang="en-US" altLang="zh-CN" sz="1300" b="0">
-                <a:solidFill>
-                  <a:srgbClr val="CCCCCC"/>
-                </a:solidFill>
-                <a:latin typeface="Consolas" panose="020B0609020204030204"/>
-                <a:ea typeface="Consolas" panose="020B0609020204030204"/>
-              </a:rPr>
-              <a:t>{size_of_val, align_of_val};</a:t>
+              <a:rPr lang="en-US" altLang="zh-CN" sz="1300" b="0" dirty="0">
+                <a:solidFill>
+                  <a:srgbClr val="CCCCCC"/>
+                </a:solidFill>
+                <a:latin typeface="Consolas" panose="020B0609020204030204"/>
+                <a:ea typeface="Consolas" panose="020B0609020204030204"/>
+              </a:rPr>
+              <a:t>{</a:t>
+            </a:r>
+            <a:r>
+              <a:rPr lang="en-US" altLang="zh-CN" sz="1300" b="0" dirty="0" err="1">
+                <a:solidFill>
+                  <a:srgbClr val="CCCCCC"/>
+                </a:solidFill>
+                <a:latin typeface="Consolas" panose="020B0609020204030204"/>
+                <a:ea typeface="Consolas" panose="020B0609020204030204"/>
+              </a:rPr>
+              <a:t>size_of_val</a:t>
+            </a:r>
+            <a:r>
+              <a:rPr lang="en-US" altLang="zh-CN" sz="1300" b="0" dirty="0">
+                <a:solidFill>
+                  <a:srgbClr val="CCCCCC"/>
+                </a:solidFill>
+                <a:latin typeface="Consolas" panose="020B0609020204030204"/>
+                <a:ea typeface="Consolas" panose="020B0609020204030204"/>
+              </a:rPr>
+              <a:t>, </a:t>
+            </a:r>
+            <a:r>
+              <a:rPr lang="en-US" altLang="zh-CN" sz="1300" b="0" dirty="0" err="1">
+                <a:solidFill>
+                  <a:srgbClr val="CCCCCC"/>
+                </a:solidFill>
+                <a:latin typeface="Consolas" panose="020B0609020204030204"/>
+                <a:ea typeface="Consolas" panose="020B0609020204030204"/>
+              </a:rPr>
+              <a:t>align_of_val</a:t>
+            </a:r>
+            <a:r>
+              <a:rPr lang="en-US" altLang="zh-CN" sz="1300" b="0" dirty="0">
+                <a:solidFill>
+                  <a:srgbClr val="CCCCCC"/>
+                </a:solidFill>
+                <a:latin typeface="Consolas" panose="020B0609020204030204"/>
+                <a:ea typeface="Consolas" panose="020B0609020204030204"/>
+              </a:rPr>
+              <a:t>};</a:t>
             </a:r>
           </a:p>
           <a:p>
@@ -17184,7 +17248,7 @@
               </a:lnSpc>
             </a:pPr>
             <a:r>
-              <a:rPr lang="en-US" altLang="zh-CN" sz="1300" b="0">
+              <a:rPr lang="en-US" altLang="zh-CN" sz="1300" b="0" dirty="0">
                 <a:solidFill>
                   <a:srgbClr val="569CD6"/>
                 </a:solidFill>
@@ -17194,7 +17258,7 @@
               <a:t>struct </a:t>
             </a:r>
             <a:r>
-              <a:rPr lang="en-US" altLang="zh-CN" sz="1300" b="0">
+              <a:rPr lang="en-US" altLang="zh-CN" sz="1300" b="0" dirty="0" err="1">
                 <a:solidFill>
                   <a:srgbClr val="4EC9B0"/>
                 </a:solidFill>
@@ -17204,7 +17268,7 @@
               <a:t>RustStyle</a:t>
             </a:r>
             <a:r>
-              <a:rPr lang="en-US" altLang="zh-CN" sz="1300" b="0">
+              <a:rPr lang="en-US" altLang="zh-CN" sz="1300" b="0" dirty="0">
                 <a:solidFill>
                   <a:srgbClr val="CCCCCC"/>
                 </a:solidFill>
@@ -17221,7 +17285,7 @@
               </a:lnSpc>
             </a:pPr>
             <a:r>
-              <a:rPr lang="en-US" altLang="zh-CN" sz="1300" b="0">
+              <a:rPr lang="en-US" altLang="zh-CN" sz="1300" b="0" dirty="0">
                 <a:solidFill>
                   <a:srgbClr val="CCCCCC"/>
                 </a:solidFill>
@@ -17231,7 +17295,7 @@
               <a:t>    </a:t>
             </a:r>
             <a:r>
-              <a:rPr lang="en-US" altLang="zh-CN" sz="1300" b="0">
+              <a:rPr lang="en-US" altLang="zh-CN" sz="1300" b="0" dirty="0">
                 <a:solidFill>
                   <a:srgbClr val="9CDCFE"/>
                 </a:solidFill>
@@ -17241,7 +17305,7 @@
               <a:t>a</a:t>
             </a:r>
             <a:r>
-              <a:rPr lang="en-US" altLang="zh-CN" sz="1300" b="0">
+              <a:rPr lang="en-US" altLang="zh-CN" sz="1300" b="0" dirty="0">
                 <a:solidFill>
                   <a:srgbClr val="D4D4D4"/>
                 </a:solidFill>
@@ -17251,7 +17315,7 @@
               <a:t>:</a:t>
             </a:r>
             <a:r>
-              <a:rPr lang="en-US" altLang="zh-CN" sz="1300" b="0">
+              <a:rPr lang="en-US" altLang="zh-CN" sz="1300" b="0" dirty="0">
                 <a:solidFill>
                   <a:srgbClr val="4EC9B0"/>
                 </a:solidFill>
@@ -17261,7 +17325,7 @@
               <a:t>u8</a:t>
             </a:r>
             <a:r>
-              <a:rPr lang="en-US" altLang="zh-CN" sz="1300" b="0">
+              <a:rPr lang="en-US" altLang="zh-CN" sz="1300" b="0" dirty="0">
                 <a:solidFill>
                   <a:srgbClr val="CCCCCC"/>
                 </a:solidFill>
@@ -17271,7 +17335,7 @@
               <a:t>,</a:t>
             </a:r>
             <a:r>
-              <a:rPr lang="en-US" altLang="zh-CN" sz="1300" b="0">
+              <a:rPr lang="en-US" altLang="zh-CN" sz="1300" b="0" dirty="0">
                 <a:solidFill>
                   <a:srgbClr val="6A9955"/>
                 </a:solidFill>
@@ -17280,7 +17344,7 @@
               </a:rPr>
               <a:t>   // 1 BYTE</a:t>
             </a:r>
-            <a:endParaRPr lang="zh-CN" altLang="en-US" sz="1300" b="0">
+            <a:endParaRPr lang="zh-CN" altLang="en-US" sz="1300" b="0" dirty="0">
               <a:solidFill>
                 <a:srgbClr val="6A9955"/>
               </a:solidFill>
@@ -17295,7 +17359,7 @@
               </a:lnSpc>
             </a:pPr>
             <a:r>
-              <a:rPr lang="en-US" altLang="zh-CN" sz="1300" b="0">
+              <a:rPr lang="en-US" altLang="zh-CN" sz="1300" b="0" dirty="0">
                 <a:solidFill>
                   <a:srgbClr val="CCCCCC"/>
                 </a:solidFill>
@@ -17305,7 +17369,7 @@
               <a:t>    </a:t>
             </a:r>
             <a:r>
-              <a:rPr lang="en-US" altLang="zh-CN" sz="1300" b="0">
+              <a:rPr lang="en-US" altLang="zh-CN" sz="1300" b="0" dirty="0">
                 <a:solidFill>
                   <a:srgbClr val="9CDCFE"/>
                 </a:solidFill>
@@ -17315,7 +17379,7 @@
               <a:t>b</a:t>
             </a:r>
             <a:r>
-              <a:rPr lang="en-US" altLang="zh-CN" sz="1300" b="0">
+              <a:rPr lang="en-US" altLang="zh-CN" sz="1300" b="0" dirty="0">
                 <a:solidFill>
                   <a:srgbClr val="D4D4D4"/>
                 </a:solidFill>
@@ -17325,7 +17389,7 @@
               <a:t>:</a:t>
             </a:r>
             <a:r>
-              <a:rPr lang="en-US" altLang="zh-CN" sz="1300" b="0">
+              <a:rPr lang="en-US" altLang="zh-CN" sz="1300" b="0" dirty="0">
                 <a:solidFill>
                   <a:srgbClr val="4EC9B0"/>
                 </a:solidFill>
@@ -17335,7 +17399,7 @@
               <a:t>u32</a:t>
             </a:r>
             <a:r>
-              <a:rPr lang="en-US" altLang="zh-CN" sz="1300" b="0">
+              <a:rPr lang="en-US" altLang="zh-CN" sz="1300" b="0" dirty="0">
                 <a:solidFill>
                   <a:srgbClr val="CCCCCC"/>
                 </a:solidFill>
@@ -17345,7 +17409,7 @@
               <a:t>,</a:t>
             </a:r>
             <a:r>
-              <a:rPr lang="en-US" altLang="zh-CN" sz="1300" b="0">
+              <a:rPr lang="en-US" altLang="zh-CN" sz="1300" b="0" dirty="0">
                 <a:solidFill>
                   <a:srgbClr val="6A9955"/>
                 </a:solidFill>
@@ -17354,7 +17418,7 @@
               </a:rPr>
               <a:t>  // 4 BYTES</a:t>
             </a:r>
-            <a:endParaRPr lang="zh-CN" altLang="en-US" sz="1300" b="0">
+            <a:endParaRPr lang="zh-CN" altLang="en-US" sz="1300" b="0" dirty="0">
               <a:solidFill>
                 <a:srgbClr val="6A9955"/>
               </a:solidFill>
@@ -17369,7 +17433,7 @@
               </a:lnSpc>
             </a:pPr>
             <a:r>
-              <a:rPr lang="en-US" altLang="zh-CN" sz="1300" b="0">
+              <a:rPr lang="en-US" altLang="zh-CN" sz="1300" b="0" dirty="0">
                 <a:solidFill>
                   <a:srgbClr val="CCCCCC"/>
                 </a:solidFill>
@@ -17379,7 +17443,7 @@
               <a:t>    </a:t>
             </a:r>
             <a:r>
-              <a:rPr lang="en-US" altLang="zh-CN" sz="1300" b="0">
+              <a:rPr lang="en-US" altLang="zh-CN" sz="1300" b="0" dirty="0">
                 <a:solidFill>
                   <a:srgbClr val="9CDCFE"/>
                 </a:solidFill>
@@ -17389,7 +17453,7 @@
               <a:t>c</a:t>
             </a:r>
             <a:r>
-              <a:rPr lang="en-US" altLang="zh-CN" sz="1300" b="0">
+              <a:rPr lang="en-US" altLang="zh-CN" sz="1300" b="0" dirty="0">
                 <a:solidFill>
                   <a:srgbClr val="D4D4D4"/>
                 </a:solidFill>
@@ -17399,7 +17463,7 @@
               <a:t>:</a:t>
             </a:r>
             <a:r>
-              <a:rPr lang="en-US" altLang="zh-CN" sz="1300" b="0">
+              <a:rPr lang="en-US" altLang="zh-CN" sz="1300" b="0" dirty="0">
                 <a:solidFill>
                   <a:srgbClr val="4EC9B0"/>
                 </a:solidFill>
@@ -17409,7 +17473,7 @@
               <a:t>u16</a:t>
             </a:r>
             <a:r>
-              <a:rPr lang="en-US" altLang="zh-CN" sz="1300" b="0">
+              <a:rPr lang="en-US" altLang="zh-CN" sz="1300" b="0" dirty="0">
                 <a:solidFill>
                   <a:srgbClr val="CCCCCC"/>
                 </a:solidFill>
@@ -17419,7 +17483,7 @@
               <a:t>,</a:t>
             </a:r>
             <a:r>
-              <a:rPr lang="en-US" altLang="zh-CN" sz="1300" b="0">
+              <a:rPr lang="en-US" altLang="zh-CN" sz="1300" b="0" dirty="0">
                 <a:solidFill>
                   <a:srgbClr val="6A9955"/>
                 </a:solidFill>
@@ -17428,7 +17492,7 @@
               </a:rPr>
               <a:t>  // 2 BYTES</a:t>
             </a:r>
-            <a:endParaRPr lang="zh-CN" altLang="en-US" sz="1300" b="0">
+            <a:endParaRPr lang="zh-CN" altLang="en-US" sz="1300" b="0" dirty="0">
               <a:solidFill>
                 <a:srgbClr val="6A9955"/>
               </a:solidFill>
@@ -17443,7 +17507,7 @@
               </a:lnSpc>
             </a:pPr>
             <a:r>
-              <a:rPr lang="en-US" altLang="zh-CN" sz="1300" b="0">
+              <a:rPr lang="en-US" altLang="zh-CN" sz="1300" b="0" dirty="0">
                 <a:solidFill>
                   <a:srgbClr val="CCCCCC"/>
                 </a:solidFill>
@@ -17453,7 +17517,7 @@
               <a:t>    </a:t>
             </a:r>
             <a:r>
-              <a:rPr lang="en-US" altLang="zh-CN" sz="1300" b="0">
+              <a:rPr lang="en-US" altLang="zh-CN" sz="1300" b="0" dirty="0">
                 <a:solidFill>
                   <a:srgbClr val="9CDCFE"/>
                 </a:solidFill>
@@ -17463,7 +17527,7 @@
               <a:t>d</a:t>
             </a:r>
             <a:r>
-              <a:rPr lang="en-US" altLang="zh-CN" sz="1300" b="0">
+              <a:rPr lang="en-US" altLang="zh-CN" sz="1300" b="0" dirty="0">
                 <a:solidFill>
                   <a:srgbClr val="D4D4D4"/>
                 </a:solidFill>
@@ -17473,7 +17537,7 @@
               <a:t>:</a:t>
             </a:r>
             <a:r>
-              <a:rPr lang="en-US" altLang="zh-CN" sz="1300" b="0">
+              <a:rPr lang="en-US" altLang="zh-CN" sz="1300" b="0" dirty="0">
                 <a:solidFill>
                   <a:srgbClr val="4EC9B0"/>
                 </a:solidFill>
@@ -17483,7 +17547,7 @@
               <a:t>f64</a:t>
             </a:r>
             <a:r>
-              <a:rPr lang="en-US" altLang="zh-CN" sz="1300" b="0">
+              <a:rPr lang="en-US" altLang="zh-CN" sz="1300" b="0" dirty="0">
                 <a:solidFill>
                   <a:srgbClr val="CCCCCC"/>
                 </a:solidFill>
@@ -17493,7 +17557,7 @@
               <a:t>,</a:t>
             </a:r>
             <a:r>
-              <a:rPr lang="en-US" altLang="zh-CN" sz="1300" b="0">
+              <a:rPr lang="en-US" altLang="zh-CN" sz="1300" b="0" dirty="0">
                 <a:solidFill>
                   <a:srgbClr val="6A9955"/>
                 </a:solidFill>
@@ -17502,7 +17566,7 @@
               </a:rPr>
               <a:t>  // 8 BYTES</a:t>
             </a:r>
-            <a:endParaRPr lang="zh-CN" altLang="en-US" sz="1300" b="0">
+            <a:endParaRPr lang="zh-CN" altLang="en-US" sz="1300" b="0" dirty="0">
               <a:solidFill>
                 <a:srgbClr val="6A9955"/>
               </a:solidFill>
@@ -17517,7 +17581,7 @@
               </a:lnSpc>
             </a:pPr>
             <a:r>
-              <a:rPr lang="en-US" altLang="zh-CN" sz="1300" b="0">
+              <a:rPr lang="en-US" altLang="zh-CN" sz="1300" b="0" dirty="0">
                 <a:solidFill>
                   <a:srgbClr val="CCCCCC"/>
                 </a:solidFill>
@@ -17533,7 +17597,7 @@
                 <a:spcPct val="100000"/>
               </a:lnSpc>
             </a:pPr>
-            <a:endParaRPr lang="zh-CN" altLang="en-US" sz="1300" b="0">
+            <a:endParaRPr lang="zh-CN" altLang="en-US" sz="1300" b="0" dirty="0">
               <a:solidFill>
                 <a:srgbClr val="6A9955"/>
               </a:solidFill>
@@ -17548,17 +17612,37 @@
               </a:lnSpc>
             </a:pPr>
             <a:r>
-              <a:rPr lang="en-US" altLang="zh-CN" sz="1300" b="0">
-                <a:solidFill>
-                  <a:srgbClr val="CCCCCC"/>
-                </a:solidFill>
-                <a:latin typeface="Consolas" panose="020B0609020204030204"/>
-                <a:ea typeface="Consolas" panose="020B0609020204030204"/>
-              </a:rPr>
-              <a:t>#[repr(</a:t>
-            </a:r>
-            <a:r>
-              <a:rPr lang="en-US" altLang="zh-CN" sz="1300" b="0">
+              <a:rPr lang="en-US" altLang="zh-CN" sz="1300" b="0" dirty="0">
+                <a:solidFill>
+                  <a:srgbClr val="CCCCCC"/>
+                </a:solidFill>
+                <a:latin typeface="Consolas" panose="020B0609020204030204"/>
+                <a:ea typeface="Consolas" panose="020B0609020204030204"/>
+              </a:rPr>
+              <a:t>#[</a:t>
+            </a:r>
+            <a:r>
+              <a:rPr lang="en-US" altLang="zh-CN" sz="1300" b="0" dirty="0" err="1">
+                <a:solidFill>
+                  <a:srgbClr val="CCCCCC"/>
+                </a:solidFill>
+                <a:latin typeface="Consolas" panose="020B0609020204030204"/>
+                <a:ea typeface="Consolas" panose="020B0609020204030204"/>
+              </a:rPr>
+              <a:t>repr</a:t>
+            </a:r>
+            <a:r>
+              <a:rPr lang="en-US" altLang="zh-CN" sz="1300" b="0" dirty="0">
+                <a:solidFill>
+                  <a:srgbClr val="CCCCCC"/>
+                </a:solidFill>
+                <a:latin typeface="Consolas" panose="020B0609020204030204"/>
+                <a:ea typeface="Consolas" panose="020B0609020204030204"/>
+              </a:rPr>
+              <a:t>(</a:t>
+            </a:r>
+            <a:r>
+              <a:rPr lang="en-US" altLang="zh-CN" sz="1300" b="0" dirty="0">
                 <a:solidFill>
                   <a:srgbClr val="4EC9B0"/>
                 </a:solidFill>
@@ -17568,7 +17652,7 @@
               <a:t>C</a:t>
             </a:r>
             <a:r>
-              <a:rPr lang="en-US" altLang="zh-CN" sz="1300" b="0">
+              <a:rPr lang="en-US" altLang="zh-CN" sz="1300" b="0" dirty="0">
                 <a:solidFill>
                   <a:srgbClr val="CCCCCC"/>
                 </a:solidFill>
@@ -17585,7 +17669,7 @@
               </a:lnSpc>
             </a:pPr>
             <a:r>
-              <a:rPr lang="en-US" altLang="zh-CN" sz="1300" b="0">
+              <a:rPr lang="en-US" altLang="zh-CN" sz="1300" b="0" dirty="0">
                 <a:solidFill>
                   <a:srgbClr val="569CD6"/>
                 </a:solidFill>
@@ -17595,7 +17679,7 @@
               <a:t>struct </a:t>
             </a:r>
             <a:r>
-              <a:rPr lang="en-US" altLang="zh-CN" sz="1300" b="0">
+              <a:rPr lang="en-US" altLang="zh-CN" sz="1300" b="0" dirty="0" err="1">
                 <a:solidFill>
                   <a:srgbClr val="4EC9B0"/>
                 </a:solidFill>
@@ -17605,7 +17689,7 @@
               <a:t>CStyle</a:t>
             </a:r>
             <a:r>
-              <a:rPr lang="en-US" altLang="zh-CN" sz="1300" b="0">
+              <a:rPr lang="en-US" altLang="zh-CN" sz="1300" b="0" dirty="0">
                 <a:solidFill>
                   <a:srgbClr val="CCCCCC"/>
                 </a:solidFill>
@@ -17622,7 +17706,7 @@
               </a:lnSpc>
             </a:pPr>
             <a:r>
-              <a:rPr lang="en-US" altLang="zh-CN" sz="1300" b="0">
+              <a:rPr lang="en-US" altLang="zh-CN" sz="1300" b="0" dirty="0">
                 <a:solidFill>
                   <a:srgbClr val="CCCCCC"/>
                 </a:solidFill>
@@ -17632,7 +17716,7 @@
               <a:t>    </a:t>
             </a:r>
             <a:r>
-              <a:rPr lang="en-US" altLang="zh-CN" sz="1300" b="0">
+              <a:rPr lang="en-US" altLang="zh-CN" sz="1300" b="0" dirty="0">
                 <a:solidFill>
                   <a:srgbClr val="9CDCFE"/>
                 </a:solidFill>
@@ -17642,7 +17726,7 @@
               <a:t>a</a:t>
             </a:r>
             <a:r>
-              <a:rPr lang="en-US" altLang="zh-CN" sz="1300" b="0">
+              <a:rPr lang="en-US" altLang="zh-CN" sz="1300" b="0" dirty="0">
                 <a:solidFill>
                   <a:srgbClr val="D4D4D4"/>
                 </a:solidFill>
@@ -17652,7 +17736,7 @@
               <a:t>:</a:t>
             </a:r>
             <a:r>
-              <a:rPr lang="en-US" altLang="zh-CN" sz="1300" b="0">
+              <a:rPr lang="en-US" altLang="zh-CN" sz="1300" b="0" dirty="0">
                 <a:solidFill>
                   <a:srgbClr val="4EC9B0"/>
                 </a:solidFill>
@@ -17662,7 +17746,7 @@
               <a:t>u8</a:t>
             </a:r>
             <a:r>
-              <a:rPr lang="en-US" altLang="zh-CN" sz="1300" b="0">
+              <a:rPr lang="en-US" altLang="zh-CN" sz="1300" b="0" dirty="0">
                 <a:solidFill>
                   <a:srgbClr val="CCCCCC"/>
                 </a:solidFill>
@@ -17679,7 +17763,7 @@
               </a:lnSpc>
             </a:pPr>
             <a:r>
-              <a:rPr lang="en-US" altLang="zh-CN" sz="1300" b="0">
+              <a:rPr lang="en-US" altLang="zh-CN" sz="1300" b="0" dirty="0">
                 <a:solidFill>
                   <a:srgbClr val="CCCCCC"/>
                 </a:solidFill>
@@ -17689,7 +17773,7 @@
               <a:t>    </a:t>
             </a:r>
             <a:r>
-              <a:rPr lang="en-US" altLang="zh-CN" sz="1300" b="0">
+              <a:rPr lang="en-US" altLang="zh-CN" sz="1300" b="0" dirty="0">
                 <a:solidFill>
                   <a:srgbClr val="9CDCFE"/>
                 </a:solidFill>
@@ -17699,7 +17783,7 @@
               <a:t>b</a:t>
             </a:r>
             <a:r>
-              <a:rPr lang="en-US" altLang="zh-CN" sz="1300" b="0">
+              <a:rPr lang="en-US" altLang="zh-CN" sz="1300" b="0" dirty="0">
                 <a:solidFill>
                   <a:srgbClr val="D4D4D4"/>
                 </a:solidFill>
@@ -17709,7 +17793,7 @@
               <a:t>:</a:t>
             </a:r>
             <a:r>
-              <a:rPr lang="en-US" altLang="zh-CN" sz="1300" b="0">
+              <a:rPr lang="en-US" altLang="zh-CN" sz="1300" b="0" dirty="0">
                 <a:solidFill>
                   <a:srgbClr val="4EC9B0"/>
                 </a:solidFill>
@@ -17719,7 +17803,7 @@
               <a:t>u32</a:t>
             </a:r>
             <a:r>
-              <a:rPr lang="en-US" altLang="zh-CN" sz="1300" b="0">
+              <a:rPr lang="en-US" altLang="zh-CN" sz="1300" b="0" dirty="0">
                 <a:solidFill>
                   <a:srgbClr val="CCCCCC"/>
                 </a:solidFill>
@@ -17736,7 +17820,7 @@
               </a:lnSpc>
             </a:pPr>
             <a:r>
-              <a:rPr lang="en-US" altLang="zh-CN" sz="1300" b="0">
+              <a:rPr lang="en-US" altLang="zh-CN" sz="1300" b="0" dirty="0">
                 <a:solidFill>
                   <a:srgbClr val="CCCCCC"/>
                 </a:solidFill>
@@ -17746,7 +17830,7 @@
               <a:t>    </a:t>
             </a:r>
             <a:r>
-              <a:rPr lang="en-US" altLang="zh-CN" sz="1300" b="0">
+              <a:rPr lang="en-US" altLang="zh-CN" sz="1300" b="0" dirty="0">
                 <a:solidFill>
                   <a:srgbClr val="9CDCFE"/>
                 </a:solidFill>
@@ -17756,7 +17840,7 @@
               <a:t>c</a:t>
             </a:r>
             <a:r>
-              <a:rPr lang="en-US" altLang="zh-CN" sz="1300" b="0">
+              <a:rPr lang="en-US" altLang="zh-CN" sz="1300" b="0" dirty="0">
                 <a:solidFill>
                   <a:srgbClr val="D4D4D4"/>
                 </a:solidFill>
@@ -17766,7 +17850,7 @@
               <a:t>:</a:t>
             </a:r>
             <a:r>
-              <a:rPr lang="en-US" altLang="zh-CN" sz="1300" b="0">
+              <a:rPr lang="en-US" altLang="zh-CN" sz="1300" b="0" dirty="0">
                 <a:solidFill>
                   <a:srgbClr val="4EC9B0"/>
                 </a:solidFill>
@@ -17776,7 +17860,7 @@
               <a:t>u16</a:t>
             </a:r>
             <a:r>
-              <a:rPr lang="en-US" altLang="zh-CN" sz="1300" b="0">
+              <a:rPr lang="en-US" altLang="zh-CN" sz="1300" b="0" dirty="0">
                 <a:solidFill>
                   <a:srgbClr val="CCCCCC"/>
                 </a:solidFill>
@@ -17793,7 +17877,7 @@
               </a:lnSpc>
             </a:pPr>
             <a:r>
-              <a:rPr lang="en-US" altLang="zh-CN" sz="1300" b="0">
+              <a:rPr lang="en-US" altLang="zh-CN" sz="1300" b="0" dirty="0">
                 <a:solidFill>
                   <a:srgbClr val="CCCCCC"/>
                 </a:solidFill>
@@ -17803,7 +17887,7 @@
               <a:t>    </a:t>
             </a:r>
             <a:r>
-              <a:rPr lang="en-US" altLang="zh-CN" sz="1300" b="0">
+              <a:rPr lang="en-US" altLang="zh-CN" sz="1300" b="0" dirty="0">
                 <a:solidFill>
                   <a:srgbClr val="9CDCFE"/>
                 </a:solidFill>
@@ -17813,7 +17897,7 @@
               <a:t>d</a:t>
             </a:r>
             <a:r>
-              <a:rPr lang="en-US" altLang="zh-CN" sz="1300" b="0">
+              <a:rPr lang="en-US" altLang="zh-CN" sz="1300" b="0" dirty="0">
                 <a:solidFill>
                   <a:srgbClr val="D4D4D4"/>
                 </a:solidFill>
@@ -17823,7 +17907,7 @@
               <a:t>:</a:t>
             </a:r>
             <a:r>
-              <a:rPr lang="en-US" altLang="zh-CN" sz="1300" b="0">
+              <a:rPr lang="en-US" altLang="zh-CN" sz="1300" b="0" dirty="0">
                 <a:solidFill>
                   <a:srgbClr val="4EC9B0"/>
                 </a:solidFill>
@@ -17833,7 +17917,7 @@
               <a:t>f64</a:t>
             </a:r>
             <a:r>
-              <a:rPr lang="en-US" altLang="zh-CN" sz="1300" b="0">
+              <a:rPr lang="en-US" altLang="zh-CN" sz="1300" b="0" dirty="0">
                 <a:solidFill>
                   <a:srgbClr val="CCCCCC"/>
                 </a:solidFill>
@@ -17850,7 +17934,7 @@
               </a:lnSpc>
             </a:pPr>
             <a:r>
-              <a:rPr lang="en-US" altLang="zh-CN" sz="1300" b="0">
+              <a:rPr lang="en-US" altLang="zh-CN" sz="1300" b="0" dirty="0">
                 <a:solidFill>
                   <a:srgbClr val="CCCCCC"/>
                 </a:solidFill>
@@ -17867,17 +17951,27 @@
               </a:lnSpc>
             </a:pPr>
             <a:r>
-              <a:rPr lang="en-US" altLang="zh-CN" sz="1300" b="0">
+              <a:rPr lang="en-US" altLang="zh-CN" sz="1300" b="0" dirty="0" err="1">
                 <a:solidFill>
                   <a:srgbClr val="569CD6"/>
                 </a:solidFill>
                 <a:latin typeface="Consolas" panose="020B0609020204030204"/>
                 <a:ea typeface="Consolas" panose="020B0609020204030204"/>
               </a:rPr>
-              <a:t>fn </a:t>
-            </a:r>
-            <a:r>
-              <a:rPr lang="en-US" altLang="zh-CN" sz="1300" b="0">
+              <a:t>fn</a:t>
+            </a:r>
+            <a:r>
+              <a:rPr lang="en-US" altLang="zh-CN" sz="1300" b="0" dirty="0">
+                <a:solidFill>
+                  <a:srgbClr val="569CD6"/>
+                </a:solidFill>
+                <a:latin typeface="Consolas" panose="020B0609020204030204"/>
+                <a:ea typeface="Consolas" panose="020B0609020204030204"/>
+              </a:rPr>
+              <a:t> </a:t>
+            </a:r>
+            <a:r>
+              <a:rPr lang="en-US" altLang="zh-CN" sz="1300" b="0" dirty="0" err="1">
                 <a:solidFill>
                   <a:srgbClr val="DCDCAA"/>
                 </a:solidFill>
@@ -17887,7 +17981,7 @@
               <a:t>print_struct</a:t>
             </a:r>
             <a:r>
-              <a:rPr lang="en-US" altLang="zh-CN" sz="1300" b="0">
+              <a:rPr lang="en-US" altLang="zh-CN" sz="1300" b="0" dirty="0">
                 <a:solidFill>
                   <a:srgbClr val="CCCCCC"/>
                 </a:solidFill>
@@ -17897,7 +17991,7 @@
               <a:t>&lt;</a:t>
             </a:r>
             <a:r>
-              <a:rPr lang="en-US" altLang="zh-CN" sz="1300" b="0">
+              <a:rPr lang="en-US" altLang="zh-CN" sz="1300" b="0" dirty="0">
                 <a:solidFill>
                   <a:srgbClr val="4EC9B0"/>
                 </a:solidFill>
@@ -17907,7 +18001,7 @@
               <a:t>T</a:t>
             </a:r>
             <a:r>
-              <a:rPr lang="en-US" altLang="zh-CN" sz="1300" b="0">
+              <a:rPr lang="en-US" altLang="zh-CN" sz="1300" b="0" dirty="0">
                 <a:solidFill>
                   <a:srgbClr val="CCCCCC"/>
                 </a:solidFill>
@@ -17917,7 +18011,7 @@
               <a:t>&gt;(</a:t>
             </a:r>
             <a:r>
-              <a:rPr lang="en-US" altLang="zh-CN" sz="1300" b="0">
+              <a:rPr lang="en-US" altLang="zh-CN" sz="1300" b="0" dirty="0">
                 <a:solidFill>
                   <a:srgbClr val="9CDCFE"/>
                 </a:solidFill>
@@ -17927,7 +18021,7 @@
               <a:t>instance</a:t>
             </a:r>
             <a:r>
-              <a:rPr lang="en-US" altLang="zh-CN" sz="1300" b="0">
+              <a:rPr lang="en-US" altLang="zh-CN" sz="1300" b="0" dirty="0">
                 <a:solidFill>
                   <a:srgbClr val="D4D4D4"/>
                 </a:solidFill>
@@ -17937,7 +18031,7 @@
               <a:t>:&amp;</a:t>
             </a:r>
             <a:r>
-              <a:rPr lang="en-US" altLang="zh-CN" sz="1300" b="0">
+              <a:rPr lang="en-US" altLang="zh-CN" sz="1300" b="0" dirty="0">
                 <a:solidFill>
                   <a:srgbClr val="4EC9B0"/>
                 </a:solidFill>
@@ -17947,7 +18041,7 @@
               <a:t>T</a:t>
             </a:r>
             <a:r>
-              <a:rPr lang="en-US" altLang="zh-CN" sz="1300" b="0">
+              <a:rPr lang="en-US" altLang="zh-CN" sz="1300" b="0" dirty="0">
                 <a:solidFill>
                   <a:srgbClr val="CCCCCC"/>
                 </a:solidFill>
@@ -17957,7 +18051,7 @@
               <a:t>, </a:t>
             </a:r>
             <a:r>
-              <a:rPr lang="en-US" altLang="zh-CN" sz="1300" b="0">
+              <a:rPr lang="en-US" altLang="zh-CN" sz="1300" b="0" dirty="0">
                 <a:solidFill>
                   <a:srgbClr val="9CDCFE"/>
                 </a:solidFill>
@@ -17967,7 +18061,7 @@
               <a:t>name</a:t>
             </a:r>
             <a:r>
-              <a:rPr lang="en-US" altLang="zh-CN" sz="1300" b="0">
+              <a:rPr lang="en-US" altLang="zh-CN" sz="1300" b="0" dirty="0">
                 <a:solidFill>
                   <a:srgbClr val="D4D4D4"/>
                 </a:solidFill>
@@ -17977,7 +18071,7 @@
               <a:t>:&amp;</a:t>
             </a:r>
             <a:r>
-              <a:rPr lang="en-US" altLang="zh-CN" sz="1300" b="0">
+              <a:rPr lang="en-US" altLang="zh-CN" sz="1300" b="0" dirty="0">
                 <a:solidFill>
                   <a:srgbClr val="4EC9B0"/>
                 </a:solidFill>
@@ -17987,7 +18081,7 @@
               <a:t>str</a:t>
             </a:r>
             <a:r>
-              <a:rPr lang="en-US" altLang="zh-CN" sz="1300" b="0">
+              <a:rPr lang="en-US" altLang="zh-CN" sz="1300" b="0" dirty="0">
                 <a:solidFill>
                   <a:srgbClr val="CCCCCC"/>
                 </a:solidFill>
@@ -18004,7 +18098,7 @@
               </a:lnSpc>
             </a:pPr>
             <a:r>
-              <a:rPr lang="en-US" altLang="zh-CN" sz="1300" b="0">
+              <a:rPr lang="en-US" altLang="zh-CN" sz="1300" b="0" dirty="0">
                 <a:solidFill>
                   <a:srgbClr val="CCCCCC"/>
                 </a:solidFill>
@@ -18014,17 +18108,27 @@
               <a:t>    </a:t>
             </a:r>
             <a:r>
-              <a:rPr lang="en-US" altLang="zh-CN" sz="1300" b="0">
+              <a:rPr lang="en-US" altLang="zh-CN" sz="1300" b="0" dirty="0" err="1">
                 <a:solidFill>
                   <a:srgbClr val="DCDCAA"/>
                 </a:solidFill>
                 <a:latin typeface="Consolas" panose="020B0609020204030204"/>
                 <a:ea typeface="Consolas" panose="020B0609020204030204"/>
               </a:rPr>
-              <a:t>println!</a:t>
-            </a:r>
-            <a:r>
-              <a:rPr lang="en-US" altLang="zh-CN" sz="1300" b="0">
+              <a:t>println</a:t>
+            </a:r>
+            <a:r>
+              <a:rPr lang="en-US" altLang="zh-CN" sz="1300" b="0" dirty="0">
+                <a:solidFill>
+                  <a:srgbClr val="DCDCAA"/>
+                </a:solidFill>
+                <a:latin typeface="Consolas" panose="020B0609020204030204"/>
+                <a:ea typeface="Consolas" panose="020B0609020204030204"/>
+              </a:rPr>
+              <a:t>!</a:t>
+            </a:r>
+            <a:r>
+              <a:rPr lang="en-US" altLang="zh-CN" sz="1300" b="0" dirty="0">
                 <a:solidFill>
                   <a:srgbClr val="CCCCCC"/>
                 </a:solidFill>
@@ -18034,7 +18138,7 @@
               <a:t>(</a:t>
             </a:r>
             <a:r>
-              <a:rPr lang="en-US" altLang="zh-CN" sz="1300" b="0">
+              <a:rPr lang="en-US" altLang="zh-CN" sz="1300" b="0" dirty="0">
                 <a:solidFill>
                   <a:srgbClr val="CE9178"/>
                 </a:solidFill>
@@ -18044,7 +18148,7 @@
               <a:t>"</a:t>
             </a:r>
             <a:r>
-              <a:rPr lang="en-US" altLang="zh-CN" sz="1300" b="0">
+              <a:rPr lang="en-US" altLang="zh-CN" sz="1300" b="0" dirty="0">
                 <a:solidFill>
                   <a:srgbClr val="D7BA7D"/>
                 </a:solidFill>
@@ -18054,7 +18158,7 @@
               <a:t>\n</a:t>
             </a:r>
             <a:r>
-              <a:rPr lang="en-US" altLang="zh-CN" sz="1300" b="0">
+              <a:rPr lang="en-US" altLang="zh-CN" sz="1300" b="0" dirty="0">
                 <a:solidFill>
                   <a:srgbClr val="CE9178"/>
                 </a:solidFill>
@@ -18064,7 +18168,7 @@
               <a:t>=== {} Structure ==="</a:t>
             </a:r>
             <a:r>
-              <a:rPr lang="en-US" altLang="zh-CN" sz="1300" b="0">
+              <a:rPr lang="en-US" altLang="zh-CN" sz="1300" b="0" dirty="0">
                 <a:solidFill>
                   <a:srgbClr val="CCCCCC"/>
                 </a:solidFill>
@@ -18074,7 +18178,7 @@
               <a:t>, </a:t>
             </a:r>
             <a:r>
-              <a:rPr lang="en-US" altLang="zh-CN" sz="1300" b="0">
+              <a:rPr lang="en-US" altLang="zh-CN" sz="1300" b="0" dirty="0">
                 <a:solidFill>
                   <a:srgbClr val="9CDCFE"/>
                 </a:solidFill>
@@ -18084,7 +18188,7 @@
               <a:t>name</a:t>
             </a:r>
             <a:r>
-              <a:rPr lang="en-US" altLang="zh-CN" sz="1300" b="0">
+              <a:rPr lang="en-US" altLang="zh-CN" sz="1300" b="0" dirty="0">
                 <a:solidFill>
                   <a:srgbClr val="CCCCCC"/>
                 </a:solidFill>
@@ -18101,7 +18205,7 @@
               </a:lnSpc>
             </a:pPr>
             <a:r>
-              <a:rPr lang="en-US" altLang="zh-CN" sz="1300" b="0">
+              <a:rPr lang="en-US" altLang="zh-CN" sz="1300" b="0" dirty="0">
                 <a:solidFill>
                   <a:srgbClr val="CCCCCC"/>
                 </a:solidFill>
@@ -18111,17 +18215,27 @@
               <a:t>    </a:t>
             </a:r>
             <a:r>
-              <a:rPr lang="en-US" altLang="zh-CN" sz="1300" b="0">
+              <a:rPr lang="en-US" altLang="zh-CN" sz="1300" b="0" dirty="0" err="1">
                 <a:solidFill>
                   <a:srgbClr val="DCDCAA"/>
                 </a:solidFill>
                 <a:latin typeface="Consolas" panose="020B0609020204030204"/>
                 <a:ea typeface="Consolas" panose="020B0609020204030204"/>
               </a:rPr>
-              <a:t>println!</a:t>
-            </a:r>
-            <a:r>
-              <a:rPr lang="en-US" altLang="zh-CN" sz="1300" b="0">
+              <a:t>println</a:t>
+            </a:r>
+            <a:r>
+              <a:rPr lang="en-US" altLang="zh-CN" sz="1300" b="0" dirty="0">
+                <a:solidFill>
+                  <a:srgbClr val="DCDCAA"/>
+                </a:solidFill>
+                <a:latin typeface="Consolas" panose="020B0609020204030204"/>
+                <a:ea typeface="Consolas" panose="020B0609020204030204"/>
+              </a:rPr>
+              <a:t>!</a:t>
+            </a:r>
+            <a:r>
+              <a:rPr lang="en-US" altLang="zh-CN" sz="1300" b="0" dirty="0">
                 <a:solidFill>
                   <a:srgbClr val="CCCCCC"/>
                 </a:solidFill>
@@ -18131,7 +18245,7 @@
               <a:t>(</a:t>
             </a:r>
             <a:r>
-              <a:rPr lang="en-US" altLang="zh-CN" sz="1300" b="0">
+              <a:rPr lang="en-US" altLang="zh-CN" sz="1300" b="0" dirty="0">
                 <a:solidFill>
                   <a:srgbClr val="CE9178"/>
                 </a:solidFill>
@@ -18141,7 +18255,7 @@
               <a:t>"size: {} Bytes"</a:t>
             </a:r>
             <a:r>
-              <a:rPr lang="en-US" altLang="zh-CN" sz="1300" b="0">
+              <a:rPr lang="en-US" altLang="zh-CN" sz="1300" b="0" dirty="0">
                 <a:solidFill>
                   <a:srgbClr val="CCCCCC"/>
                 </a:solidFill>
@@ -18151,7 +18265,7 @@
               <a:t>, </a:t>
             </a:r>
             <a:r>
-              <a:rPr lang="en-US" altLang="zh-CN" sz="1300" b="0">
+              <a:rPr lang="en-US" altLang="zh-CN" sz="1300" b="0" dirty="0" err="1">
                 <a:solidFill>
                   <a:srgbClr val="DCDCAA"/>
                 </a:solidFill>
@@ -18161,7 +18275,7 @@
               <a:t>size_of_val</a:t>
             </a:r>
             <a:r>
-              <a:rPr lang="en-US" altLang="zh-CN" sz="1300" b="0">
+              <a:rPr lang="en-US" altLang="zh-CN" sz="1300" b="0" dirty="0">
                 <a:solidFill>
                   <a:srgbClr val="CCCCCC"/>
                 </a:solidFill>
@@ -18171,7 +18285,7 @@
               <a:t>(</a:t>
             </a:r>
             <a:r>
-              <a:rPr lang="en-US" altLang="zh-CN" sz="1300" b="0">
+              <a:rPr lang="en-US" altLang="zh-CN" sz="1300" b="0" dirty="0">
                 <a:solidFill>
                   <a:srgbClr val="9CDCFE"/>
                 </a:solidFill>
@@ -18181,7 +18295,7 @@
               <a:t>instance</a:t>
             </a:r>
             <a:r>
-              <a:rPr lang="en-US" altLang="zh-CN" sz="1300" b="0">
+              <a:rPr lang="en-US" altLang="zh-CN" sz="1300" b="0" dirty="0">
                 <a:solidFill>
                   <a:srgbClr val="CCCCCC"/>
                 </a:solidFill>
@@ -18198,7 +18312,7 @@
               </a:lnSpc>
             </a:pPr>
             <a:r>
-              <a:rPr lang="en-US" altLang="zh-CN" sz="1300" b="0">
+              <a:rPr lang="en-US" altLang="zh-CN" sz="1300" b="0" dirty="0">
                 <a:solidFill>
                   <a:srgbClr val="CCCCCC"/>
                 </a:solidFill>
@@ -18208,17 +18322,27 @@
               <a:t>    </a:t>
             </a:r>
             <a:r>
-              <a:rPr lang="en-US" altLang="zh-CN" sz="1300" b="0">
+              <a:rPr lang="en-US" altLang="zh-CN" sz="1300" b="0" dirty="0" err="1">
                 <a:solidFill>
                   <a:srgbClr val="DCDCAA"/>
                 </a:solidFill>
                 <a:latin typeface="Consolas" panose="020B0609020204030204"/>
                 <a:ea typeface="Consolas" panose="020B0609020204030204"/>
               </a:rPr>
-              <a:t>println!</a:t>
-            </a:r>
-            <a:r>
-              <a:rPr lang="en-US" altLang="zh-CN" sz="1300" b="0">
+              <a:t>println</a:t>
+            </a:r>
+            <a:r>
+              <a:rPr lang="en-US" altLang="zh-CN" sz="1300" b="0" dirty="0">
+                <a:solidFill>
+                  <a:srgbClr val="DCDCAA"/>
+                </a:solidFill>
+                <a:latin typeface="Consolas" panose="020B0609020204030204"/>
+                <a:ea typeface="Consolas" panose="020B0609020204030204"/>
+              </a:rPr>
+              <a:t>!</a:t>
+            </a:r>
+            <a:r>
+              <a:rPr lang="en-US" altLang="zh-CN" sz="1300" b="0" dirty="0">
                 <a:solidFill>
                   <a:srgbClr val="CCCCCC"/>
                 </a:solidFill>
@@ -18228,7 +18352,7 @@
               <a:t>(</a:t>
             </a:r>
             <a:r>
-              <a:rPr lang="en-US" altLang="zh-CN" sz="1300" b="0">
+              <a:rPr lang="en-US" altLang="zh-CN" sz="1300" b="0" dirty="0">
                 <a:solidFill>
                   <a:srgbClr val="CE9178"/>
                 </a:solidFill>
@@ -18238,7 +18362,7 @@
               <a:t>"align based on: {} Bytes"</a:t>
             </a:r>
             <a:r>
-              <a:rPr lang="en-US" altLang="zh-CN" sz="1300" b="0">
+              <a:rPr lang="en-US" altLang="zh-CN" sz="1300" b="0" dirty="0">
                 <a:solidFill>
                   <a:srgbClr val="CCCCCC"/>
                 </a:solidFill>
@@ -18248,7 +18372,7 @@
               <a:t>, </a:t>
             </a:r>
             <a:r>
-              <a:rPr lang="en-US" altLang="zh-CN" sz="1300" b="0">
+              <a:rPr lang="en-US" altLang="zh-CN" sz="1300" b="0" dirty="0" err="1">
                 <a:solidFill>
                   <a:srgbClr val="DCDCAA"/>
                 </a:solidFill>
@@ -18258,7 +18382,7 @@
               <a:t>align_of_val</a:t>
             </a:r>
             <a:r>
-              <a:rPr lang="en-US" altLang="zh-CN" sz="1300" b="0">
+              <a:rPr lang="en-US" altLang="zh-CN" sz="1300" b="0" dirty="0">
                 <a:solidFill>
                   <a:srgbClr val="CCCCCC"/>
                 </a:solidFill>
@@ -18268,7 +18392,7 @@
               <a:t>(</a:t>
             </a:r>
             <a:r>
-              <a:rPr lang="en-US" altLang="zh-CN" sz="1300" b="0">
+              <a:rPr lang="en-US" altLang="zh-CN" sz="1300" b="0" dirty="0">
                 <a:solidFill>
                   <a:srgbClr val="9CDCFE"/>
                 </a:solidFill>
@@ -18278,7 +18402,7 @@
               <a:t>instance</a:t>
             </a:r>
             <a:r>
-              <a:rPr lang="en-US" altLang="zh-CN" sz="1300" b="0">
+              <a:rPr lang="en-US" altLang="zh-CN" sz="1300" b="0" dirty="0">
                 <a:solidFill>
                   <a:srgbClr val="CCCCCC"/>
                 </a:solidFill>
@@ -18295,7 +18419,7 @@
               </a:lnSpc>
             </a:pPr>
             <a:r>
-              <a:rPr lang="en-US" altLang="zh-CN" sz="1300" b="0">
+              <a:rPr lang="en-US" altLang="zh-CN" sz="1300" b="0" dirty="0">
                 <a:solidFill>
                   <a:srgbClr val="CCCCCC"/>
                 </a:solidFill>
@@ -18304,7 +18428,7 @@
               </a:rPr>
               <a:t>    </a:t>
             </a:r>
-            <a:endParaRPr lang="en-US" altLang="zh-CN" sz="1300" b="0">
+            <a:endParaRPr lang="en-US" altLang="zh-CN" sz="1300" b="0" dirty="0">
               <a:solidFill>
                 <a:srgbClr val="6A9955"/>
               </a:solidFill>
@@ -18319,7 +18443,7 @@
               </a:lnSpc>
             </a:pPr>
             <a:r>
-              <a:rPr lang="en-US" altLang="zh-CN" sz="1300" b="0">
+              <a:rPr lang="en-US" altLang="zh-CN" sz="1300" b="0" dirty="0">
                 <a:solidFill>
                   <a:srgbClr val="CCCCCC"/>
                 </a:solidFill>
@@ -18336,17 +18460,27 @@
               </a:lnSpc>
             </a:pPr>
             <a:r>
-              <a:rPr lang="en-US" altLang="zh-CN" sz="1300" b="0">
+              <a:rPr lang="en-US" altLang="zh-CN" sz="1300" b="0" dirty="0" err="1">
                 <a:solidFill>
                   <a:srgbClr val="569CD6"/>
                 </a:solidFill>
                 <a:latin typeface="Consolas" panose="020B0609020204030204"/>
                 <a:ea typeface="Consolas" panose="020B0609020204030204"/>
               </a:rPr>
-              <a:t>fn </a:t>
-            </a:r>
-            <a:r>
-              <a:rPr lang="en-US" altLang="zh-CN" sz="1300" b="0">
+              <a:t>fn</a:t>
+            </a:r>
+            <a:r>
+              <a:rPr lang="en-US" altLang="zh-CN" sz="1300" b="0" dirty="0">
+                <a:solidFill>
+                  <a:srgbClr val="569CD6"/>
+                </a:solidFill>
+                <a:latin typeface="Consolas" panose="020B0609020204030204"/>
+                <a:ea typeface="Consolas" panose="020B0609020204030204"/>
+              </a:rPr>
+              <a:t> </a:t>
+            </a:r>
+            <a:r>
+              <a:rPr lang="en-US" altLang="zh-CN" sz="1300" b="0" dirty="0">
                 <a:solidFill>
                   <a:srgbClr val="DCDCAA"/>
                 </a:solidFill>
@@ -18356,7 +18490,7 @@
               <a:t>main</a:t>
             </a:r>
             <a:r>
-              <a:rPr lang="en-US" altLang="zh-CN" sz="1300" b="0">
+              <a:rPr lang="en-US" altLang="zh-CN" sz="1300" b="0" dirty="0">
                 <a:solidFill>
                   <a:srgbClr val="CCCCCC"/>
                 </a:solidFill>
@@ -18373,7 +18507,7 @@
               </a:lnSpc>
             </a:pPr>
             <a:r>
-              <a:rPr lang="en-US" altLang="zh-CN" sz="1300" b="0">
+              <a:rPr lang="en-US" altLang="zh-CN" sz="1300" b="0" dirty="0">
                 <a:solidFill>
                   <a:srgbClr val="CCCCCC"/>
                 </a:solidFill>
@@ -18383,7 +18517,7 @@
               <a:t>    </a:t>
             </a:r>
             <a:r>
-              <a:rPr lang="en-US" altLang="zh-CN" sz="1300" b="0">
+              <a:rPr lang="en-US" altLang="zh-CN" sz="1300" b="0" dirty="0">
                 <a:solidFill>
                   <a:srgbClr val="569CD6"/>
                 </a:solidFill>
@@ -18393,7 +18527,7 @@
               <a:t>let </a:t>
             </a:r>
             <a:r>
-              <a:rPr lang="en-US" altLang="zh-CN" sz="1300" b="0">
+              <a:rPr lang="en-US" altLang="zh-CN" sz="1300" b="0" dirty="0" err="1">
                 <a:solidFill>
                   <a:srgbClr val="9CDCFE"/>
                 </a:solidFill>
@@ -18403,7 +18537,7 @@
               <a:t>rust_struct</a:t>
             </a:r>
             <a:r>
-              <a:rPr lang="en-US" altLang="zh-CN" sz="1300" b="0">
+              <a:rPr lang="en-US" altLang="zh-CN" sz="1300" b="0" dirty="0">
                 <a:solidFill>
                   <a:srgbClr val="D4D4D4"/>
                 </a:solidFill>
@@ -18413,7 +18547,7 @@
               <a:t>=</a:t>
             </a:r>
             <a:r>
-              <a:rPr lang="en-US" altLang="zh-CN" sz="1300" b="0">
+              <a:rPr lang="en-US" altLang="zh-CN" sz="1300" b="0" dirty="0" err="1">
                 <a:solidFill>
                   <a:srgbClr val="4EC9B0"/>
                 </a:solidFill>
@@ -18423,7 +18557,7 @@
               <a:t>RustStyle</a:t>
             </a:r>
             <a:r>
-              <a:rPr lang="en-US" altLang="zh-CN" sz="1300" b="0">
+              <a:rPr lang="en-US" altLang="zh-CN" sz="1300" b="0" dirty="0">
                 <a:solidFill>
                   <a:srgbClr val="CCCCCC"/>
                 </a:solidFill>
@@ -18433,7 +18567,7 @@
               <a:t> { </a:t>
             </a:r>
             <a:r>
-              <a:rPr lang="en-US" altLang="zh-CN" sz="1300" b="0">
+              <a:rPr lang="en-US" altLang="zh-CN" sz="1300" b="0" dirty="0">
                 <a:solidFill>
                   <a:srgbClr val="9CDCFE"/>
                 </a:solidFill>
@@ -18443,7 +18577,7 @@
               <a:t>a</a:t>
             </a:r>
             <a:r>
-              <a:rPr lang="en-US" altLang="zh-CN" sz="1300" b="0">
+              <a:rPr lang="en-US" altLang="zh-CN" sz="1300" b="0" dirty="0">
                 <a:solidFill>
                   <a:srgbClr val="D4D4D4"/>
                 </a:solidFill>
@@ -18453,7 +18587,7 @@
               <a:t>:</a:t>
             </a:r>
             <a:r>
-              <a:rPr lang="en-US" altLang="zh-CN" sz="1300" b="0">
+              <a:rPr lang="en-US" altLang="zh-CN" sz="1300" b="0" dirty="0">
                 <a:solidFill>
                   <a:srgbClr val="B5CEA8"/>
                 </a:solidFill>
@@ -18463,7 +18597,7 @@
               <a:t>1</a:t>
             </a:r>
             <a:r>
-              <a:rPr lang="en-US" altLang="zh-CN" sz="1300" b="0">
+              <a:rPr lang="en-US" altLang="zh-CN" sz="1300" b="0" dirty="0">
                 <a:solidFill>
                   <a:srgbClr val="CCCCCC"/>
                 </a:solidFill>
@@ -18473,7 +18607,7 @@
               <a:t>, </a:t>
             </a:r>
             <a:r>
-              <a:rPr lang="en-US" altLang="zh-CN" sz="1300" b="0">
+              <a:rPr lang="en-US" altLang="zh-CN" sz="1300" b="0" dirty="0">
                 <a:solidFill>
                   <a:srgbClr val="9CDCFE"/>
                 </a:solidFill>
@@ -18483,7 +18617,7 @@
               <a:t>b</a:t>
             </a:r>
             <a:r>
-              <a:rPr lang="en-US" altLang="zh-CN" sz="1300" b="0">
+              <a:rPr lang="en-US" altLang="zh-CN" sz="1300" b="0" dirty="0">
                 <a:solidFill>
                   <a:srgbClr val="D4D4D4"/>
                 </a:solidFill>
@@ -18493,7 +18627,7 @@
               <a:t>:</a:t>
             </a:r>
             <a:r>
-              <a:rPr lang="en-US" altLang="zh-CN" sz="1300" b="0">
+              <a:rPr lang="en-US" altLang="zh-CN" sz="1300" b="0" dirty="0">
                 <a:solidFill>
                   <a:srgbClr val="B5CEA8"/>
                 </a:solidFill>
@@ -18503,7 +18637,7 @@
               <a:t>2</a:t>
             </a:r>
             <a:r>
-              <a:rPr lang="en-US" altLang="zh-CN" sz="1300" b="0">
+              <a:rPr lang="en-US" altLang="zh-CN" sz="1300" b="0" dirty="0">
                 <a:solidFill>
                   <a:srgbClr val="CCCCCC"/>
                 </a:solidFill>
@@ -18513,7 +18647,7 @@
               <a:t>, </a:t>
             </a:r>
             <a:r>
-              <a:rPr lang="en-US" altLang="zh-CN" sz="1300" b="0">
+              <a:rPr lang="en-US" altLang="zh-CN" sz="1300" b="0" dirty="0">
                 <a:solidFill>
                   <a:srgbClr val="9CDCFE"/>
                 </a:solidFill>
@@ -18523,7 +18657,7 @@
               <a:t>c</a:t>
             </a:r>
             <a:r>
-              <a:rPr lang="en-US" altLang="zh-CN" sz="1300" b="0">
+              <a:rPr lang="en-US" altLang="zh-CN" sz="1300" b="0" dirty="0">
                 <a:solidFill>
                   <a:srgbClr val="D4D4D4"/>
                 </a:solidFill>
@@ -18533,7 +18667,7 @@
               <a:t>:</a:t>
             </a:r>
             <a:r>
-              <a:rPr lang="en-US" altLang="zh-CN" sz="1300" b="0">
+              <a:rPr lang="en-US" altLang="zh-CN" sz="1300" b="0" dirty="0">
                 <a:solidFill>
                   <a:srgbClr val="B5CEA8"/>
                 </a:solidFill>
@@ -18543,7 +18677,7 @@
               <a:t>3</a:t>
             </a:r>
             <a:r>
-              <a:rPr lang="en-US" altLang="zh-CN" sz="1300" b="0">
+              <a:rPr lang="en-US" altLang="zh-CN" sz="1300" b="0" dirty="0">
                 <a:solidFill>
                   <a:srgbClr val="CCCCCC"/>
                 </a:solidFill>
@@ -18553,7 +18687,7 @@
               <a:t>, </a:t>
             </a:r>
             <a:r>
-              <a:rPr lang="en-US" altLang="zh-CN" sz="1300" b="0">
+              <a:rPr lang="en-US" altLang="zh-CN" sz="1300" b="0" dirty="0">
                 <a:solidFill>
                   <a:srgbClr val="9CDCFE"/>
                 </a:solidFill>
@@ -18563,7 +18697,7 @@
               <a:t>d</a:t>
             </a:r>
             <a:r>
-              <a:rPr lang="en-US" altLang="zh-CN" sz="1300" b="0">
+              <a:rPr lang="en-US" altLang="zh-CN" sz="1300" b="0" dirty="0">
                 <a:solidFill>
                   <a:srgbClr val="D4D4D4"/>
                 </a:solidFill>
@@ -18573,7 +18707,7 @@
               <a:t>:</a:t>
             </a:r>
             <a:r>
-              <a:rPr lang="en-US" altLang="zh-CN" sz="1300" b="0">
+              <a:rPr lang="en-US" altLang="zh-CN" sz="1300" b="0" dirty="0">
                 <a:solidFill>
                   <a:srgbClr val="B5CEA8"/>
                 </a:solidFill>
@@ -18583,7 +18717,7 @@
               <a:t>4.0</a:t>
             </a:r>
             <a:r>
-              <a:rPr lang="en-US" altLang="zh-CN" sz="1300" b="0">
+              <a:rPr lang="en-US" altLang="zh-CN" sz="1300" b="0" dirty="0">
                 <a:solidFill>
                   <a:srgbClr val="CCCCCC"/>
                 </a:solidFill>
@@ -18600,7 +18734,7 @@
               </a:lnSpc>
             </a:pPr>
             <a:r>
-              <a:rPr lang="en-US" altLang="zh-CN" sz="1300" b="0">
+              <a:rPr lang="en-US" altLang="zh-CN" sz="1300" b="0" dirty="0">
                 <a:solidFill>
                   <a:srgbClr val="CCCCCC"/>
                 </a:solidFill>
@@ -18610,7 +18744,7 @@
               <a:t>    </a:t>
             </a:r>
             <a:r>
-              <a:rPr lang="en-US" altLang="zh-CN" sz="1300" b="0">
+              <a:rPr lang="en-US" altLang="zh-CN" sz="1300" b="0" dirty="0">
                 <a:solidFill>
                   <a:srgbClr val="569CD6"/>
                 </a:solidFill>
@@ -18620,7 +18754,7 @@
               <a:t>let </a:t>
             </a:r>
             <a:r>
-              <a:rPr lang="en-US" altLang="zh-CN" sz="1300" b="0">
+              <a:rPr lang="en-US" altLang="zh-CN" sz="1300" b="0" dirty="0" err="1">
                 <a:solidFill>
                   <a:srgbClr val="9CDCFE"/>
                 </a:solidFill>
@@ -18630,7 +18764,7 @@
               <a:t>c_struct</a:t>
             </a:r>
             <a:r>
-              <a:rPr lang="en-US" altLang="zh-CN" sz="1300" b="0">
+              <a:rPr lang="en-US" altLang="zh-CN" sz="1300" b="0" dirty="0">
                 <a:solidFill>
                   <a:srgbClr val="D4D4D4"/>
                 </a:solidFill>
@@ -18640,7 +18774,7 @@
               <a:t>=</a:t>
             </a:r>
             <a:r>
-              <a:rPr lang="en-US" altLang="zh-CN" sz="1300" b="0">
+              <a:rPr lang="en-US" altLang="zh-CN" sz="1300" b="0" dirty="0" err="1">
                 <a:solidFill>
                   <a:srgbClr val="4EC9B0"/>
                 </a:solidFill>
@@ -18650,7 +18784,7 @@
               <a:t>CStyle</a:t>
             </a:r>
             <a:r>
-              <a:rPr lang="en-US" altLang="zh-CN" sz="1300" b="0">
+              <a:rPr lang="en-US" altLang="zh-CN" sz="1300" b="0" dirty="0">
                 <a:solidFill>
                   <a:srgbClr val="CCCCCC"/>
                 </a:solidFill>
@@ -18660,7 +18794,7 @@
               <a:t> { </a:t>
             </a:r>
             <a:r>
-              <a:rPr lang="en-US" altLang="zh-CN" sz="1300" b="0">
+              <a:rPr lang="en-US" altLang="zh-CN" sz="1300" b="0" dirty="0">
                 <a:solidFill>
                   <a:srgbClr val="9CDCFE"/>
                 </a:solidFill>
@@ -18670,7 +18804,7 @@
               <a:t>a</a:t>
             </a:r>
             <a:r>
-              <a:rPr lang="en-US" altLang="zh-CN" sz="1300" b="0">
+              <a:rPr lang="en-US" altLang="zh-CN" sz="1300" b="0" dirty="0">
                 <a:solidFill>
                   <a:srgbClr val="D4D4D4"/>
                 </a:solidFill>
@@ -18680,7 +18814,7 @@
               <a:t>:</a:t>
             </a:r>
             <a:r>
-              <a:rPr lang="en-US" altLang="zh-CN" sz="1300" b="0">
+              <a:rPr lang="en-US" altLang="zh-CN" sz="1300" b="0" dirty="0">
                 <a:solidFill>
                   <a:srgbClr val="B5CEA8"/>
                 </a:solidFill>
@@ -18690,7 +18824,7 @@
               <a:t>1</a:t>
             </a:r>
             <a:r>
-              <a:rPr lang="en-US" altLang="zh-CN" sz="1300" b="0">
+              <a:rPr lang="en-US" altLang="zh-CN" sz="1300" b="0" dirty="0">
                 <a:solidFill>
                   <a:srgbClr val="CCCCCC"/>
                 </a:solidFill>
@@ -18700,7 +18834,7 @@
               <a:t>, </a:t>
             </a:r>
             <a:r>
-              <a:rPr lang="en-US" altLang="zh-CN" sz="1300" b="0">
+              <a:rPr lang="en-US" altLang="zh-CN" sz="1300" b="0" dirty="0">
                 <a:solidFill>
                   <a:srgbClr val="9CDCFE"/>
                 </a:solidFill>
@@ -18710,7 +18844,7 @@
               <a:t>b</a:t>
             </a:r>
             <a:r>
-              <a:rPr lang="en-US" altLang="zh-CN" sz="1300" b="0">
+              <a:rPr lang="en-US" altLang="zh-CN" sz="1300" b="0" dirty="0">
                 <a:solidFill>
                   <a:srgbClr val="D4D4D4"/>
                 </a:solidFill>
@@ -18720,7 +18854,7 @@
               <a:t>:</a:t>
             </a:r>
             <a:r>
-              <a:rPr lang="en-US" altLang="zh-CN" sz="1300" b="0">
+              <a:rPr lang="en-US" altLang="zh-CN" sz="1300" b="0" dirty="0">
                 <a:solidFill>
                   <a:srgbClr val="B5CEA8"/>
                 </a:solidFill>
@@ -18730,7 +18864,7 @@
               <a:t>2</a:t>
             </a:r>
             <a:r>
-              <a:rPr lang="en-US" altLang="zh-CN" sz="1300" b="0">
+              <a:rPr lang="en-US" altLang="zh-CN" sz="1300" b="0" dirty="0">
                 <a:solidFill>
                   <a:srgbClr val="CCCCCC"/>
                 </a:solidFill>
@@ -18740,7 +18874,7 @@
               <a:t>, </a:t>
             </a:r>
             <a:r>
-              <a:rPr lang="en-US" altLang="zh-CN" sz="1300" b="0">
+              <a:rPr lang="en-US" altLang="zh-CN" sz="1300" b="0" dirty="0">
                 <a:solidFill>
                   <a:srgbClr val="9CDCFE"/>
                 </a:solidFill>
@@ -18750,7 +18884,7 @@
               <a:t>c</a:t>
             </a:r>
             <a:r>
-              <a:rPr lang="en-US" altLang="zh-CN" sz="1300" b="0">
+              <a:rPr lang="en-US" altLang="zh-CN" sz="1300" b="0" dirty="0">
                 <a:solidFill>
                   <a:srgbClr val="D4D4D4"/>
                 </a:solidFill>
@@ -18760,7 +18894,7 @@
               <a:t>:</a:t>
             </a:r>
             <a:r>
-              <a:rPr lang="en-US" altLang="zh-CN" sz="1300" b="0">
+              <a:rPr lang="en-US" altLang="zh-CN" sz="1300" b="0" dirty="0">
                 <a:solidFill>
                   <a:srgbClr val="B5CEA8"/>
                 </a:solidFill>
@@ -18770,7 +18904,7 @@
               <a:t>3</a:t>
             </a:r>
             <a:r>
-              <a:rPr lang="en-US" altLang="zh-CN" sz="1300" b="0">
+              <a:rPr lang="en-US" altLang="zh-CN" sz="1300" b="0" dirty="0">
                 <a:solidFill>
                   <a:srgbClr val="CCCCCC"/>
                 </a:solidFill>
@@ -18780,7 +18914,7 @@
               <a:t>, </a:t>
             </a:r>
             <a:r>
-              <a:rPr lang="en-US" altLang="zh-CN" sz="1300" b="0">
+              <a:rPr lang="en-US" altLang="zh-CN" sz="1300" b="0" dirty="0">
                 <a:solidFill>
                   <a:srgbClr val="9CDCFE"/>
                 </a:solidFill>
@@ -18790,7 +18924,7 @@
               <a:t>d</a:t>
             </a:r>
             <a:r>
-              <a:rPr lang="en-US" altLang="zh-CN" sz="1300" b="0">
+              <a:rPr lang="en-US" altLang="zh-CN" sz="1300" b="0" dirty="0">
                 <a:solidFill>
                   <a:srgbClr val="D4D4D4"/>
                 </a:solidFill>
@@ -18800,7 +18934,7 @@
               <a:t>:</a:t>
             </a:r>
             <a:r>
-              <a:rPr lang="en-US" altLang="zh-CN" sz="1300" b="0">
+              <a:rPr lang="en-US" altLang="zh-CN" sz="1300" b="0" dirty="0">
                 <a:solidFill>
                   <a:srgbClr val="B5CEA8"/>
                 </a:solidFill>
@@ -18810,7 +18944,7 @@
               <a:t>4.0</a:t>
             </a:r>
             <a:r>
-              <a:rPr lang="en-US" altLang="zh-CN" sz="1300" b="0">
+              <a:rPr lang="en-US" altLang="zh-CN" sz="1300" b="0" dirty="0">
                 <a:solidFill>
                   <a:srgbClr val="CCCCCC"/>
                 </a:solidFill>
@@ -18827,7 +18961,7 @@
               </a:lnSpc>
             </a:pPr>
             <a:r>
-              <a:rPr lang="en-US" altLang="zh-CN" sz="1300" b="0">
+              <a:rPr lang="en-US" altLang="zh-CN" sz="1300" b="0" dirty="0">
                 <a:solidFill>
                   <a:srgbClr val="CCCCCC"/>
                 </a:solidFill>
@@ -18837,7 +18971,7 @@
               <a:t>    </a:t>
             </a:r>
             <a:r>
-              <a:rPr lang="en-US" altLang="zh-CN" sz="1300" b="0">
+              <a:rPr lang="en-US" altLang="zh-CN" sz="1300" b="0" dirty="0" err="1">
                 <a:solidFill>
                   <a:srgbClr val="DCDCAA"/>
                 </a:solidFill>
@@ -18847,7 +18981,7 @@
               <a:t>print_struct</a:t>
             </a:r>
             <a:r>
-              <a:rPr lang="en-US" altLang="zh-CN" sz="1300" b="0">
+              <a:rPr lang="en-US" altLang="zh-CN" sz="1300" b="0" dirty="0">
                 <a:solidFill>
                   <a:srgbClr val="CCCCCC"/>
                 </a:solidFill>
@@ -18857,7 +18991,7 @@
               <a:t>(</a:t>
             </a:r>
             <a:r>
-              <a:rPr lang="en-US" altLang="zh-CN" sz="1300" b="0">
+              <a:rPr lang="en-US" altLang="zh-CN" sz="1300" b="0" dirty="0">
                 <a:solidFill>
                   <a:srgbClr val="D4D4D4"/>
                 </a:solidFill>
@@ -18867,7 +19001,7 @@
               <a:t>&amp;</a:t>
             </a:r>
             <a:r>
-              <a:rPr lang="en-US" altLang="zh-CN" sz="1300" b="0">
+              <a:rPr lang="en-US" altLang="zh-CN" sz="1300" b="0" dirty="0" err="1">
                 <a:solidFill>
                   <a:srgbClr val="9CDCFE"/>
                 </a:solidFill>
@@ -18877,7 +19011,7 @@
               <a:t>rust_struct</a:t>
             </a:r>
             <a:r>
-              <a:rPr lang="en-US" altLang="zh-CN" sz="1300" b="0">
+              <a:rPr lang="en-US" altLang="zh-CN" sz="1300" b="0" dirty="0">
                 <a:solidFill>
                   <a:srgbClr val="CCCCCC"/>
                 </a:solidFill>
@@ -18887,7 +19021,7 @@
               <a:t>, </a:t>
             </a:r>
             <a:r>
-              <a:rPr lang="en-US" altLang="zh-CN" sz="1300" b="0">
+              <a:rPr lang="en-US" altLang="zh-CN" sz="1300" b="0" dirty="0">
                 <a:solidFill>
                   <a:srgbClr val="CE9178"/>
                 </a:solidFill>
@@ -18897,7 +19031,7 @@
               <a:t>"Rust optimized layout"</a:t>
             </a:r>
             <a:r>
-              <a:rPr lang="en-US" altLang="zh-CN" sz="1300" b="0">
+              <a:rPr lang="en-US" altLang="zh-CN" sz="1300" b="0" dirty="0">
                 <a:solidFill>
                   <a:srgbClr val="CCCCCC"/>
                 </a:solidFill>
@@ -18914,7 +19048,7 @@
               </a:lnSpc>
             </a:pPr>
             <a:r>
-              <a:rPr lang="en-US" altLang="zh-CN" sz="1300" b="0">
+              <a:rPr lang="en-US" altLang="zh-CN" sz="1300" b="0" dirty="0">
                 <a:solidFill>
                   <a:srgbClr val="CCCCCC"/>
                 </a:solidFill>
@@ -18924,7 +19058,7 @@
               <a:t>    </a:t>
             </a:r>
             <a:r>
-              <a:rPr lang="en-US" altLang="zh-CN" sz="1300" b="0">
+              <a:rPr lang="en-US" altLang="zh-CN" sz="1300" b="0" dirty="0" err="1">
                 <a:solidFill>
                   <a:srgbClr val="DCDCAA"/>
                 </a:solidFill>
@@ -18934,7 +19068,7 @@
               <a:t>print_struct</a:t>
             </a:r>
             <a:r>
-              <a:rPr lang="en-US" altLang="zh-CN" sz="1300" b="0">
+              <a:rPr lang="en-US" altLang="zh-CN" sz="1300" b="0" dirty="0">
                 <a:solidFill>
                   <a:srgbClr val="CCCCCC"/>
                 </a:solidFill>
@@ -18944,7 +19078,7 @@
               <a:t>(</a:t>
             </a:r>
             <a:r>
-              <a:rPr lang="en-US" altLang="zh-CN" sz="1300" b="0">
+              <a:rPr lang="en-US" altLang="zh-CN" sz="1300" b="0" dirty="0">
                 <a:solidFill>
                   <a:srgbClr val="D4D4D4"/>
                 </a:solidFill>
@@ -18954,7 +19088,7 @@
               <a:t>&amp;</a:t>
             </a:r>
             <a:r>
-              <a:rPr lang="en-US" altLang="zh-CN" sz="1300" b="0">
+              <a:rPr lang="en-US" altLang="zh-CN" sz="1300" b="0" dirty="0" err="1">
                 <a:solidFill>
                   <a:srgbClr val="9CDCFE"/>
                 </a:solidFill>
@@ -18964,7 +19098,7 @@
               <a:t>c_struct</a:t>
             </a:r>
             <a:r>
-              <a:rPr lang="en-US" altLang="zh-CN" sz="1300" b="0">
+              <a:rPr lang="en-US" altLang="zh-CN" sz="1300" b="0" dirty="0">
                 <a:solidFill>
                   <a:srgbClr val="CCCCCC"/>
                 </a:solidFill>
@@ -18974,7 +19108,7 @@
               <a:t>, </a:t>
             </a:r>
             <a:r>
-              <a:rPr lang="en-US" altLang="zh-CN" sz="1300" b="0">
+              <a:rPr lang="en-US" altLang="zh-CN" sz="1300" b="0" dirty="0">
                 <a:solidFill>
                   <a:srgbClr val="CE9178"/>
                 </a:solidFill>
@@ -18984,7 +19118,7 @@
               <a:t>"C layout"</a:t>
             </a:r>
             <a:r>
-              <a:rPr lang="en-US" altLang="zh-CN" sz="1300" b="0">
+              <a:rPr lang="en-US" altLang="zh-CN" sz="1300" b="0" dirty="0">
                 <a:solidFill>
                   <a:srgbClr val="CCCCCC"/>
                 </a:solidFill>
@@ -19001,7 +19135,7 @@
               </a:lnSpc>
             </a:pPr>
             <a:r>
-              <a:rPr lang="en-US" altLang="zh-CN" sz="1300" b="0">
+              <a:rPr lang="en-US" altLang="zh-CN" sz="1300" b="0" dirty="0">
                 <a:solidFill>
                   <a:srgbClr val="CCCCCC"/>
                 </a:solidFill>
@@ -19059,9 +19193,9 @@
               <a:rPr lang="en-US" altLang="zh-CN" b="1" dirty="0">
                 <a:sym typeface="+mn-ea"/>
               </a:rPr>
-              <a:t> Practices</a:t>
-            </a:r>
-            <a:endParaRPr lang="en-US" altLang="zh-CN"/>
+              <a:t> Exercises</a:t>
+            </a:r>
+            <a:endParaRPr lang="en-US" altLang="zh-CN" dirty="0"/>
           </a:p>
         </p:txBody>
       </p:sp>
@@ -19088,19 +19222,27 @@
           <a:lstStyle/>
           <a:p>
             <a:r>
-              <a:rPr lang="en-US" altLang="zh-CN" sz="3200"/>
-              <a:t>2. If the following code will encounter an error during execution? If not, will the program cause a memory leak during runtime? </a:t>
-            </a:r>
-          </a:p>
-          <a:p>
-            <a:r>
-              <a:rPr lang="en-US" altLang="zh-CN" sz="3200"/>
-              <a:t>Please rewrite this code in C++to require a pointer variable to be defined in the subfunction, which points to a heap space requested within the function and is returned within the function. The main function defines a pointer variable and assigns a value to it.</a:t>
-            </a:r>
-          </a:p>
-          <a:p>
-            <a:r>
-              <a:rPr lang="en-US" altLang="zh-CN" sz="3200"/>
+              <a:rPr lang="en-US" altLang="zh-CN" sz="3200" dirty="0"/>
+              <a:t>2. Will the following code encounter an error during execution? If not, will the program cause a memory leak during runtime? </a:t>
+            </a:r>
+          </a:p>
+          <a:p>
+            <a:r>
+              <a:rPr lang="en-US" altLang="zh-CN" sz="3200" dirty="0"/>
+              <a:t>Please rewrite this code in C++.</a:t>
+            </a:r>
+            <a:r>
+              <a:rPr lang="zh-CN" altLang="en-US" sz="3200" dirty="0"/>
+              <a:t> </a:t>
+            </a:r>
+            <a:r>
+              <a:rPr lang="en-US" altLang="zh-CN" sz="3200" dirty="0"/>
+              <a:t>A pointer can be defined in a function, and it points to the memory allocated from the heap. The pointer will be returned. Another pointer in the main function can be assigned to the memory address allocated in the first function.</a:t>
+            </a:r>
+          </a:p>
+          <a:p>
+            <a:r>
+              <a:rPr lang="en-US" altLang="zh-CN" sz="3200" dirty="0"/>
               <a:t>Compare C/C++and Rust, use tools to determine which implementation will cause memory leakage, compare the differences between the two, and if there is a memory leakage, modify the code to solve the problem.          </a:t>
             </a:r>
           </a:p>
@@ -19154,7 +19296,7 @@
           <a:lstStyle/>
           <a:p>
             <a:r>
-              <a:rPr lang="en-US" altLang="zh-CN" sz="1600">
+              <a:rPr lang="en-US" altLang="zh-CN" sz="1600" dirty="0" err="1">
                 <a:solidFill>
                   <a:srgbClr val="C678DD"/>
                 </a:solidFill>
@@ -19164,7 +19306,7 @@
               <a:t>fn</a:t>
             </a:r>
             <a:r>
-              <a:rPr lang="en-US" altLang="zh-CN" sz="1600">
+              <a:rPr lang="en-US" altLang="zh-CN" sz="1600" dirty="0">
                 <a:solidFill>
                   <a:srgbClr val="ABB2BF"/>
                 </a:solidFill>
@@ -19174,7 +19316,7 @@
               <a:t> </a:t>
             </a:r>
             <a:r>
-              <a:rPr lang="en-US" altLang="zh-CN" sz="1600">
+              <a:rPr lang="en-US" altLang="zh-CN" sz="1600" dirty="0">
                 <a:solidFill>
                   <a:srgbClr val="61AFEF"/>
                 </a:solidFill>
@@ -19184,7 +19326,7 @@
               <a:t>main</a:t>
             </a:r>
             <a:r>
-              <a:rPr lang="en-US" altLang="zh-CN" sz="1600">
+              <a:rPr lang="en-US" altLang="zh-CN" sz="1600" dirty="0">
                 <a:solidFill>
                   <a:srgbClr val="ABB2BF"/>
                 </a:solidFill>
@@ -19196,7 +19338,7 @@
           </a:p>
           <a:p>
             <a:r>
-              <a:rPr lang="en-US" altLang="zh-CN" sz="1600">
+              <a:rPr lang="en-US" altLang="zh-CN" sz="1600" dirty="0">
                 <a:solidFill>
                   <a:srgbClr val="ABB2BF"/>
                 </a:solidFill>
@@ -19206,7 +19348,7 @@
               <a:t>    </a:t>
             </a:r>
             <a:r>
-              <a:rPr lang="en-US" altLang="zh-CN" sz="1600">
+              <a:rPr lang="en-US" altLang="zh-CN" sz="1600" dirty="0">
                 <a:solidFill>
                   <a:srgbClr val="C678DD"/>
                 </a:solidFill>
@@ -19216,7 +19358,7 @@
               <a:t>let</a:t>
             </a:r>
             <a:r>
-              <a:rPr lang="en-US" altLang="zh-CN" sz="1600">
+              <a:rPr lang="en-US" altLang="zh-CN" sz="1600" dirty="0">
                 <a:solidFill>
                   <a:srgbClr val="ABB2BF"/>
                 </a:solidFill>
@@ -19226,7 +19368,7 @@
               <a:t> </a:t>
             </a:r>
             <a:r>
-              <a:rPr lang="en-US" altLang="zh-CN" sz="1600">
+              <a:rPr lang="en-US" altLang="zh-CN" sz="1600" dirty="0">
                 <a:solidFill>
                   <a:srgbClr val="E06C75"/>
                 </a:solidFill>
@@ -19236,7 +19378,7 @@
               <a:t>s</a:t>
             </a:r>
             <a:r>
-              <a:rPr lang="en-US" altLang="zh-CN" sz="1600">
+              <a:rPr lang="en-US" altLang="zh-CN" sz="1600" dirty="0">
                 <a:solidFill>
                   <a:srgbClr val="ABB2BF"/>
                 </a:solidFill>
@@ -19246,7 +19388,7 @@
               <a:t> = </a:t>
             </a:r>
             <a:r>
-              <a:rPr lang="en-US" altLang="zh-CN" sz="1600">
+              <a:rPr lang="en-US" altLang="zh-CN" sz="1600" dirty="0" err="1">
                 <a:solidFill>
                   <a:srgbClr val="61AFEF"/>
                 </a:solidFill>
@@ -19256,7 +19398,7 @@
               <a:t>gives_ownership</a:t>
             </a:r>
             <a:r>
-              <a:rPr lang="en-US" altLang="zh-CN" sz="1600">
+              <a:rPr lang="en-US" altLang="zh-CN" sz="1600" dirty="0">
                 <a:solidFill>
                   <a:srgbClr val="ABB2BF"/>
                 </a:solidFill>
@@ -19266,7 +19408,7 @@
               <a:t>();</a:t>
             </a:r>
             <a:r>
-              <a:rPr lang="en-US" altLang="zh-CN" sz="1600" i="1">
+              <a:rPr lang="en-US" altLang="zh-CN" sz="1600" i="1" dirty="0">
                 <a:solidFill>
                   <a:srgbClr val="7F848E"/>
                 </a:solidFill>
@@ -19275,7 +19417,7 @@
               </a:rPr>
               <a:t>                              </a:t>
             </a:r>
-            <a:endParaRPr lang="zh-CN" altLang="en-US" sz="1600">
+            <a:endParaRPr lang="zh-CN" altLang="en-US" sz="1600" dirty="0">
               <a:solidFill>
                 <a:srgbClr val="ABB2BF"/>
               </a:solidFill>
@@ -19285,7 +19427,7 @@
           </a:p>
           <a:p>
             <a:r>
-              <a:rPr lang="zh-CN" altLang="en-US" sz="1600">
+              <a:rPr lang="zh-CN" altLang="en-US" sz="1600" dirty="0">
                 <a:solidFill>
                   <a:srgbClr val="ABB2BF"/>
                 </a:solidFill>
@@ -19295,17 +19437,27 @@
               <a:t>    </a:t>
             </a:r>
             <a:r>
-              <a:rPr lang="en-US" altLang="zh-CN" sz="1600">
+              <a:rPr lang="en-US" altLang="zh-CN" sz="1600" dirty="0" err="1">
                 <a:solidFill>
                   <a:srgbClr val="D19A66"/>
                 </a:solidFill>
                 <a:cs typeface="+mn-ea"/>
                 <a:sym typeface="+mn-lt"/>
               </a:rPr>
-              <a:t>println!</a:t>
-            </a:r>
-            <a:r>
-              <a:rPr lang="en-US" altLang="zh-CN" sz="1600">
+              <a:t>println</a:t>
+            </a:r>
+            <a:r>
+              <a:rPr lang="en-US" altLang="zh-CN" sz="1600" dirty="0">
+                <a:solidFill>
+                  <a:srgbClr val="D19A66"/>
+                </a:solidFill>
+                <a:cs typeface="+mn-ea"/>
+                <a:sym typeface="+mn-lt"/>
+              </a:rPr>
+              <a:t>!</a:t>
+            </a:r>
+            <a:r>
+              <a:rPr lang="en-US" altLang="zh-CN" sz="1600" dirty="0">
                 <a:solidFill>
                   <a:srgbClr val="ABB2BF"/>
                 </a:solidFill>
@@ -19315,7 +19467,7 @@
               <a:t>(</a:t>
             </a:r>
             <a:r>
-              <a:rPr lang="en-US" altLang="zh-CN" sz="1600">
+              <a:rPr lang="en-US" altLang="zh-CN" sz="1600" dirty="0">
                 <a:solidFill>
                   <a:srgbClr val="98C379"/>
                 </a:solidFill>
@@ -19325,7 +19477,7 @@
               <a:t>"</a:t>
             </a:r>
             <a:r>
-              <a:rPr lang="en-US" altLang="zh-CN" sz="1600">
+              <a:rPr lang="en-US" altLang="zh-CN" sz="1600" dirty="0">
                 <a:solidFill>
                   <a:srgbClr val="C678DD"/>
                 </a:solidFill>
@@ -19335,7 +19487,7 @@
               <a:t>{}</a:t>
             </a:r>
             <a:r>
-              <a:rPr lang="en-US" altLang="zh-CN" sz="1600">
+              <a:rPr lang="en-US" altLang="zh-CN" sz="1600" dirty="0">
                 <a:solidFill>
                   <a:srgbClr val="98C379"/>
                 </a:solidFill>
@@ -19345,7 +19497,7 @@
               <a:t>"</a:t>
             </a:r>
             <a:r>
-              <a:rPr lang="en-US" altLang="zh-CN" sz="1600">
+              <a:rPr lang="en-US" altLang="zh-CN" sz="1600" dirty="0">
                 <a:solidFill>
                   <a:srgbClr val="ABB2BF"/>
                 </a:solidFill>
@@ -19355,7 +19507,7 @@
               <a:t>, </a:t>
             </a:r>
             <a:r>
-              <a:rPr lang="en-US" altLang="zh-CN" sz="1600">
+              <a:rPr lang="en-US" altLang="zh-CN" sz="1600" dirty="0">
                 <a:solidFill>
                   <a:srgbClr val="E06C75"/>
                 </a:solidFill>
@@ -19365,7 +19517,7 @@
               <a:t>s</a:t>
             </a:r>
             <a:r>
-              <a:rPr lang="en-US" altLang="zh-CN" sz="1600">
+              <a:rPr lang="en-US" altLang="zh-CN" sz="1600" dirty="0">
                 <a:solidFill>
                   <a:srgbClr val="ABB2BF"/>
                 </a:solidFill>
@@ -19377,7 +19529,7 @@
           </a:p>
           <a:p>
             <a:r>
-              <a:rPr lang="en-US" altLang="zh-CN" sz="1600">
+              <a:rPr lang="en-US" altLang="zh-CN" sz="1600" dirty="0">
                 <a:solidFill>
                   <a:srgbClr val="ABB2BF"/>
                 </a:solidFill>
@@ -19388,7 +19540,7 @@
             </a:r>
           </a:p>
           <a:p>
-            <a:endParaRPr lang="en-US" altLang="zh-CN" sz="1600">
+            <a:endParaRPr lang="en-US" altLang="zh-CN" sz="1600" dirty="0">
               <a:solidFill>
                 <a:srgbClr val="C678DD"/>
               </a:solidFill>
@@ -19398,7 +19550,7 @@
           </a:p>
           <a:p>
             <a:r>
-              <a:rPr lang="en-US" altLang="zh-CN" sz="1600">
+              <a:rPr lang="en-US" altLang="zh-CN" sz="1600" dirty="0" err="1">
                 <a:solidFill>
                   <a:srgbClr val="C678DD"/>
                 </a:solidFill>
@@ -19408,7 +19560,7 @@
               <a:t>fn</a:t>
             </a:r>
             <a:r>
-              <a:rPr lang="en-US" altLang="zh-CN" sz="1600">
+              <a:rPr lang="en-US" altLang="zh-CN" sz="1600" dirty="0">
                 <a:solidFill>
                   <a:srgbClr val="ABB2BF"/>
                 </a:solidFill>
@@ -19418,7 +19570,7 @@
               <a:t> </a:t>
             </a:r>
             <a:r>
-              <a:rPr lang="en-US" altLang="zh-CN" sz="1600">
+              <a:rPr lang="en-US" altLang="zh-CN" sz="1600" dirty="0" err="1">
                 <a:solidFill>
                   <a:srgbClr val="61AFEF"/>
                 </a:solidFill>
@@ -19428,7 +19580,7 @@
               <a:t>gives_ownership</a:t>
             </a:r>
             <a:r>
-              <a:rPr lang="en-US" altLang="zh-CN" sz="1600">
+              <a:rPr lang="en-US" altLang="zh-CN" sz="1600" dirty="0">
                 <a:solidFill>
                   <a:srgbClr val="ABB2BF"/>
                 </a:solidFill>
@@ -19438,7 +19590,7 @@
               <a:t>() -&gt; </a:t>
             </a:r>
             <a:r>
-              <a:rPr lang="en-US" altLang="zh-CN" sz="1600">
+              <a:rPr lang="en-US" altLang="zh-CN" sz="1600" dirty="0">
                 <a:solidFill>
                   <a:srgbClr val="E5C07B"/>
                 </a:solidFill>
@@ -19448,7 +19600,7 @@
               <a:t>String</a:t>
             </a:r>
             <a:r>
-              <a:rPr lang="en-US" altLang="zh-CN" sz="1600">
+              <a:rPr lang="en-US" altLang="zh-CN" sz="1600" dirty="0">
                 <a:solidFill>
                   <a:srgbClr val="ABB2BF"/>
                 </a:solidFill>
@@ -19460,7 +19612,7 @@
           </a:p>
           <a:p>
             <a:r>
-              <a:rPr lang="en-US" altLang="zh-CN" sz="1600">
+              <a:rPr lang="en-US" altLang="zh-CN" sz="1600" dirty="0">
                 <a:solidFill>
                   <a:srgbClr val="ABB2BF"/>
                 </a:solidFill>
@@ -19470,7 +19622,7 @@
               <a:t>    </a:t>
             </a:r>
             <a:r>
-              <a:rPr lang="en-US" altLang="zh-CN" sz="1600">
+              <a:rPr lang="en-US" altLang="zh-CN" sz="1600" dirty="0">
                 <a:solidFill>
                   <a:srgbClr val="C678DD"/>
                 </a:solidFill>
@@ -19480,7 +19632,7 @@
               <a:t>let</a:t>
             </a:r>
             <a:r>
-              <a:rPr lang="en-US" altLang="zh-CN" sz="1600">
+              <a:rPr lang="en-US" altLang="zh-CN" sz="1600" dirty="0">
                 <a:solidFill>
                   <a:srgbClr val="ABB2BF"/>
                 </a:solidFill>
@@ -19490,7 +19642,7 @@
               <a:t> </a:t>
             </a:r>
             <a:r>
-              <a:rPr lang="en-US" altLang="zh-CN" sz="1600">
+              <a:rPr lang="en-US" altLang="zh-CN" sz="1600" dirty="0" err="1">
                 <a:solidFill>
                   <a:srgbClr val="E06C75"/>
                 </a:solidFill>
@@ -19500,7 +19652,7 @@
               <a:t>some_string</a:t>
             </a:r>
             <a:r>
-              <a:rPr lang="en-US" altLang="zh-CN" sz="1600">
+              <a:rPr lang="en-US" altLang="zh-CN" sz="1600" dirty="0">
                 <a:solidFill>
                   <a:srgbClr val="ABB2BF"/>
                 </a:solidFill>
@@ -19510,7 +19662,7 @@
               <a:t> = </a:t>
             </a:r>
             <a:r>
-              <a:rPr lang="en-US" altLang="zh-CN" sz="1600">
+              <a:rPr lang="en-US" altLang="zh-CN" sz="1600" dirty="0">
                 <a:solidFill>
                   <a:srgbClr val="E5C07B"/>
                 </a:solidFill>
@@ -19520,7 +19672,7 @@
               <a:t>String</a:t>
             </a:r>
             <a:r>
-              <a:rPr lang="en-US" altLang="zh-CN" sz="1600">
+              <a:rPr lang="en-US" altLang="zh-CN" sz="1600" dirty="0">
                 <a:solidFill>
                   <a:srgbClr val="ABB2BF"/>
                 </a:solidFill>
@@ -19530,7 +19682,7 @@
               <a:t>::</a:t>
             </a:r>
             <a:r>
-              <a:rPr lang="en-US" altLang="zh-CN" sz="1600">
+              <a:rPr lang="en-US" altLang="zh-CN" sz="1600" dirty="0">
                 <a:solidFill>
                   <a:srgbClr val="61AFEF"/>
                 </a:solidFill>
@@ -19540,7 +19692,7 @@
               <a:t>from</a:t>
             </a:r>
             <a:r>
-              <a:rPr lang="en-US" altLang="zh-CN" sz="1600">
+              <a:rPr lang="en-US" altLang="zh-CN" sz="1600" dirty="0">
                 <a:solidFill>
                   <a:srgbClr val="ABB2BF"/>
                 </a:solidFill>
@@ -19550,7 +19702,7 @@
               <a:t>(</a:t>
             </a:r>
             <a:r>
-              <a:rPr lang="en-US" altLang="zh-CN" sz="1600">
+              <a:rPr lang="en-US" altLang="zh-CN" sz="1600" dirty="0">
                 <a:solidFill>
                   <a:srgbClr val="98C379"/>
                 </a:solidFill>
@@ -19560,7 +19712,7 @@
               <a:t>"Rust"</a:t>
             </a:r>
             <a:r>
-              <a:rPr lang="en-US" altLang="zh-CN" sz="1600">
+              <a:rPr lang="en-US" altLang="zh-CN" sz="1600" dirty="0">
                 <a:solidFill>
                   <a:srgbClr val="ABB2BF"/>
                 </a:solidFill>
@@ -19572,7 +19724,7 @@
           </a:p>
           <a:p>
             <a:r>
-              <a:rPr lang="en-US" altLang="zh-CN" sz="1600">
+              <a:rPr lang="en-US" altLang="zh-CN" sz="1600" dirty="0">
                 <a:solidFill>
                   <a:srgbClr val="ABB2BF"/>
                 </a:solidFill>
@@ -19582,7 +19734,7 @@
               <a:t>    </a:t>
             </a:r>
             <a:r>
-              <a:rPr lang="en-US" altLang="zh-CN" sz="1600">
+              <a:rPr lang="en-US" altLang="zh-CN" sz="1600" dirty="0" err="1">
                 <a:solidFill>
                   <a:srgbClr val="E06C75"/>
                 </a:solidFill>
@@ -19591,7 +19743,7 @@
               </a:rPr>
               <a:t>some_string</a:t>
             </a:r>
-            <a:endParaRPr lang="en-US" altLang="zh-CN" sz="1600">
+            <a:endParaRPr lang="en-US" altLang="zh-CN" sz="1600" dirty="0">
               <a:solidFill>
                 <a:srgbClr val="ABB2BF"/>
               </a:solidFill>
@@ -19601,7 +19753,7 @@
           </a:p>
           <a:p>
             <a:r>
-              <a:rPr lang="en-US" altLang="zh-CN" sz="1600">
+              <a:rPr lang="en-US" altLang="zh-CN" sz="1600" dirty="0">
                 <a:solidFill>
                   <a:srgbClr val="ABB2BF"/>
                 </a:solidFill>
@@ -19657,9 +19809,9 @@
               <a:rPr lang="en-US" altLang="zh-CN" b="1" dirty="0">
                 <a:sym typeface="+mn-ea"/>
               </a:rPr>
-              <a:t> Practices</a:t>
-            </a:r>
-            <a:endParaRPr lang="en-US" altLang="zh-CN"/>
+              <a:t> Exercises</a:t>
+            </a:r>
+            <a:endParaRPr lang="en-US" altLang="zh-CN" dirty="0"/>
           </a:p>
         </p:txBody>
       </p:sp>
@@ -19683,13 +19835,22 @@
           <a:bodyPr/>
           <a:lstStyle/>
           <a:p>
-            <a:r>
-              <a:rPr lang="en-US" altLang="zh-CN"/>
-              <a:t>3. The following code poses a memory risk. Please identify the issue and use a smart pointer solution to solve the memory problem</a:t>
-            </a:r>
-          </a:p>
-          <a:p>
-            <a:endParaRPr lang="en-US" altLang="zh-CN"/>
+            <a:pPr marL="0" indent="0">
+              <a:buNone/>
+            </a:pPr>
+            <a:r>
+              <a:rPr lang="en-US" altLang="zh-CN" dirty="0"/>
+              <a:t>3 (optional)</a:t>
+            </a:r>
+          </a:p>
+          <a:p>
+            <a:r>
+              <a:rPr lang="en-US" altLang="zh-CN" dirty="0"/>
+              <a:t>The following code poses a memory risk. Please identify the issue and use a smart pointer solution to solve the memory problem</a:t>
+            </a:r>
+          </a:p>
+          <a:p>
+            <a:endParaRPr lang="en-US" altLang="zh-CN" dirty="0"/>
           </a:p>
         </p:txBody>
       </p:sp>
@@ -19724,7 +19885,7 @@
         </p:nvSpPr>
         <p:spPr>
           <a:xfrm>
-            <a:off x="6515100" y="192405"/>
+            <a:off x="6529969" y="118745"/>
             <a:ext cx="4381500" cy="6739255"/>
           </a:xfrm>
           <a:prstGeom prst="rect">
@@ -19739,206 +19900,411 @@
           <a:lstStyle/>
           <a:p>
             <a:r>
-              <a:rPr lang="en-US" altLang="zh-CN" sz="1200"/>
-              <a:t>struct DangerousContainer {</a:t>
-            </a:r>
-          </a:p>
-          <a:p>
-            <a:r>
-              <a:rPr lang="en-US" altLang="zh-CN" sz="1200"/>
+              <a:rPr lang="en-US" altLang="zh-CN" sz="1200" dirty="0"/>
+              <a:t>struct </a:t>
+            </a:r>
+            <a:r>
+              <a:rPr lang="en-US" altLang="zh-CN" sz="1200" dirty="0" err="1"/>
+              <a:t>DangerousContainer</a:t>
+            </a:r>
+            <a:r>
+              <a:rPr lang="en-US" altLang="zh-CN" sz="1200" dirty="0"/>
+              <a:t> {</a:t>
+            </a:r>
+          </a:p>
+          <a:p>
+            <a:r>
+              <a:rPr lang="en-US" altLang="zh-CN" sz="1200" dirty="0"/>
               <a:t>    data: *mut i32,</a:t>
             </a:r>
           </a:p>
           <a:p>
             <a:r>
-              <a:rPr lang="en-US" altLang="zh-CN" sz="1200"/>
+              <a:rPr lang="en-US" altLang="zh-CN" sz="1200" dirty="0"/>
               <a:t>}</a:t>
             </a:r>
           </a:p>
           <a:p>
-            <a:endParaRPr lang="en-US" altLang="zh-CN" sz="1200"/>
-          </a:p>
-          <a:p>
-            <a:r>
-              <a:rPr lang="en-US" altLang="zh-CN" sz="1200"/>
-              <a:t>impl DangerousContainer {</a:t>
-            </a:r>
-          </a:p>
-          <a:p>
-            <a:r>
-              <a:rPr lang="en-US" altLang="zh-CN" sz="1200"/>
-              <a:t>    fn new(value: i32) -&gt; Self {</a:t>
-            </a:r>
-            <a:endParaRPr lang="zh-CN" altLang="en-US" sz="1200"/>
-          </a:p>
-          <a:p>
-            <a:r>
-              <a:rPr lang="en-US" altLang="zh-CN" sz="1200"/>
-              <a:t>        let ptr = Box::into_raw(Box::new(value));</a:t>
-            </a:r>
-          </a:p>
-          <a:p>
-            <a:r>
-              <a:rPr lang="en-US" altLang="zh-CN" sz="1200"/>
-              <a:t>        DangerousContainer { data: ptr }</a:t>
-            </a:r>
-          </a:p>
-          <a:p>
-            <a:r>
-              <a:rPr lang="en-US" altLang="zh-CN" sz="1200"/>
+            <a:endParaRPr lang="en-US" altLang="zh-CN" sz="1200" dirty="0"/>
+          </a:p>
+          <a:p>
+            <a:r>
+              <a:rPr lang="en-US" altLang="zh-CN" sz="1200" dirty="0" err="1"/>
+              <a:t>impl</a:t>
+            </a:r>
+            <a:r>
+              <a:rPr lang="en-US" altLang="zh-CN" sz="1200" dirty="0"/>
+              <a:t> </a:t>
+            </a:r>
+            <a:r>
+              <a:rPr lang="en-US" altLang="zh-CN" sz="1200" dirty="0" err="1"/>
+              <a:t>DangerousContainer</a:t>
+            </a:r>
+            <a:r>
+              <a:rPr lang="en-US" altLang="zh-CN" sz="1200" dirty="0"/>
+              <a:t> {</a:t>
+            </a:r>
+          </a:p>
+          <a:p>
+            <a:r>
+              <a:rPr lang="en-US" altLang="zh-CN" sz="1200" dirty="0"/>
+              <a:t>    </a:t>
+            </a:r>
+            <a:r>
+              <a:rPr lang="en-US" altLang="zh-CN" sz="1200" dirty="0" err="1"/>
+              <a:t>fn</a:t>
+            </a:r>
+            <a:r>
+              <a:rPr lang="en-US" altLang="zh-CN" sz="1200" dirty="0"/>
+              <a:t> new(value: i32) -&gt; Self {</a:t>
+            </a:r>
+            <a:endParaRPr lang="zh-CN" altLang="en-US" sz="1200" dirty="0"/>
+          </a:p>
+          <a:p>
+            <a:r>
+              <a:rPr lang="en-US" altLang="zh-CN" sz="1200" dirty="0"/>
+              <a:t>        let </a:t>
+            </a:r>
+            <a:r>
+              <a:rPr lang="en-US" altLang="zh-CN" sz="1200" dirty="0" err="1"/>
+              <a:t>ptr</a:t>
+            </a:r>
+            <a:r>
+              <a:rPr lang="en-US" altLang="zh-CN" sz="1200" dirty="0"/>
+              <a:t> = Box::</a:t>
+            </a:r>
+            <a:r>
+              <a:rPr lang="en-US" altLang="zh-CN" sz="1200" dirty="0" err="1"/>
+              <a:t>into_raw</a:t>
+            </a:r>
+            <a:r>
+              <a:rPr lang="en-US" altLang="zh-CN" sz="1200" dirty="0"/>
+              <a:t>(Box::new(value));</a:t>
+            </a:r>
+          </a:p>
+          <a:p>
+            <a:r>
+              <a:rPr lang="en-US" altLang="zh-CN" sz="1200" dirty="0"/>
+              <a:t>        </a:t>
+            </a:r>
+            <a:r>
+              <a:rPr lang="en-US" altLang="zh-CN" sz="1200" dirty="0" err="1"/>
+              <a:t>DangerousContainer</a:t>
+            </a:r>
+            <a:r>
+              <a:rPr lang="en-US" altLang="zh-CN" sz="1200" dirty="0"/>
+              <a:t> { data: </a:t>
+            </a:r>
+            <a:r>
+              <a:rPr lang="en-US" altLang="zh-CN" sz="1200" dirty="0" err="1"/>
+              <a:t>ptr</a:t>
+            </a:r>
+            <a:r>
+              <a:rPr lang="en-US" altLang="zh-CN" sz="1200" dirty="0"/>
+              <a:t> }</a:t>
+            </a:r>
+          </a:p>
+          <a:p>
+            <a:r>
+              <a:rPr lang="en-US" altLang="zh-CN" sz="1200" dirty="0"/>
               <a:t>    }</a:t>
             </a:r>
           </a:p>
           <a:p>
-            <a:endParaRPr lang="en-US" altLang="zh-CN" sz="1200"/>
-          </a:p>
-          <a:p>
-            <a:r>
-              <a:rPr lang="en-US" altLang="zh-CN" sz="1200"/>
-              <a:t>    fn create_dangling() -&gt; *mut i32 {</a:t>
-            </a:r>
-          </a:p>
-          <a:p>
-            <a:r>
-              <a:rPr lang="en-US" altLang="zh-CN" sz="1200"/>
-              <a:t>        let local_data = 42;</a:t>
-            </a:r>
-          </a:p>
-          <a:p>
-            <a:r>
-              <a:rPr lang="en-US" altLang="zh-CN" sz="1200"/>
-              <a:t>        &amp;local_data as *const i32 as *mut i32 </a:t>
-            </a:r>
-            <a:endParaRPr lang="zh-CN" altLang="en-US" sz="1200"/>
-          </a:p>
-          <a:p>
-            <a:r>
-              <a:rPr lang="en-US" altLang="zh-CN" sz="1200"/>
+            <a:endParaRPr lang="en-US" altLang="zh-CN" sz="1200" dirty="0"/>
+          </a:p>
+          <a:p>
+            <a:r>
+              <a:rPr lang="en-US" altLang="zh-CN" sz="1200" dirty="0"/>
+              <a:t>    </a:t>
+            </a:r>
+            <a:r>
+              <a:rPr lang="en-US" altLang="zh-CN" sz="1200" dirty="0" err="1"/>
+              <a:t>fn</a:t>
+            </a:r>
+            <a:r>
+              <a:rPr lang="en-US" altLang="zh-CN" sz="1200" dirty="0"/>
+              <a:t> </a:t>
+            </a:r>
+            <a:r>
+              <a:rPr lang="en-US" altLang="zh-CN" sz="1200" dirty="0" err="1"/>
+              <a:t>create_dangling</a:t>
+            </a:r>
+            <a:r>
+              <a:rPr lang="en-US" altLang="zh-CN" sz="1200" dirty="0"/>
+              <a:t>() -&gt; *mut i32 {</a:t>
+            </a:r>
+          </a:p>
+          <a:p>
+            <a:r>
+              <a:rPr lang="en-US" altLang="zh-CN" sz="1200" dirty="0"/>
+              <a:t>        let </a:t>
+            </a:r>
+            <a:r>
+              <a:rPr lang="en-US" altLang="zh-CN" sz="1200" dirty="0" err="1"/>
+              <a:t>local_data</a:t>
+            </a:r>
+            <a:r>
+              <a:rPr lang="en-US" altLang="zh-CN" sz="1200" dirty="0"/>
+              <a:t> = 42;</a:t>
+            </a:r>
+          </a:p>
+          <a:p>
+            <a:r>
+              <a:rPr lang="en-US" altLang="zh-CN" sz="1200" dirty="0"/>
+              <a:t>        &amp;</a:t>
+            </a:r>
+            <a:r>
+              <a:rPr lang="en-US" altLang="zh-CN" sz="1200" dirty="0" err="1"/>
+              <a:t>local_data</a:t>
+            </a:r>
+            <a:r>
+              <a:rPr lang="en-US" altLang="zh-CN" sz="1200" dirty="0"/>
+              <a:t> as *const i32 as *mut i32 </a:t>
+            </a:r>
+            <a:endParaRPr lang="zh-CN" altLang="en-US" sz="1200" dirty="0"/>
+          </a:p>
+          <a:p>
+            <a:r>
+              <a:rPr lang="en-US" altLang="zh-CN" sz="1200" dirty="0"/>
               <a:t>    }</a:t>
             </a:r>
           </a:p>
           <a:p>
-            <a:endParaRPr lang="en-US" altLang="zh-CN" sz="1200"/>
-          </a:p>
-          <a:p>
-            <a:r>
-              <a:rPr lang="en-US" altLang="zh-CN" sz="1200"/>
-              <a:t>    unsafe fn get(&amp;self) -&gt; i32 {</a:t>
-            </a:r>
-          </a:p>
-          <a:p>
-            <a:r>
-              <a:rPr lang="en-US" altLang="zh-CN" sz="1200"/>
-              <a:t>        *self.data</a:t>
-            </a:r>
-          </a:p>
-          <a:p>
-            <a:r>
-              <a:rPr lang="en-US" altLang="zh-CN" sz="1200"/>
+            <a:endParaRPr lang="en-US" altLang="zh-CN" sz="1200" dirty="0"/>
+          </a:p>
+          <a:p>
+            <a:r>
+              <a:rPr lang="en-US" altLang="zh-CN" sz="1200" dirty="0"/>
+              <a:t>    unsafe </a:t>
+            </a:r>
+            <a:r>
+              <a:rPr lang="en-US" altLang="zh-CN" sz="1200" dirty="0" err="1"/>
+              <a:t>fn</a:t>
+            </a:r>
+            <a:r>
+              <a:rPr lang="en-US" altLang="zh-CN" sz="1200" dirty="0"/>
+              <a:t> get(&amp;self) -&gt; i32 {</a:t>
+            </a:r>
+          </a:p>
+          <a:p>
+            <a:r>
+              <a:rPr lang="en-US" altLang="zh-CN" sz="1200" dirty="0"/>
+              <a:t>        *</a:t>
+            </a:r>
+            <a:r>
+              <a:rPr lang="en-US" altLang="zh-CN" sz="1200" dirty="0" err="1"/>
+              <a:t>self.data</a:t>
+            </a:r>
+            <a:endParaRPr lang="en-US" altLang="zh-CN" sz="1200" dirty="0"/>
+          </a:p>
+          <a:p>
+            <a:r>
+              <a:rPr lang="en-US" altLang="zh-CN" sz="1200" dirty="0"/>
               <a:t>    }</a:t>
             </a:r>
           </a:p>
           <a:p>
             <a:r>
-              <a:rPr lang="en-US" altLang="zh-CN" sz="1200"/>
+              <a:rPr lang="en-US" altLang="zh-CN" sz="1200" dirty="0"/>
               <a:t>}</a:t>
             </a:r>
           </a:p>
           <a:p>
-            <a:endParaRPr lang="en-US" altLang="zh-CN" sz="1200"/>
-          </a:p>
-          <a:p>
-            <a:r>
-              <a:rPr lang="en-US" altLang="zh-CN" sz="1200"/>
-              <a:t>fn main() {</a:t>
-            </a:r>
-          </a:p>
-          <a:p>
-            <a:r>
-              <a:rPr lang="en-US" altLang="zh-CN" sz="1200"/>
+            <a:endParaRPr lang="en-US" altLang="zh-CN" sz="1200" dirty="0"/>
+          </a:p>
+          <a:p>
+            <a:r>
+              <a:rPr lang="en-US" altLang="zh-CN" sz="1200" dirty="0" err="1"/>
+              <a:t>fn</a:t>
+            </a:r>
+            <a:r>
+              <a:rPr lang="en-US" altLang="zh-CN" sz="1200" dirty="0"/>
+              <a:t> main() {</a:t>
+            </a:r>
+          </a:p>
+          <a:p>
+            <a:r>
+              <a:rPr lang="en-US" altLang="zh-CN" sz="1200" dirty="0"/>
               <a:t>   </a:t>
             </a:r>
-            <a:endParaRPr lang="zh-CN" altLang="en-US" sz="1200"/>
-          </a:p>
-          <a:p>
-            <a:r>
-              <a:rPr lang="en-US" altLang="zh-CN" sz="1200"/>
-              <a:t>    let container1 = DangerousContainer::new(10);</a:t>
-            </a:r>
-          </a:p>
-          <a:p>
-            <a:r>
-              <a:rPr lang="en-US" altLang="zh-CN" sz="1200"/>
-              <a:t>    let dangling_ptr = DangerousContainer::create_dangling();</a:t>
-            </a:r>
-          </a:p>
-          <a:p>
-            <a:r>
-              <a:rPr lang="en-US" altLang="zh-CN" sz="1200"/>
+            <a:endParaRPr lang="zh-CN" altLang="en-US" sz="1200" dirty="0"/>
+          </a:p>
+          <a:p>
+            <a:r>
+              <a:rPr lang="en-US" altLang="zh-CN" sz="1200" dirty="0"/>
+              <a:t>    let container1 = </a:t>
+            </a:r>
+            <a:r>
+              <a:rPr lang="en-US" altLang="zh-CN" sz="1200" dirty="0" err="1"/>
+              <a:t>DangerousContainer</a:t>
+            </a:r>
+            <a:r>
+              <a:rPr lang="en-US" altLang="zh-CN" sz="1200" dirty="0"/>
+              <a:t>::new(10);</a:t>
+            </a:r>
+          </a:p>
+          <a:p>
+            <a:r>
+              <a:rPr lang="en-US" altLang="zh-CN" sz="1200" dirty="0"/>
+              <a:t>    let </a:t>
+            </a:r>
+            <a:r>
+              <a:rPr lang="en-US" altLang="zh-CN" sz="1200" dirty="0" err="1"/>
+              <a:t>dangling_ptr</a:t>
+            </a:r>
+            <a:r>
+              <a:rPr lang="en-US" altLang="zh-CN" sz="1200" dirty="0"/>
+              <a:t> = </a:t>
+            </a:r>
+            <a:r>
+              <a:rPr lang="en-US" altLang="zh-CN" sz="1200" dirty="0" err="1"/>
+              <a:t>DangerousContainer</a:t>
+            </a:r>
+            <a:r>
+              <a:rPr lang="en-US" altLang="zh-CN" sz="1200" dirty="0"/>
+              <a:t>::</a:t>
+            </a:r>
+            <a:r>
+              <a:rPr lang="en-US" altLang="zh-CN" sz="1200" dirty="0" err="1"/>
+              <a:t>create_dangling</a:t>
+            </a:r>
+            <a:r>
+              <a:rPr lang="en-US" altLang="zh-CN" sz="1200" dirty="0"/>
+              <a:t>();</a:t>
+            </a:r>
+          </a:p>
+          <a:p>
+            <a:r>
+              <a:rPr lang="en-US" altLang="zh-CN" sz="1200" dirty="0"/>
               <a:t>    unsafe {</a:t>
             </a:r>
           </a:p>
           <a:p>
             <a:r>
-              <a:rPr lang="en-US" altLang="zh-CN" sz="1200"/>
-              <a:t>        println!("Dangling value: {}", *dangling_ptr);</a:t>
-            </a:r>
-            <a:endParaRPr lang="zh-CN" altLang="en-US" sz="1200"/>
-          </a:p>
-          <a:p>
-            <a:r>
-              <a:rPr lang="en-US" altLang="zh-CN" sz="1200"/>
+              <a:rPr lang="en-US" altLang="zh-CN" sz="1200" dirty="0"/>
+              <a:t>        </a:t>
+            </a:r>
+            <a:r>
+              <a:rPr lang="en-US" altLang="zh-CN" sz="1200" dirty="0" err="1"/>
+              <a:t>println</a:t>
+            </a:r>
+            <a:r>
+              <a:rPr lang="en-US" altLang="zh-CN" sz="1200" dirty="0"/>
+              <a:t>!("Dangling value: {}", *</a:t>
+            </a:r>
+            <a:r>
+              <a:rPr lang="en-US" altLang="zh-CN" sz="1200" dirty="0" err="1"/>
+              <a:t>dangling_ptr</a:t>
+            </a:r>
+            <a:r>
+              <a:rPr lang="en-US" altLang="zh-CN" sz="1200" dirty="0"/>
+              <a:t>);</a:t>
+            </a:r>
+            <a:endParaRPr lang="zh-CN" altLang="en-US" sz="1200" dirty="0"/>
+          </a:p>
+          <a:p>
+            <a:r>
+              <a:rPr lang="en-US" altLang="zh-CN" sz="1200" dirty="0"/>
               <a:t>    }</a:t>
             </a:r>
           </a:p>
           <a:p>
-            <a:endParaRPr lang="en-US" altLang="zh-CN" sz="1200"/>
-          </a:p>
-          <a:p>
-            <a:r>
-              <a:rPr lang="en-US" altLang="zh-CN" sz="1200"/>
-              <a:t>    let ptr = Box::into_raw(Box::new(20));</a:t>
-            </a:r>
-          </a:p>
-          <a:p>
-            <a:r>
-              <a:rPr lang="en-US" altLang="zh-CN" sz="1200"/>
-              <a:t>    let container2 = DangerousContainer { data: ptr };</a:t>
-            </a:r>
-          </a:p>
-          <a:p>
-            <a:r>
-              <a:rPr lang="en-US" altLang="zh-CN" sz="1200"/>
-              <a:t>    let container3 = DangerousContainer { data: ptr };</a:t>
-            </a:r>
-          </a:p>
-          <a:p>
-            <a:r>
-              <a:rPr lang="en-US" altLang="zh-CN" sz="1200"/>
+            <a:endParaRPr lang="en-US" altLang="zh-CN" sz="1200" dirty="0"/>
+          </a:p>
+          <a:p>
+            <a:r>
+              <a:rPr lang="en-US" altLang="zh-CN" sz="1200" dirty="0"/>
+              <a:t>    let </a:t>
+            </a:r>
+            <a:r>
+              <a:rPr lang="en-US" altLang="zh-CN" sz="1200" dirty="0" err="1"/>
+              <a:t>ptr</a:t>
+            </a:r>
+            <a:r>
+              <a:rPr lang="en-US" altLang="zh-CN" sz="1200" dirty="0"/>
+              <a:t> = Box::</a:t>
+            </a:r>
+            <a:r>
+              <a:rPr lang="en-US" altLang="zh-CN" sz="1200" dirty="0" err="1"/>
+              <a:t>into_raw</a:t>
+            </a:r>
+            <a:r>
+              <a:rPr lang="en-US" altLang="zh-CN" sz="1200" dirty="0"/>
+              <a:t>(Box::new(20));</a:t>
+            </a:r>
+          </a:p>
+          <a:p>
+            <a:r>
+              <a:rPr lang="en-US" altLang="zh-CN" sz="1200" dirty="0"/>
+              <a:t>    let container2 = </a:t>
+            </a:r>
+            <a:r>
+              <a:rPr lang="en-US" altLang="zh-CN" sz="1200" dirty="0" err="1"/>
+              <a:t>DangerousContainer</a:t>
+            </a:r>
+            <a:r>
+              <a:rPr lang="en-US" altLang="zh-CN" sz="1200" dirty="0"/>
+              <a:t> { data: </a:t>
+            </a:r>
+            <a:r>
+              <a:rPr lang="en-US" altLang="zh-CN" sz="1200" dirty="0" err="1"/>
+              <a:t>ptr</a:t>
+            </a:r>
+            <a:r>
+              <a:rPr lang="en-US" altLang="zh-CN" sz="1200" dirty="0"/>
+              <a:t> };</a:t>
+            </a:r>
+          </a:p>
+          <a:p>
+            <a:r>
+              <a:rPr lang="en-US" altLang="zh-CN" sz="1200" dirty="0"/>
+              <a:t>    let container3 = </a:t>
+            </a:r>
+            <a:r>
+              <a:rPr lang="en-US" altLang="zh-CN" sz="1200" dirty="0" err="1"/>
+              <a:t>DangerousContainer</a:t>
+            </a:r>
+            <a:r>
+              <a:rPr lang="en-US" altLang="zh-CN" sz="1200" dirty="0"/>
+              <a:t> { data: </a:t>
+            </a:r>
+            <a:r>
+              <a:rPr lang="en-US" altLang="zh-CN" sz="1200" dirty="0" err="1"/>
+              <a:t>ptr</a:t>
+            </a:r>
+            <a:r>
+              <a:rPr lang="en-US" altLang="zh-CN" sz="1200" dirty="0"/>
+              <a:t> };</a:t>
+            </a:r>
+          </a:p>
+          <a:p>
+            <a:r>
+              <a:rPr lang="en-US" altLang="zh-CN" sz="1200" dirty="0"/>
               <a:t>    </a:t>
             </a:r>
-            <a:endParaRPr lang="zh-CN" altLang="en-US" sz="1200"/>
-          </a:p>
-          <a:p>
-            <a:r>
-              <a:rPr lang="en-US" altLang="zh-CN" sz="1200"/>
+            <a:endParaRPr lang="zh-CN" altLang="en-US" sz="1200" dirty="0"/>
+          </a:p>
+          <a:p>
+            <a:r>
+              <a:rPr lang="en-US" altLang="zh-CN" sz="1200" dirty="0"/>
               <a:t>    // drop(container2);</a:t>
             </a:r>
           </a:p>
           <a:p>
             <a:r>
-              <a:rPr lang="en-US" altLang="zh-CN" sz="1200"/>
+              <a:rPr lang="en-US" altLang="zh-CN" sz="1200" dirty="0"/>
               <a:t>    // drop(container3);</a:t>
             </a:r>
           </a:p>
           <a:p>
             <a:r>
-              <a:rPr lang="en-US" altLang="zh-CN" sz="1200"/>
+              <a:rPr lang="en-US" altLang="zh-CN" sz="1200" dirty="0"/>
               <a:t>}</a:t>
             </a:r>
           </a:p>
           <a:p>
-            <a:endParaRPr lang="zh-CN" altLang="en-US" sz="1200"/>
+            <a:endParaRPr lang="zh-CN" altLang="en-US" sz="1200" dirty="0"/>
           </a:p>
         </p:txBody>
       </p:sp>
@@ -24890,7 +25256,7 @@
               </a:lnSpc>
             </a:pPr>
             <a:r>
-              <a:rPr lang="en-US" altLang="zh-CN" sz="1300" b="0">
+              <a:rPr lang="en-US" altLang="zh-CN" sz="1300" b="0" dirty="0">
                 <a:solidFill>
                   <a:srgbClr val="569CD6"/>
                 </a:solidFill>
@@ -24900,7 +25266,7 @@
               <a:t>use </a:t>
             </a:r>
             <a:r>
-              <a:rPr lang="en-US" altLang="zh-CN" sz="1300" b="0">
+              <a:rPr lang="en-US" altLang="zh-CN" sz="1300" b="0" dirty="0">
                 <a:solidFill>
                   <a:srgbClr val="4EC9B0"/>
                 </a:solidFill>
@@ -24910,7 +25276,7 @@
               <a:t>std</a:t>
             </a:r>
             <a:r>
-              <a:rPr lang="en-US" altLang="zh-CN" sz="1300" b="0">
+              <a:rPr lang="en-US" altLang="zh-CN" sz="1300" b="0" dirty="0">
                 <a:solidFill>
                   <a:srgbClr val="D4D4D4"/>
                 </a:solidFill>
@@ -24920,7 +25286,7 @@
               <a:t>::</a:t>
             </a:r>
             <a:r>
-              <a:rPr lang="en-US" altLang="zh-CN" sz="1300" b="0">
+              <a:rPr lang="en-US" altLang="zh-CN" sz="1300" b="0" dirty="0">
                 <a:solidFill>
                   <a:srgbClr val="4EC9B0"/>
                 </a:solidFill>
@@ -24930,7 +25296,7 @@
               <a:t>mem</a:t>
             </a:r>
             <a:r>
-              <a:rPr lang="en-US" altLang="zh-CN" sz="1300" b="0">
+              <a:rPr lang="en-US" altLang="zh-CN" sz="1300" b="0" dirty="0">
                 <a:solidFill>
                   <a:srgbClr val="D4D4D4"/>
                 </a:solidFill>
@@ -24940,14 +25306,54 @@
               <a:t>::</a:t>
             </a:r>
             <a:r>
-              <a:rPr lang="en-US" altLang="zh-CN" sz="1300" b="0">
-                <a:solidFill>
-                  <a:srgbClr val="CCCCCC"/>
-                </a:solidFill>
-                <a:latin typeface="Consolas" panose="020B0609020204030204"/>
-                <a:ea typeface="Consolas" panose="020B0609020204030204"/>
-              </a:rPr>
-              <a:t>{size_of_val, align_of_val};</a:t>
+              <a:rPr lang="en-US" altLang="zh-CN" sz="1300" b="0" dirty="0">
+                <a:solidFill>
+                  <a:srgbClr val="CCCCCC"/>
+                </a:solidFill>
+                <a:latin typeface="Consolas" panose="020B0609020204030204"/>
+                <a:ea typeface="Consolas" panose="020B0609020204030204"/>
+              </a:rPr>
+              <a:t>{</a:t>
+            </a:r>
+            <a:r>
+              <a:rPr lang="en-US" altLang="zh-CN" sz="1300" b="0" dirty="0" err="1">
+                <a:solidFill>
+                  <a:srgbClr val="CCCCCC"/>
+                </a:solidFill>
+                <a:latin typeface="Consolas" panose="020B0609020204030204"/>
+                <a:ea typeface="Consolas" panose="020B0609020204030204"/>
+              </a:rPr>
+              <a:t>size_of_val</a:t>
+            </a:r>
+            <a:r>
+              <a:rPr lang="en-US" altLang="zh-CN" sz="1300" b="0" dirty="0">
+                <a:solidFill>
+                  <a:srgbClr val="CCCCCC"/>
+                </a:solidFill>
+                <a:latin typeface="Consolas" panose="020B0609020204030204"/>
+                <a:ea typeface="Consolas" panose="020B0609020204030204"/>
+              </a:rPr>
+              <a:t>, </a:t>
+            </a:r>
+            <a:r>
+              <a:rPr lang="en-US" altLang="zh-CN" sz="1300" b="0" dirty="0" err="1">
+                <a:solidFill>
+                  <a:srgbClr val="CCCCCC"/>
+                </a:solidFill>
+                <a:latin typeface="Consolas" panose="020B0609020204030204"/>
+                <a:ea typeface="Consolas" panose="020B0609020204030204"/>
+              </a:rPr>
+              <a:t>align_of_val</a:t>
+            </a:r>
+            <a:r>
+              <a:rPr lang="en-US" altLang="zh-CN" sz="1300" b="0" dirty="0">
+                <a:solidFill>
+                  <a:srgbClr val="CCCCCC"/>
+                </a:solidFill>
+                <a:latin typeface="Consolas" panose="020B0609020204030204"/>
+                <a:ea typeface="Consolas" panose="020B0609020204030204"/>
+              </a:rPr>
+              <a:t>};</a:t>
             </a:r>
           </a:p>
           <a:p>
@@ -24957,7 +25363,7 @@
               </a:lnSpc>
             </a:pPr>
             <a:r>
-              <a:rPr lang="en-US" altLang="zh-CN" sz="1300" b="0">
+              <a:rPr lang="en-US" altLang="zh-CN" sz="1300" b="0" dirty="0">
                 <a:solidFill>
                   <a:srgbClr val="569CD6"/>
                 </a:solidFill>
@@ -24967,7 +25373,7 @@
               <a:t>struct </a:t>
             </a:r>
             <a:r>
-              <a:rPr lang="en-US" altLang="zh-CN" sz="1300" b="0">
+              <a:rPr lang="en-US" altLang="zh-CN" sz="1300" b="0" dirty="0" err="1">
                 <a:solidFill>
                   <a:srgbClr val="4EC9B0"/>
                 </a:solidFill>
@@ -24977,7 +25383,7 @@
               <a:t>RustStyle</a:t>
             </a:r>
             <a:r>
-              <a:rPr lang="en-US" altLang="zh-CN" sz="1300" b="0">
+              <a:rPr lang="en-US" altLang="zh-CN" sz="1300" b="0" dirty="0">
                 <a:solidFill>
                   <a:srgbClr val="CCCCCC"/>
                 </a:solidFill>
@@ -24994,7 +25400,7 @@
               </a:lnSpc>
             </a:pPr>
             <a:r>
-              <a:rPr lang="en-US" altLang="zh-CN" sz="1300" b="0">
+              <a:rPr lang="en-US" altLang="zh-CN" sz="1300" b="0" dirty="0">
                 <a:solidFill>
                   <a:srgbClr val="CCCCCC"/>
                 </a:solidFill>
@@ -25004,7 +25410,7 @@
               <a:t>    </a:t>
             </a:r>
             <a:r>
-              <a:rPr lang="en-US" altLang="zh-CN" sz="1300" b="0">
+              <a:rPr lang="en-US" altLang="zh-CN" sz="1300" b="0" dirty="0">
                 <a:solidFill>
                   <a:srgbClr val="9CDCFE"/>
                 </a:solidFill>
@@ -25014,7 +25420,7 @@
               <a:t>a</a:t>
             </a:r>
             <a:r>
-              <a:rPr lang="en-US" altLang="zh-CN" sz="1300" b="0">
+              <a:rPr lang="en-US" altLang="zh-CN" sz="1300" b="0" dirty="0">
                 <a:solidFill>
                   <a:srgbClr val="D4D4D4"/>
                 </a:solidFill>
@@ -25024,7 +25430,7 @@
               <a:t>:</a:t>
             </a:r>
             <a:r>
-              <a:rPr lang="en-US" altLang="zh-CN" sz="1300" b="0">
+              <a:rPr lang="en-US" altLang="zh-CN" sz="1300" b="0" dirty="0">
                 <a:solidFill>
                   <a:srgbClr val="4EC9B0"/>
                 </a:solidFill>
@@ -25034,7 +25440,7 @@
               <a:t>u8</a:t>
             </a:r>
             <a:r>
-              <a:rPr lang="en-US" altLang="zh-CN" sz="1300" b="0">
+              <a:rPr lang="en-US" altLang="zh-CN" sz="1300" b="0" dirty="0">
                 <a:solidFill>
                   <a:srgbClr val="CCCCCC"/>
                 </a:solidFill>
@@ -25044,7 +25450,7 @@
               <a:t>,</a:t>
             </a:r>
             <a:r>
-              <a:rPr lang="en-US" altLang="zh-CN" sz="1300" b="0">
+              <a:rPr lang="en-US" altLang="zh-CN" sz="1300" b="0" dirty="0">
                 <a:solidFill>
                   <a:srgbClr val="6A9955"/>
                 </a:solidFill>
@@ -25053,7 +25459,7 @@
               </a:rPr>
               <a:t>   // 1 BYTE</a:t>
             </a:r>
-            <a:endParaRPr lang="zh-CN" altLang="en-US" sz="1300" b="0">
+            <a:endParaRPr lang="zh-CN" altLang="en-US" sz="1300" b="0" dirty="0">
               <a:solidFill>
                 <a:srgbClr val="6A9955"/>
               </a:solidFill>
@@ -25068,7 +25474,7 @@
               </a:lnSpc>
             </a:pPr>
             <a:r>
-              <a:rPr lang="en-US" altLang="zh-CN" sz="1300" b="0">
+              <a:rPr lang="en-US" altLang="zh-CN" sz="1300" b="0" dirty="0">
                 <a:solidFill>
                   <a:srgbClr val="CCCCCC"/>
                 </a:solidFill>
@@ -25078,7 +25484,7 @@
               <a:t>    </a:t>
             </a:r>
             <a:r>
-              <a:rPr lang="en-US" altLang="zh-CN" sz="1300" b="0">
+              <a:rPr lang="en-US" altLang="zh-CN" sz="1300" b="0" dirty="0">
                 <a:solidFill>
                   <a:srgbClr val="9CDCFE"/>
                 </a:solidFill>
@@ -25088,7 +25494,7 @@
               <a:t>b</a:t>
             </a:r>
             <a:r>
-              <a:rPr lang="en-US" altLang="zh-CN" sz="1300" b="0">
+              <a:rPr lang="en-US" altLang="zh-CN" sz="1300" b="0" dirty="0">
                 <a:solidFill>
                   <a:srgbClr val="D4D4D4"/>
                 </a:solidFill>
@@ -25098,7 +25504,7 @@
               <a:t>:</a:t>
             </a:r>
             <a:r>
-              <a:rPr lang="en-US" altLang="zh-CN" sz="1300" b="0">
+              <a:rPr lang="en-US" altLang="zh-CN" sz="1300" b="0" dirty="0">
                 <a:solidFill>
                   <a:srgbClr val="4EC9B0"/>
                 </a:solidFill>
@@ -25108,7 +25514,7 @@
               <a:t>u32</a:t>
             </a:r>
             <a:r>
-              <a:rPr lang="en-US" altLang="zh-CN" sz="1300" b="0">
+              <a:rPr lang="en-US" altLang="zh-CN" sz="1300" b="0" dirty="0">
                 <a:solidFill>
                   <a:srgbClr val="CCCCCC"/>
                 </a:solidFill>
@@ -25118,7 +25524,7 @@
               <a:t>,</a:t>
             </a:r>
             <a:r>
-              <a:rPr lang="en-US" altLang="zh-CN" sz="1300" b="0">
+              <a:rPr lang="en-US" altLang="zh-CN" sz="1300" b="0" dirty="0">
                 <a:solidFill>
                   <a:srgbClr val="6A9955"/>
                 </a:solidFill>
@@ -25127,7 +25533,7 @@
               </a:rPr>
               <a:t>  // 4 BYTES</a:t>
             </a:r>
-            <a:endParaRPr lang="zh-CN" altLang="en-US" sz="1300" b="0">
+            <a:endParaRPr lang="zh-CN" altLang="en-US" sz="1300" b="0" dirty="0">
               <a:solidFill>
                 <a:srgbClr val="6A9955"/>
               </a:solidFill>
@@ -25142,7 +25548,7 @@
               </a:lnSpc>
             </a:pPr>
             <a:r>
-              <a:rPr lang="en-US" altLang="zh-CN" sz="1300" b="0">
+              <a:rPr lang="en-US" altLang="zh-CN" sz="1300" b="0" dirty="0">
                 <a:solidFill>
                   <a:srgbClr val="CCCCCC"/>
                 </a:solidFill>
@@ -25152,7 +25558,7 @@
               <a:t>    </a:t>
             </a:r>
             <a:r>
-              <a:rPr lang="en-US" altLang="zh-CN" sz="1300" b="0">
+              <a:rPr lang="en-US" altLang="zh-CN" sz="1300" b="0" dirty="0">
                 <a:solidFill>
                   <a:srgbClr val="9CDCFE"/>
                 </a:solidFill>
@@ -25162,7 +25568,7 @@
               <a:t>c</a:t>
             </a:r>
             <a:r>
-              <a:rPr lang="en-US" altLang="zh-CN" sz="1300" b="0">
+              <a:rPr lang="en-US" altLang="zh-CN" sz="1300" b="0" dirty="0">
                 <a:solidFill>
                   <a:srgbClr val="D4D4D4"/>
                 </a:solidFill>
@@ -25172,7 +25578,7 @@
               <a:t>:</a:t>
             </a:r>
             <a:r>
-              <a:rPr lang="en-US" altLang="zh-CN" sz="1300" b="0">
+              <a:rPr lang="en-US" altLang="zh-CN" sz="1300" b="0" dirty="0">
                 <a:solidFill>
                   <a:srgbClr val="4EC9B0"/>
                 </a:solidFill>
@@ -25182,7 +25588,7 @@
               <a:t>u16</a:t>
             </a:r>
             <a:r>
-              <a:rPr lang="en-US" altLang="zh-CN" sz="1300" b="0">
+              <a:rPr lang="en-US" altLang="zh-CN" sz="1300" b="0" dirty="0">
                 <a:solidFill>
                   <a:srgbClr val="CCCCCC"/>
                 </a:solidFill>
@@ -25192,7 +25598,7 @@
               <a:t>,</a:t>
             </a:r>
             <a:r>
-              <a:rPr lang="en-US" altLang="zh-CN" sz="1300" b="0">
+              <a:rPr lang="en-US" altLang="zh-CN" sz="1300" b="0" dirty="0">
                 <a:solidFill>
                   <a:srgbClr val="6A9955"/>
                 </a:solidFill>
@@ -25201,7 +25607,7 @@
               </a:rPr>
               <a:t>  // 2 BYTES</a:t>
             </a:r>
-            <a:endParaRPr lang="zh-CN" altLang="en-US" sz="1300" b="0">
+            <a:endParaRPr lang="zh-CN" altLang="en-US" sz="1300" b="0" dirty="0">
               <a:solidFill>
                 <a:srgbClr val="6A9955"/>
               </a:solidFill>
@@ -25216,7 +25622,7 @@
               </a:lnSpc>
             </a:pPr>
             <a:r>
-              <a:rPr lang="en-US" altLang="zh-CN" sz="1300" b="0">
+              <a:rPr lang="en-US" altLang="zh-CN" sz="1300" b="0" dirty="0">
                 <a:solidFill>
                   <a:srgbClr val="CCCCCC"/>
                 </a:solidFill>
@@ -25226,7 +25632,7 @@
               <a:t>    </a:t>
             </a:r>
             <a:r>
-              <a:rPr lang="en-US" altLang="zh-CN" sz="1300" b="0">
+              <a:rPr lang="en-US" altLang="zh-CN" sz="1300" b="0" dirty="0">
                 <a:solidFill>
                   <a:srgbClr val="9CDCFE"/>
                 </a:solidFill>
@@ -25236,7 +25642,7 @@
               <a:t>d</a:t>
             </a:r>
             <a:r>
-              <a:rPr lang="en-US" altLang="zh-CN" sz="1300" b="0">
+              <a:rPr lang="en-US" altLang="zh-CN" sz="1300" b="0" dirty="0">
                 <a:solidFill>
                   <a:srgbClr val="D4D4D4"/>
                 </a:solidFill>
@@ -25246,7 +25652,7 @@
               <a:t>:</a:t>
             </a:r>
             <a:r>
-              <a:rPr lang="en-US" altLang="zh-CN" sz="1300" b="0">
+              <a:rPr lang="en-US" altLang="zh-CN" sz="1300" b="0" dirty="0">
                 <a:solidFill>
                   <a:srgbClr val="4EC9B0"/>
                 </a:solidFill>
@@ -25256,7 +25662,7 @@
               <a:t>f64</a:t>
             </a:r>
             <a:r>
-              <a:rPr lang="en-US" altLang="zh-CN" sz="1300" b="0">
+              <a:rPr lang="en-US" altLang="zh-CN" sz="1300" b="0" dirty="0">
                 <a:solidFill>
                   <a:srgbClr val="CCCCCC"/>
                 </a:solidFill>
@@ -25266,7 +25672,7 @@
               <a:t>,</a:t>
             </a:r>
             <a:r>
-              <a:rPr lang="en-US" altLang="zh-CN" sz="1300" b="0">
+              <a:rPr lang="en-US" altLang="zh-CN" sz="1300" b="0" dirty="0">
                 <a:solidFill>
                   <a:srgbClr val="6A9955"/>
                 </a:solidFill>
@@ -25275,7 +25681,7 @@
               </a:rPr>
               <a:t>  // 8 BYTES</a:t>
             </a:r>
-            <a:endParaRPr lang="zh-CN" altLang="en-US" sz="1300" b="0">
+            <a:endParaRPr lang="zh-CN" altLang="en-US" sz="1300" b="0" dirty="0">
               <a:solidFill>
                 <a:srgbClr val="6A9955"/>
               </a:solidFill>
@@ -25290,7 +25696,7 @@
               </a:lnSpc>
             </a:pPr>
             <a:r>
-              <a:rPr lang="en-US" altLang="zh-CN" sz="1300" b="0">
+              <a:rPr lang="en-US" altLang="zh-CN" sz="1300" b="0" dirty="0">
                 <a:solidFill>
                   <a:srgbClr val="CCCCCC"/>
                 </a:solidFill>
@@ -25306,7 +25712,7 @@
                 <a:spcPct val="100000"/>
               </a:lnSpc>
             </a:pPr>
-            <a:endParaRPr lang="zh-CN" altLang="en-US" sz="1300" b="0">
+            <a:endParaRPr lang="zh-CN" altLang="en-US" sz="1300" b="0" dirty="0">
               <a:solidFill>
                 <a:srgbClr val="6A9955"/>
               </a:solidFill>
@@ -25321,17 +25727,37 @@
               </a:lnSpc>
             </a:pPr>
             <a:r>
-              <a:rPr lang="en-US" altLang="zh-CN" sz="1300" b="0">
-                <a:solidFill>
-                  <a:srgbClr val="CCCCCC"/>
-                </a:solidFill>
-                <a:latin typeface="Consolas" panose="020B0609020204030204"/>
-                <a:ea typeface="Consolas" panose="020B0609020204030204"/>
-              </a:rPr>
-              <a:t>#[repr(</a:t>
-            </a:r>
-            <a:r>
-              <a:rPr lang="en-US" altLang="zh-CN" sz="1300" b="0">
+              <a:rPr lang="en-US" altLang="zh-CN" sz="1300" b="0" dirty="0">
+                <a:solidFill>
+                  <a:srgbClr val="CCCCCC"/>
+                </a:solidFill>
+                <a:latin typeface="Consolas" panose="020B0609020204030204"/>
+                <a:ea typeface="Consolas" panose="020B0609020204030204"/>
+              </a:rPr>
+              <a:t>#[</a:t>
+            </a:r>
+            <a:r>
+              <a:rPr lang="en-US" altLang="zh-CN" sz="1300" b="0" dirty="0" err="1">
+                <a:solidFill>
+                  <a:srgbClr val="CCCCCC"/>
+                </a:solidFill>
+                <a:latin typeface="Consolas" panose="020B0609020204030204"/>
+                <a:ea typeface="Consolas" panose="020B0609020204030204"/>
+              </a:rPr>
+              <a:t>repr</a:t>
+            </a:r>
+            <a:r>
+              <a:rPr lang="en-US" altLang="zh-CN" sz="1300" b="0" dirty="0">
+                <a:solidFill>
+                  <a:srgbClr val="CCCCCC"/>
+                </a:solidFill>
+                <a:latin typeface="Consolas" panose="020B0609020204030204"/>
+                <a:ea typeface="Consolas" panose="020B0609020204030204"/>
+              </a:rPr>
+              <a:t>(</a:t>
+            </a:r>
+            <a:r>
+              <a:rPr lang="en-US" altLang="zh-CN" sz="1300" b="0" dirty="0">
                 <a:solidFill>
                   <a:srgbClr val="4EC9B0"/>
                 </a:solidFill>
@@ -25341,7 +25767,7 @@
               <a:t>C</a:t>
             </a:r>
             <a:r>
-              <a:rPr lang="en-US" altLang="zh-CN" sz="1300" b="0">
+              <a:rPr lang="en-US" altLang="zh-CN" sz="1300" b="0" dirty="0">
                 <a:solidFill>
                   <a:srgbClr val="CCCCCC"/>
                 </a:solidFill>
@@ -25358,7 +25784,7 @@
               </a:lnSpc>
             </a:pPr>
             <a:r>
-              <a:rPr lang="en-US" altLang="zh-CN" sz="1300" b="0">
+              <a:rPr lang="en-US" altLang="zh-CN" sz="1300" b="0" dirty="0">
                 <a:solidFill>
                   <a:srgbClr val="569CD6"/>
                 </a:solidFill>
@@ -25368,7 +25794,7 @@
               <a:t>struct </a:t>
             </a:r>
             <a:r>
-              <a:rPr lang="en-US" altLang="zh-CN" sz="1300" b="0">
+              <a:rPr lang="en-US" altLang="zh-CN" sz="1300" b="0" dirty="0" err="1">
                 <a:solidFill>
                   <a:srgbClr val="4EC9B0"/>
                 </a:solidFill>
@@ -25378,7 +25804,7 @@
               <a:t>CStyle</a:t>
             </a:r>
             <a:r>
-              <a:rPr lang="en-US" altLang="zh-CN" sz="1300" b="0">
+              <a:rPr lang="en-US" altLang="zh-CN" sz="1300" b="0" dirty="0">
                 <a:solidFill>
                   <a:srgbClr val="CCCCCC"/>
                 </a:solidFill>
@@ -25395,7 +25821,7 @@
               </a:lnSpc>
             </a:pPr>
             <a:r>
-              <a:rPr lang="en-US" altLang="zh-CN" sz="1300" b="0">
+              <a:rPr lang="en-US" altLang="zh-CN" sz="1300" b="0" dirty="0">
                 <a:solidFill>
                   <a:srgbClr val="CCCCCC"/>
                 </a:solidFill>
@@ -25405,7 +25831,7 @@
               <a:t>    </a:t>
             </a:r>
             <a:r>
-              <a:rPr lang="en-US" altLang="zh-CN" sz="1300" b="0">
+              <a:rPr lang="en-US" altLang="zh-CN" sz="1300" b="0" dirty="0">
                 <a:solidFill>
                   <a:srgbClr val="9CDCFE"/>
                 </a:solidFill>
@@ -25415,7 +25841,7 @@
               <a:t>a</a:t>
             </a:r>
             <a:r>
-              <a:rPr lang="en-US" altLang="zh-CN" sz="1300" b="0">
+              <a:rPr lang="en-US" altLang="zh-CN" sz="1300" b="0" dirty="0">
                 <a:solidFill>
                   <a:srgbClr val="D4D4D4"/>
                 </a:solidFill>
@@ -25425,7 +25851,7 @@
               <a:t>:</a:t>
             </a:r>
             <a:r>
-              <a:rPr lang="en-US" altLang="zh-CN" sz="1300" b="0">
+              <a:rPr lang="en-US" altLang="zh-CN" sz="1300" b="0" dirty="0">
                 <a:solidFill>
                   <a:srgbClr val="4EC9B0"/>
                 </a:solidFill>
@@ -25435,7 +25861,7 @@
               <a:t>u8</a:t>
             </a:r>
             <a:r>
-              <a:rPr lang="en-US" altLang="zh-CN" sz="1300" b="0">
+              <a:rPr lang="en-US" altLang="zh-CN" sz="1300" b="0" dirty="0">
                 <a:solidFill>
                   <a:srgbClr val="CCCCCC"/>
                 </a:solidFill>
@@ -25452,7 +25878,7 @@
               </a:lnSpc>
             </a:pPr>
             <a:r>
-              <a:rPr lang="en-US" altLang="zh-CN" sz="1300" b="0">
+              <a:rPr lang="en-US" altLang="zh-CN" sz="1300" b="0" dirty="0">
                 <a:solidFill>
                   <a:srgbClr val="CCCCCC"/>
                 </a:solidFill>
@@ -25462,7 +25888,7 @@
               <a:t>    </a:t>
             </a:r>
             <a:r>
-              <a:rPr lang="en-US" altLang="zh-CN" sz="1300" b="0">
+              <a:rPr lang="en-US" altLang="zh-CN" sz="1300" b="0" dirty="0">
                 <a:solidFill>
                   <a:srgbClr val="9CDCFE"/>
                 </a:solidFill>
@@ -25472,7 +25898,7 @@
               <a:t>b</a:t>
             </a:r>
             <a:r>
-              <a:rPr lang="en-US" altLang="zh-CN" sz="1300" b="0">
+              <a:rPr lang="en-US" altLang="zh-CN" sz="1300" b="0" dirty="0">
                 <a:solidFill>
                   <a:srgbClr val="D4D4D4"/>
                 </a:solidFill>
@@ -25482,7 +25908,7 @@
               <a:t>:</a:t>
             </a:r>
             <a:r>
-              <a:rPr lang="en-US" altLang="zh-CN" sz="1300" b="0">
+              <a:rPr lang="en-US" altLang="zh-CN" sz="1300" b="0" dirty="0">
                 <a:solidFill>
                   <a:srgbClr val="4EC9B0"/>
                 </a:solidFill>
@@ -25492,7 +25918,7 @@
               <a:t>u32</a:t>
             </a:r>
             <a:r>
-              <a:rPr lang="en-US" altLang="zh-CN" sz="1300" b="0">
+              <a:rPr lang="en-US" altLang="zh-CN" sz="1300" b="0" dirty="0">
                 <a:solidFill>
                   <a:srgbClr val="CCCCCC"/>
                 </a:solidFill>
@@ -25509,7 +25935,7 @@
               </a:lnSpc>
             </a:pPr>
             <a:r>
-              <a:rPr lang="en-US" altLang="zh-CN" sz="1300" b="0">
+              <a:rPr lang="en-US" altLang="zh-CN" sz="1300" b="0" dirty="0">
                 <a:solidFill>
                   <a:srgbClr val="CCCCCC"/>
                 </a:solidFill>
@@ -25519,7 +25945,7 @@
               <a:t>    </a:t>
             </a:r>
             <a:r>
-              <a:rPr lang="en-US" altLang="zh-CN" sz="1300" b="0">
+              <a:rPr lang="en-US" altLang="zh-CN" sz="1300" b="0" dirty="0">
                 <a:solidFill>
                   <a:srgbClr val="9CDCFE"/>
                 </a:solidFill>
@@ -25529,7 +25955,7 @@
               <a:t>c</a:t>
             </a:r>
             <a:r>
-              <a:rPr lang="en-US" altLang="zh-CN" sz="1300" b="0">
+              <a:rPr lang="en-US" altLang="zh-CN" sz="1300" b="0" dirty="0">
                 <a:solidFill>
                   <a:srgbClr val="D4D4D4"/>
                 </a:solidFill>
@@ -25539,7 +25965,7 @@
               <a:t>:</a:t>
             </a:r>
             <a:r>
-              <a:rPr lang="en-US" altLang="zh-CN" sz="1300" b="0">
+              <a:rPr lang="en-US" altLang="zh-CN" sz="1300" b="0" dirty="0">
                 <a:solidFill>
                   <a:srgbClr val="4EC9B0"/>
                 </a:solidFill>
@@ -25549,7 +25975,7 @@
               <a:t>u16</a:t>
             </a:r>
             <a:r>
-              <a:rPr lang="en-US" altLang="zh-CN" sz="1300" b="0">
+              <a:rPr lang="en-US" altLang="zh-CN" sz="1300" b="0" dirty="0">
                 <a:solidFill>
                   <a:srgbClr val="CCCCCC"/>
                 </a:solidFill>
@@ -25566,7 +25992,7 @@
               </a:lnSpc>
             </a:pPr>
             <a:r>
-              <a:rPr lang="en-US" altLang="zh-CN" sz="1300" b="0">
+              <a:rPr lang="en-US" altLang="zh-CN" sz="1300" b="0" dirty="0">
                 <a:solidFill>
                   <a:srgbClr val="CCCCCC"/>
                 </a:solidFill>
@@ -25576,7 +26002,7 @@
               <a:t>    </a:t>
             </a:r>
             <a:r>
-              <a:rPr lang="en-US" altLang="zh-CN" sz="1300" b="0">
+              <a:rPr lang="en-US" altLang="zh-CN" sz="1300" b="0" dirty="0">
                 <a:solidFill>
                   <a:srgbClr val="9CDCFE"/>
                 </a:solidFill>
@@ -25586,7 +26012,7 @@
               <a:t>d</a:t>
             </a:r>
             <a:r>
-              <a:rPr lang="en-US" altLang="zh-CN" sz="1300" b="0">
+              <a:rPr lang="en-US" altLang="zh-CN" sz="1300" b="0" dirty="0">
                 <a:solidFill>
                   <a:srgbClr val="D4D4D4"/>
                 </a:solidFill>
@@ -25596,7 +26022,7 @@
               <a:t>:</a:t>
             </a:r>
             <a:r>
-              <a:rPr lang="en-US" altLang="zh-CN" sz="1300" b="0">
+              <a:rPr lang="en-US" altLang="zh-CN" sz="1300" b="0" dirty="0">
                 <a:solidFill>
                   <a:srgbClr val="4EC9B0"/>
                 </a:solidFill>
@@ -25606,7 +26032,7 @@
               <a:t>f64</a:t>
             </a:r>
             <a:r>
-              <a:rPr lang="en-US" altLang="zh-CN" sz="1300" b="0">
+              <a:rPr lang="en-US" altLang="zh-CN" sz="1300" b="0" dirty="0">
                 <a:solidFill>
                   <a:srgbClr val="CCCCCC"/>
                 </a:solidFill>
@@ -25623,7 +26049,7 @@
               </a:lnSpc>
             </a:pPr>
             <a:r>
-              <a:rPr lang="en-US" altLang="zh-CN" sz="1300" b="0">
+              <a:rPr lang="en-US" altLang="zh-CN" sz="1300" b="0" dirty="0">
                 <a:solidFill>
                   <a:srgbClr val="CCCCCC"/>
                 </a:solidFill>
@@ -25640,17 +26066,27 @@
               </a:lnSpc>
             </a:pPr>
             <a:r>
-              <a:rPr lang="en-US" altLang="zh-CN" sz="1300" b="0">
+              <a:rPr lang="en-US" altLang="zh-CN" sz="1300" b="0" dirty="0" err="1">
                 <a:solidFill>
                   <a:srgbClr val="569CD6"/>
                 </a:solidFill>
                 <a:latin typeface="Consolas" panose="020B0609020204030204"/>
                 <a:ea typeface="Consolas" panose="020B0609020204030204"/>
               </a:rPr>
-              <a:t>fn </a:t>
-            </a:r>
-            <a:r>
-              <a:rPr lang="en-US" altLang="zh-CN" sz="1300" b="0">
+              <a:t>fn</a:t>
+            </a:r>
+            <a:r>
+              <a:rPr lang="en-US" altLang="zh-CN" sz="1300" b="0" dirty="0">
+                <a:solidFill>
+                  <a:srgbClr val="569CD6"/>
+                </a:solidFill>
+                <a:latin typeface="Consolas" panose="020B0609020204030204"/>
+                <a:ea typeface="Consolas" panose="020B0609020204030204"/>
+              </a:rPr>
+              <a:t> </a:t>
+            </a:r>
+            <a:r>
+              <a:rPr lang="en-US" altLang="zh-CN" sz="1300" b="0" dirty="0" err="1">
                 <a:solidFill>
                   <a:srgbClr val="DCDCAA"/>
                 </a:solidFill>
@@ -25660,7 +26096,7 @@
               <a:t>print_struct</a:t>
             </a:r>
             <a:r>
-              <a:rPr lang="en-US" altLang="zh-CN" sz="1300" b="0">
+              <a:rPr lang="en-US" altLang="zh-CN" sz="1300" b="0" dirty="0">
                 <a:solidFill>
                   <a:srgbClr val="CCCCCC"/>
                 </a:solidFill>
@@ -25670,7 +26106,7 @@
               <a:t>&lt;</a:t>
             </a:r>
             <a:r>
-              <a:rPr lang="en-US" altLang="zh-CN" sz="1300" b="0">
+              <a:rPr lang="en-US" altLang="zh-CN" sz="1300" b="0" dirty="0">
                 <a:solidFill>
                   <a:srgbClr val="4EC9B0"/>
                 </a:solidFill>
@@ -25680,7 +26116,7 @@
               <a:t>T</a:t>
             </a:r>
             <a:r>
-              <a:rPr lang="en-US" altLang="zh-CN" sz="1300" b="0">
+              <a:rPr lang="en-US" altLang="zh-CN" sz="1300" b="0" dirty="0">
                 <a:solidFill>
                   <a:srgbClr val="CCCCCC"/>
                 </a:solidFill>
@@ -25690,7 +26126,7 @@
               <a:t>&gt;(</a:t>
             </a:r>
             <a:r>
-              <a:rPr lang="en-US" altLang="zh-CN" sz="1300" b="0">
+              <a:rPr lang="en-US" altLang="zh-CN" sz="1300" b="0" dirty="0">
                 <a:solidFill>
                   <a:srgbClr val="9CDCFE"/>
                 </a:solidFill>
@@ -25700,7 +26136,7 @@
               <a:t>instance</a:t>
             </a:r>
             <a:r>
-              <a:rPr lang="en-US" altLang="zh-CN" sz="1300" b="0">
+              <a:rPr lang="en-US" altLang="zh-CN" sz="1300" b="0" dirty="0">
                 <a:solidFill>
                   <a:srgbClr val="D4D4D4"/>
                 </a:solidFill>
@@ -25710,7 +26146,7 @@
               <a:t>:&amp;</a:t>
             </a:r>
             <a:r>
-              <a:rPr lang="en-US" altLang="zh-CN" sz="1300" b="0">
+              <a:rPr lang="en-US" altLang="zh-CN" sz="1300" b="0" dirty="0">
                 <a:solidFill>
                   <a:srgbClr val="4EC9B0"/>
                 </a:solidFill>
@@ -25720,7 +26156,7 @@
               <a:t>T</a:t>
             </a:r>
             <a:r>
-              <a:rPr lang="en-US" altLang="zh-CN" sz="1300" b="0">
+              <a:rPr lang="en-US" altLang="zh-CN" sz="1300" b="0" dirty="0">
                 <a:solidFill>
                   <a:srgbClr val="CCCCCC"/>
                 </a:solidFill>
@@ -25730,7 +26166,7 @@
               <a:t>, </a:t>
             </a:r>
             <a:r>
-              <a:rPr lang="en-US" altLang="zh-CN" sz="1300" b="0">
+              <a:rPr lang="en-US" altLang="zh-CN" sz="1300" b="0" dirty="0">
                 <a:solidFill>
                   <a:srgbClr val="9CDCFE"/>
                 </a:solidFill>
@@ -25740,7 +26176,7 @@
               <a:t>name</a:t>
             </a:r>
             <a:r>
-              <a:rPr lang="en-US" altLang="zh-CN" sz="1300" b="0">
+              <a:rPr lang="en-US" altLang="zh-CN" sz="1300" b="0" dirty="0">
                 <a:solidFill>
                   <a:srgbClr val="D4D4D4"/>
                 </a:solidFill>
@@ -25750,7 +26186,7 @@
               <a:t>:&amp;</a:t>
             </a:r>
             <a:r>
-              <a:rPr lang="en-US" altLang="zh-CN" sz="1300" b="0">
+              <a:rPr lang="en-US" altLang="zh-CN" sz="1300" b="0" dirty="0">
                 <a:solidFill>
                   <a:srgbClr val="4EC9B0"/>
                 </a:solidFill>
@@ -25760,7 +26196,7 @@
               <a:t>str</a:t>
             </a:r>
             <a:r>
-              <a:rPr lang="en-US" altLang="zh-CN" sz="1300" b="0">
+              <a:rPr lang="en-US" altLang="zh-CN" sz="1300" b="0" dirty="0">
                 <a:solidFill>
                   <a:srgbClr val="CCCCCC"/>
                 </a:solidFill>
@@ -25777,7 +26213,7 @@
               </a:lnSpc>
             </a:pPr>
             <a:r>
-              <a:rPr lang="en-US" altLang="zh-CN" sz="1300" b="0">
+              <a:rPr lang="en-US" altLang="zh-CN" sz="1300" b="0" dirty="0">
                 <a:solidFill>
                   <a:srgbClr val="CCCCCC"/>
                 </a:solidFill>
@@ -25787,17 +26223,27 @@
               <a:t>    </a:t>
             </a:r>
             <a:r>
-              <a:rPr lang="en-US" altLang="zh-CN" sz="1300" b="0">
+              <a:rPr lang="en-US" altLang="zh-CN" sz="1300" b="0" dirty="0" err="1">
                 <a:solidFill>
                   <a:srgbClr val="DCDCAA"/>
                 </a:solidFill>
                 <a:latin typeface="Consolas" panose="020B0609020204030204"/>
                 <a:ea typeface="Consolas" panose="020B0609020204030204"/>
               </a:rPr>
-              <a:t>println!</a:t>
-            </a:r>
-            <a:r>
-              <a:rPr lang="en-US" altLang="zh-CN" sz="1300" b="0">
+              <a:t>println</a:t>
+            </a:r>
+            <a:r>
+              <a:rPr lang="en-US" altLang="zh-CN" sz="1300" b="0" dirty="0">
+                <a:solidFill>
+                  <a:srgbClr val="DCDCAA"/>
+                </a:solidFill>
+                <a:latin typeface="Consolas" panose="020B0609020204030204"/>
+                <a:ea typeface="Consolas" panose="020B0609020204030204"/>
+              </a:rPr>
+              <a:t>!</a:t>
+            </a:r>
+            <a:r>
+              <a:rPr lang="en-US" altLang="zh-CN" sz="1300" b="0" dirty="0">
                 <a:solidFill>
                   <a:srgbClr val="CCCCCC"/>
                 </a:solidFill>
@@ -25807,7 +26253,7 @@
               <a:t>(</a:t>
             </a:r>
             <a:r>
-              <a:rPr lang="en-US" altLang="zh-CN" sz="1300" b="0">
+              <a:rPr lang="en-US" altLang="zh-CN" sz="1300" b="0" dirty="0">
                 <a:solidFill>
                   <a:srgbClr val="CE9178"/>
                 </a:solidFill>
@@ -25817,7 +26263,7 @@
               <a:t>"</a:t>
             </a:r>
             <a:r>
-              <a:rPr lang="en-US" altLang="zh-CN" sz="1300" b="0">
+              <a:rPr lang="en-US" altLang="zh-CN" sz="1300" b="0" dirty="0">
                 <a:solidFill>
                   <a:srgbClr val="D7BA7D"/>
                 </a:solidFill>
@@ -25827,7 +26273,7 @@
               <a:t>\n</a:t>
             </a:r>
             <a:r>
-              <a:rPr lang="en-US" altLang="zh-CN" sz="1300" b="0">
+              <a:rPr lang="en-US" altLang="zh-CN" sz="1300" b="0" dirty="0">
                 <a:solidFill>
                   <a:srgbClr val="CE9178"/>
                 </a:solidFill>
@@ -25837,7 +26283,7 @@
               <a:t>=== {} Structure ==="</a:t>
             </a:r>
             <a:r>
-              <a:rPr lang="en-US" altLang="zh-CN" sz="1300" b="0">
+              <a:rPr lang="en-US" altLang="zh-CN" sz="1300" b="0" dirty="0">
                 <a:solidFill>
                   <a:srgbClr val="CCCCCC"/>
                 </a:solidFill>
@@ -25847,7 +26293,7 @@
               <a:t>, </a:t>
             </a:r>
             <a:r>
-              <a:rPr lang="en-US" altLang="zh-CN" sz="1300" b="0">
+              <a:rPr lang="en-US" altLang="zh-CN" sz="1300" b="0" dirty="0">
                 <a:solidFill>
                   <a:srgbClr val="9CDCFE"/>
                 </a:solidFill>
@@ -25857,7 +26303,7 @@
               <a:t>name</a:t>
             </a:r>
             <a:r>
-              <a:rPr lang="en-US" altLang="zh-CN" sz="1300" b="0">
+              <a:rPr lang="en-US" altLang="zh-CN" sz="1300" b="0" dirty="0">
                 <a:solidFill>
                   <a:srgbClr val="CCCCCC"/>
                 </a:solidFill>
@@ -25874,7 +26320,7 @@
               </a:lnSpc>
             </a:pPr>
             <a:r>
-              <a:rPr lang="en-US" altLang="zh-CN" sz="1300" b="0">
+              <a:rPr lang="en-US" altLang="zh-CN" sz="1300" b="0" dirty="0">
                 <a:solidFill>
                   <a:srgbClr val="CCCCCC"/>
                 </a:solidFill>
@@ -25884,17 +26330,27 @@
               <a:t>    </a:t>
             </a:r>
             <a:r>
-              <a:rPr lang="en-US" altLang="zh-CN" sz="1300" b="0">
+              <a:rPr lang="en-US" altLang="zh-CN" sz="1300" b="0" dirty="0" err="1">
                 <a:solidFill>
                   <a:srgbClr val="DCDCAA"/>
                 </a:solidFill>
                 <a:latin typeface="Consolas" panose="020B0609020204030204"/>
                 <a:ea typeface="Consolas" panose="020B0609020204030204"/>
               </a:rPr>
-              <a:t>println!</a:t>
-            </a:r>
-            <a:r>
-              <a:rPr lang="en-US" altLang="zh-CN" sz="1300" b="0">
+              <a:t>println</a:t>
+            </a:r>
+            <a:r>
+              <a:rPr lang="en-US" altLang="zh-CN" sz="1300" b="0" dirty="0">
+                <a:solidFill>
+                  <a:srgbClr val="DCDCAA"/>
+                </a:solidFill>
+                <a:latin typeface="Consolas" panose="020B0609020204030204"/>
+                <a:ea typeface="Consolas" panose="020B0609020204030204"/>
+              </a:rPr>
+              <a:t>!</a:t>
+            </a:r>
+            <a:r>
+              <a:rPr lang="en-US" altLang="zh-CN" sz="1300" b="0" dirty="0">
                 <a:solidFill>
                   <a:srgbClr val="CCCCCC"/>
                 </a:solidFill>
@@ -25904,7 +26360,7 @@
               <a:t>(</a:t>
             </a:r>
             <a:r>
-              <a:rPr lang="en-US" altLang="zh-CN" sz="1300" b="0">
+              <a:rPr lang="en-US" altLang="zh-CN" sz="1300" b="0" dirty="0">
                 <a:solidFill>
                   <a:srgbClr val="CE9178"/>
                 </a:solidFill>
@@ -25914,7 +26370,7 @@
               <a:t>"size: {} Bytes"</a:t>
             </a:r>
             <a:r>
-              <a:rPr lang="en-US" altLang="zh-CN" sz="1300" b="0">
+              <a:rPr lang="en-US" altLang="zh-CN" sz="1300" b="0" dirty="0">
                 <a:solidFill>
                   <a:srgbClr val="CCCCCC"/>
                 </a:solidFill>
@@ -25924,7 +26380,7 @@
               <a:t>, </a:t>
             </a:r>
             <a:r>
-              <a:rPr lang="en-US" altLang="zh-CN" sz="1300" b="0">
+              <a:rPr lang="en-US" altLang="zh-CN" sz="1300" b="0" dirty="0" err="1">
                 <a:solidFill>
                   <a:srgbClr val="DCDCAA"/>
                 </a:solidFill>
@@ -25934,7 +26390,7 @@
               <a:t>size_of_val</a:t>
             </a:r>
             <a:r>
-              <a:rPr lang="en-US" altLang="zh-CN" sz="1300" b="0">
+              <a:rPr lang="en-US" altLang="zh-CN" sz="1300" b="0" dirty="0">
                 <a:solidFill>
                   <a:srgbClr val="CCCCCC"/>
                 </a:solidFill>
@@ -25944,7 +26400,7 @@
               <a:t>(</a:t>
             </a:r>
             <a:r>
-              <a:rPr lang="en-US" altLang="zh-CN" sz="1300" b="0">
+              <a:rPr lang="en-US" altLang="zh-CN" sz="1300" b="0" dirty="0">
                 <a:solidFill>
                   <a:srgbClr val="9CDCFE"/>
                 </a:solidFill>
@@ -25954,7 +26410,7 @@
               <a:t>instance</a:t>
             </a:r>
             <a:r>
-              <a:rPr lang="en-US" altLang="zh-CN" sz="1300" b="0">
+              <a:rPr lang="en-US" altLang="zh-CN" sz="1300" b="0" dirty="0">
                 <a:solidFill>
                   <a:srgbClr val="CCCCCC"/>
                 </a:solidFill>
@@ -25971,7 +26427,7 @@
               </a:lnSpc>
             </a:pPr>
             <a:r>
-              <a:rPr lang="en-US" altLang="zh-CN" sz="1300" b="0">
+              <a:rPr lang="en-US" altLang="zh-CN" sz="1300" b="0" dirty="0">
                 <a:solidFill>
                   <a:srgbClr val="CCCCCC"/>
                 </a:solidFill>
@@ -25981,17 +26437,27 @@
               <a:t>    </a:t>
             </a:r>
             <a:r>
-              <a:rPr lang="en-US" altLang="zh-CN" sz="1300" b="0">
+              <a:rPr lang="en-US" altLang="zh-CN" sz="1300" b="0" dirty="0" err="1">
                 <a:solidFill>
                   <a:srgbClr val="DCDCAA"/>
                 </a:solidFill>
                 <a:latin typeface="Consolas" panose="020B0609020204030204"/>
                 <a:ea typeface="Consolas" panose="020B0609020204030204"/>
               </a:rPr>
-              <a:t>println!</a:t>
-            </a:r>
-            <a:r>
-              <a:rPr lang="en-US" altLang="zh-CN" sz="1300" b="0">
+              <a:t>println</a:t>
+            </a:r>
+            <a:r>
+              <a:rPr lang="en-US" altLang="zh-CN" sz="1300" b="0" dirty="0">
+                <a:solidFill>
+                  <a:srgbClr val="DCDCAA"/>
+                </a:solidFill>
+                <a:latin typeface="Consolas" panose="020B0609020204030204"/>
+                <a:ea typeface="Consolas" panose="020B0609020204030204"/>
+              </a:rPr>
+              <a:t>!</a:t>
+            </a:r>
+            <a:r>
+              <a:rPr lang="en-US" altLang="zh-CN" sz="1300" b="0" dirty="0">
                 <a:solidFill>
                   <a:srgbClr val="CCCCCC"/>
                 </a:solidFill>
@@ -26001,7 +26467,7 @@
               <a:t>(</a:t>
             </a:r>
             <a:r>
-              <a:rPr lang="en-US" altLang="zh-CN" sz="1300" b="0">
+              <a:rPr lang="en-US" altLang="zh-CN" sz="1300" b="0" dirty="0">
                 <a:solidFill>
                   <a:srgbClr val="CE9178"/>
                 </a:solidFill>
@@ -26011,7 +26477,7 @@
               <a:t>"align based on: {} Bytes"</a:t>
             </a:r>
             <a:r>
-              <a:rPr lang="en-US" altLang="zh-CN" sz="1300" b="0">
+              <a:rPr lang="en-US" altLang="zh-CN" sz="1300" b="0" dirty="0">
                 <a:solidFill>
                   <a:srgbClr val="CCCCCC"/>
                 </a:solidFill>
@@ -26021,7 +26487,7 @@
               <a:t>, </a:t>
             </a:r>
             <a:r>
-              <a:rPr lang="en-US" altLang="zh-CN" sz="1300" b="0">
+              <a:rPr lang="en-US" altLang="zh-CN" sz="1300" b="0" dirty="0" err="1">
                 <a:solidFill>
                   <a:srgbClr val="DCDCAA"/>
                 </a:solidFill>
@@ -26031,7 +26497,7 @@
               <a:t>align_of_val</a:t>
             </a:r>
             <a:r>
-              <a:rPr lang="en-US" altLang="zh-CN" sz="1300" b="0">
+              <a:rPr lang="en-US" altLang="zh-CN" sz="1300" b="0" dirty="0">
                 <a:solidFill>
                   <a:srgbClr val="CCCCCC"/>
                 </a:solidFill>
@@ -26041,7 +26507,7 @@
               <a:t>(</a:t>
             </a:r>
             <a:r>
-              <a:rPr lang="en-US" altLang="zh-CN" sz="1300" b="0">
+              <a:rPr lang="en-US" altLang="zh-CN" sz="1300" b="0" dirty="0">
                 <a:solidFill>
                   <a:srgbClr val="9CDCFE"/>
                 </a:solidFill>
@@ -26051,7 +26517,7 @@
               <a:t>instance</a:t>
             </a:r>
             <a:r>
-              <a:rPr lang="en-US" altLang="zh-CN" sz="1300" b="0">
+              <a:rPr lang="en-US" altLang="zh-CN" sz="1300" b="0" dirty="0">
                 <a:solidFill>
                   <a:srgbClr val="CCCCCC"/>
                 </a:solidFill>
@@ -26068,7 +26534,7 @@
               </a:lnSpc>
             </a:pPr>
             <a:r>
-              <a:rPr lang="en-US" altLang="zh-CN" sz="1300" b="0">
+              <a:rPr lang="en-US" altLang="zh-CN" sz="1300" b="0" dirty="0">
                 <a:solidFill>
                   <a:srgbClr val="CCCCCC"/>
                 </a:solidFill>
@@ -26077,7 +26543,7 @@
               </a:rPr>
               <a:t>    </a:t>
             </a:r>
-            <a:endParaRPr lang="en-US" altLang="zh-CN" sz="1300" b="0">
+            <a:endParaRPr lang="en-US" altLang="zh-CN" sz="1300" b="0" dirty="0">
               <a:solidFill>
                 <a:srgbClr val="6A9955"/>
               </a:solidFill>
@@ -26092,7 +26558,7 @@
               </a:lnSpc>
             </a:pPr>
             <a:r>
-              <a:rPr lang="en-US" altLang="zh-CN" sz="1300" b="0">
+              <a:rPr lang="en-US" altLang="zh-CN" sz="1300" b="0" dirty="0">
                 <a:solidFill>
                   <a:srgbClr val="CCCCCC"/>
                 </a:solidFill>
@@ -26109,17 +26575,27 @@
               </a:lnSpc>
             </a:pPr>
             <a:r>
-              <a:rPr lang="en-US" altLang="zh-CN" sz="1300" b="0">
+              <a:rPr lang="en-US" altLang="zh-CN" sz="1300" b="0" dirty="0" err="1">
                 <a:solidFill>
                   <a:srgbClr val="569CD6"/>
                 </a:solidFill>
                 <a:latin typeface="Consolas" panose="020B0609020204030204"/>
                 <a:ea typeface="Consolas" panose="020B0609020204030204"/>
               </a:rPr>
-              <a:t>fn </a:t>
-            </a:r>
-            <a:r>
-              <a:rPr lang="en-US" altLang="zh-CN" sz="1300" b="0">
+              <a:t>fn</a:t>
+            </a:r>
+            <a:r>
+              <a:rPr lang="en-US" altLang="zh-CN" sz="1300" b="0" dirty="0">
+                <a:solidFill>
+                  <a:srgbClr val="569CD6"/>
+                </a:solidFill>
+                <a:latin typeface="Consolas" panose="020B0609020204030204"/>
+                <a:ea typeface="Consolas" panose="020B0609020204030204"/>
+              </a:rPr>
+              <a:t> </a:t>
+            </a:r>
+            <a:r>
+              <a:rPr lang="en-US" altLang="zh-CN" sz="1300" b="0" dirty="0">
                 <a:solidFill>
                   <a:srgbClr val="DCDCAA"/>
                 </a:solidFill>
@@ -26129,7 +26605,7 @@
               <a:t>main</a:t>
             </a:r>
             <a:r>
-              <a:rPr lang="en-US" altLang="zh-CN" sz="1300" b="0">
+              <a:rPr lang="en-US" altLang="zh-CN" sz="1300" b="0" dirty="0">
                 <a:solidFill>
                   <a:srgbClr val="CCCCCC"/>
                 </a:solidFill>
@@ -26146,7 +26622,7 @@
               </a:lnSpc>
             </a:pPr>
             <a:r>
-              <a:rPr lang="en-US" altLang="zh-CN" sz="1300" b="0">
+              <a:rPr lang="en-US" altLang="zh-CN" sz="1300" b="0" dirty="0">
                 <a:solidFill>
                   <a:srgbClr val="CCCCCC"/>
                 </a:solidFill>
@@ -26156,7 +26632,7 @@
               <a:t>    </a:t>
             </a:r>
             <a:r>
-              <a:rPr lang="en-US" altLang="zh-CN" sz="1300" b="0">
+              <a:rPr lang="en-US" altLang="zh-CN" sz="1300" b="0" dirty="0">
                 <a:solidFill>
                   <a:srgbClr val="569CD6"/>
                 </a:solidFill>
@@ -26166,7 +26642,7 @@
               <a:t>let </a:t>
             </a:r>
             <a:r>
-              <a:rPr lang="en-US" altLang="zh-CN" sz="1300" b="0">
+              <a:rPr lang="en-US" altLang="zh-CN" sz="1300" b="0" dirty="0" err="1">
                 <a:solidFill>
                   <a:srgbClr val="9CDCFE"/>
                 </a:solidFill>
@@ -26176,7 +26652,7 @@
               <a:t>rust_struct</a:t>
             </a:r>
             <a:r>
-              <a:rPr lang="en-US" altLang="zh-CN" sz="1300" b="0">
+              <a:rPr lang="en-US" altLang="zh-CN" sz="1300" b="0" dirty="0">
                 <a:solidFill>
                   <a:srgbClr val="D4D4D4"/>
                 </a:solidFill>
@@ -26186,7 +26662,7 @@
               <a:t>=</a:t>
             </a:r>
             <a:r>
-              <a:rPr lang="en-US" altLang="zh-CN" sz="1300" b="0">
+              <a:rPr lang="en-US" altLang="zh-CN" sz="1300" b="0" dirty="0" err="1">
                 <a:solidFill>
                   <a:srgbClr val="4EC9B0"/>
                 </a:solidFill>
@@ -26196,7 +26672,7 @@
               <a:t>RustStyle</a:t>
             </a:r>
             <a:r>
-              <a:rPr lang="en-US" altLang="zh-CN" sz="1300" b="0">
+              <a:rPr lang="en-US" altLang="zh-CN" sz="1300" b="0" dirty="0">
                 <a:solidFill>
                   <a:srgbClr val="CCCCCC"/>
                 </a:solidFill>
@@ -26206,7 +26682,7 @@
               <a:t> { </a:t>
             </a:r>
             <a:r>
-              <a:rPr lang="en-US" altLang="zh-CN" sz="1300" b="0">
+              <a:rPr lang="en-US" altLang="zh-CN" sz="1300" b="0" dirty="0">
                 <a:solidFill>
                   <a:srgbClr val="9CDCFE"/>
                 </a:solidFill>
@@ -26216,7 +26692,7 @@
               <a:t>a</a:t>
             </a:r>
             <a:r>
-              <a:rPr lang="en-US" altLang="zh-CN" sz="1300" b="0">
+              <a:rPr lang="en-US" altLang="zh-CN" sz="1300" b="0" dirty="0">
                 <a:solidFill>
                   <a:srgbClr val="D4D4D4"/>
                 </a:solidFill>
@@ -26226,7 +26702,7 @@
               <a:t>:</a:t>
             </a:r>
             <a:r>
-              <a:rPr lang="en-US" altLang="zh-CN" sz="1300" b="0">
+              <a:rPr lang="en-US" altLang="zh-CN" sz="1300" b="0" dirty="0">
                 <a:solidFill>
                   <a:srgbClr val="B5CEA8"/>
                 </a:solidFill>
@@ -26236,7 +26712,7 @@
               <a:t>1</a:t>
             </a:r>
             <a:r>
-              <a:rPr lang="en-US" altLang="zh-CN" sz="1300" b="0">
+              <a:rPr lang="en-US" altLang="zh-CN" sz="1300" b="0" dirty="0">
                 <a:solidFill>
                   <a:srgbClr val="CCCCCC"/>
                 </a:solidFill>
@@ -26246,7 +26722,7 @@
               <a:t>, </a:t>
             </a:r>
             <a:r>
-              <a:rPr lang="en-US" altLang="zh-CN" sz="1300" b="0">
+              <a:rPr lang="en-US" altLang="zh-CN" sz="1300" b="0" dirty="0">
                 <a:solidFill>
                   <a:srgbClr val="9CDCFE"/>
                 </a:solidFill>
@@ -26256,7 +26732,7 @@
               <a:t>b</a:t>
             </a:r>
             <a:r>
-              <a:rPr lang="en-US" altLang="zh-CN" sz="1300" b="0">
+              <a:rPr lang="en-US" altLang="zh-CN" sz="1300" b="0" dirty="0">
                 <a:solidFill>
                   <a:srgbClr val="D4D4D4"/>
                 </a:solidFill>
@@ -26266,7 +26742,7 @@
               <a:t>:</a:t>
             </a:r>
             <a:r>
-              <a:rPr lang="en-US" altLang="zh-CN" sz="1300" b="0">
+              <a:rPr lang="en-US" altLang="zh-CN" sz="1300" b="0" dirty="0">
                 <a:solidFill>
                   <a:srgbClr val="B5CEA8"/>
                 </a:solidFill>
@@ -26276,7 +26752,7 @@
               <a:t>2</a:t>
             </a:r>
             <a:r>
-              <a:rPr lang="en-US" altLang="zh-CN" sz="1300" b="0">
+              <a:rPr lang="en-US" altLang="zh-CN" sz="1300" b="0" dirty="0">
                 <a:solidFill>
                   <a:srgbClr val="CCCCCC"/>
                 </a:solidFill>
@@ -26286,7 +26762,7 @@
               <a:t>, </a:t>
             </a:r>
             <a:r>
-              <a:rPr lang="en-US" altLang="zh-CN" sz="1300" b="0">
+              <a:rPr lang="en-US" altLang="zh-CN" sz="1300" b="0" dirty="0">
                 <a:solidFill>
                   <a:srgbClr val="9CDCFE"/>
                 </a:solidFill>
@@ -26296,7 +26772,7 @@
               <a:t>c</a:t>
             </a:r>
             <a:r>
-              <a:rPr lang="en-US" altLang="zh-CN" sz="1300" b="0">
+              <a:rPr lang="en-US" altLang="zh-CN" sz="1300" b="0" dirty="0">
                 <a:solidFill>
                   <a:srgbClr val="D4D4D4"/>
                 </a:solidFill>
@@ -26306,7 +26782,7 @@
               <a:t>:</a:t>
             </a:r>
             <a:r>
-              <a:rPr lang="en-US" altLang="zh-CN" sz="1300" b="0">
+              <a:rPr lang="en-US" altLang="zh-CN" sz="1300" b="0" dirty="0">
                 <a:solidFill>
                   <a:srgbClr val="B5CEA8"/>
                 </a:solidFill>
@@ -26316,7 +26792,7 @@
               <a:t>3</a:t>
             </a:r>
             <a:r>
-              <a:rPr lang="en-US" altLang="zh-CN" sz="1300" b="0">
+              <a:rPr lang="en-US" altLang="zh-CN" sz="1300" b="0" dirty="0">
                 <a:solidFill>
                   <a:srgbClr val="CCCCCC"/>
                 </a:solidFill>
@@ -26326,7 +26802,7 @@
               <a:t>, </a:t>
             </a:r>
             <a:r>
-              <a:rPr lang="en-US" altLang="zh-CN" sz="1300" b="0">
+              <a:rPr lang="en-US" altLang="zh-CN" sz="1300" b="0" dirty="0">
                 <a:solidFill>
                   <a:srgbClr val="9CDCFE"/>
                 </a:solidFill>
@@ -26336,7 +26812,7 @@
               <a:t>d</a:t>
             </a:r>
             <a:r>
-              <a:rPr lang="en-US" altLang="zh-CN" sz="1300" b="0">
+              <a:rPr lang="en-US" altLang="zh-CN" sz="1300" b="0" dirty="0">
                 <a:solidFill>
                   <a:srgbClr val="D4D4D4"/>
                 </a:solidFill>
@@ -26346,7 +26822,7 @@
               <a:t>:</a:t>
             </a:r>
             <a:r>
-              <a:rPr lang="en-US" altLang="zh-CN" sz="1300" b="0">
+              <a:rPr lang="en-US" altLang="zh-CN" sz="1300" b="0" dirty="0">
                 <a:solidFill>
                   <a:srgbClr val="B5CEA8"/>
                 </a:solidFill>
@@ -26356,7 +26832,7 @@
               <a:t>4.0</a:t>
             </a:r>
             <a:r>
-              <a:rPr lang="en-US" altLang="zh-CN" sz="1300" b="0">
+              <a:rPr lang="en-US" altLang="zh-CN" sz="1300" b="0" dirty="0">
                 <a:solidFill>
                   <a:srgbClr val="CCCCCC"/>
                 </a:solidFill>
@@ -26373,7 +26849,7 @@
               </a:lnSpc>
             </a:pPr>
             <a:r>
-              <a:rPr lang="en-US" altLang="zh-CN" sz="1300" b="0">
+              <a:rPr lang="en-US" altLang="zh-CN" sz="1300" b="0" dirty="0">
                 <a:solidFill>
                   <a:srgbClr val="CCCCCC"/>
                 </a:solidFill>
@@ -26383,7 +26859,7 @@
               <a:t>    </a:t>
             </a:r>
             <a:r>
-              <a:rPr lang="en-US" altLang="zh-CN" sz="1300" b="0">
+              <a:rPr lang="en-US" altLang="zh-CN" sz="1300" b="0" dirty="0">
                 <a:solidFill>
                   <a:srgbClr val="569CD6"/>
                 </a:solidFill>
@@ -26393,7 +26869,7 @@
               <a:t>let </a:t>
             </a:r>
             <a:r>
-              <a:rPr lang="en-US" altLang="zh-CN" sz="1300" b="0">
+              <a:rPr lang="en-US" altLang="zh-CN" sz="1300" b="0" dirty="0" err="1">
                 <a:solidFill>
                   <a:srgbClr val="9CDCFE"/>
                 </a:solidFill>
@@ -26403,7 +26879,7 @@
               <a:t>c_struct</a:t>
             </a:r>
             <a:r>
-              <a:rPr lang="en-US" altLang="zh-CN" sz="1300" b="0">
+              <a:rPr lang="en-US" altLang="zh-CN" sz="1300" b="0" dirty="0">
                 <a:solidFill>
                   <a:srgbClr val="D4D4D4"/>
                 </a:solidFill>
@@ -26413,7 +26889,7 @@
               <a:t>=</a:t>
             </a:r>
             <a:r>
-              <a:rPr lang="en-US" altLang="zh-CN" sz="1300" b="0">
+              <a:rPr lang="en-US" altLang="zh-CN" sz="1300" b="0" dirty="0" err="1">
                 <a:solidFill>
                   <a:srgbClr val="4EC9B0"/>
                 </a:solidFill>
@@ -26423,7 +26899,7 @@
               <a:t>CStyle</a:t>
             </a:r>
             <a:r>
-              <a:rPr lang="en-US" altLang="zh-CN" sz="1300" b="0">
+              <a:rPr lang="en-US" altLang="zh-CN" sz="1300" b="0" dirty="0">
                 <a:solidFill>
                   <a:srgbClr val="CCCCCC"/>
                 </a:solidFill>
@@ -26433,7 +26909,7 @@
               <a:t> { </a:t>
             </a:r>
             <a:r>
-              <a:rPr lang="en-US" altLang="zh-CN" sz="1300" b="0">
+              <a:rPr lang="en-US" altLang="zh-CN" sz="1300" b="0" dirty="0">
                 <a:solidFill>
                   <a:srgbClr val="9CDCFE"/>
                 </a:solidFill>
@@ -26443,7 +26919,7 @@
               <a:t>a</a:t>
             </a:r>
             <a:r>
-              <a:rPr lang="en-US" altLang="zh-CN" sz="1300" b="0">
+              <a:rPr lang="en-US" altLang="zh-CN" sz="1300" b="0" dirty="0">
                 <a:solidFill>
                   <a:srgbClr val="D4D4D4"/>
                 </a:solidFill>
@@ -26453,7 +26929,7 @@
               <a:t>:</a:t>
             </a:r>
             <a:r>
-              <a:rPr lang="en-US" altLang="zh-CN" sz="1300" b="0">
+              <a:rPr lang="en-US" altLang="zh-CN" sz="1300" b="0" dirty="0">
                 <a:solidFill>
                   <a:srgbClr val="B5CEA8"/>
                 </a:solidFill>
@@ -26463,7 +26939,7 @@
               <a:t>1</a:t>
             </a:r>
             <a:r>
-              <a:rPr lang="en-US" altLang="zh-CN" sz="1300" b="0">
+              <a:rPr lang="en-US" altLang="zh-CN" sz="1300" b="0" dirty="0">
                 <a:solidFill>
                   <a:srgbClr val="CCCCCC"/>
                 </a:solidFill>
@@ -26473,7 +26949,7 @@
               <a:t>, </a:t>
             </a:r>
             <a:r>
-              <a:rPr lang="en-US" altLang="zh-CN" sz="1300" b="0">
+              <a:rPr lang="en-US" altLang="zh-CN" sz="1300" b="0" dirty="0">
                 <a:solidFill>
                   <a:srgbClr val="9CDCFE"/>
                 </a:solidFill>
@@ -26483,7 +26959,7 @@
               <a:t>b</a:t>
             </a:r>
             <a:r>
-              <a:rPr lang="en-US" altLang="zh-CN" sz="1300" b="0">
+              <a:rPr lang="en-US" altLang="zh-CN" sz="1300" b="0" dirty="0">
                 <a:solidFill>
                   <a:srgbClr val="D4D4D4"/>
                 </a:solidFill>
@@ -26493,7 +26969,7 @@
               <a:t>:</a:t>
             </a:r>
             <a:r>
-              <a:rPr lang="en-US" altLang="zh-CN" sz="1300" b="0">
+              <a:rPr lang="en-US" altLang="zh-CN" sz="1300" b="0" dirty="0">
                 <a:solidFill>
                   <a:srgbClr val="B5CEA8"/>
                 </a:solidFill>
@@ -26503,7 +26979,7 @@
               <a:t>2</a:t>
             </a:r>
             <a:r>
-              <a:rPr lang="en-US" altLang="zh-CN" sz="1300" b="0">
+              <a:rPr lang="en-US" altLang="zh-CN" sz="1300" b="0" dirty="0">
                 <a:solidFill>
                   <a:srgbClr val="CCCCCC"/>
                 </a:solidFill>
@@ -26513,7 +26989,7 @@
               <a:t>, </a:t>
             </a:r>
             <a:r>
-              <a:rPr lang="en-US" altLang="zh-CN" sz="1300" b="0">
+              <a:rPr lang="en-US" altLang="zh-CN" sz="1300" b="0" dirty="0">
                 <a:solidFill>
                   <a:srgbClr val="9CDCFE"/>
                 </a:solidFill>
@@ -26523,7 +26999,7 @@
               <a:t>c</a:t>
             </a:r>
             <a:r>
-              <a:rPr lang="en-US" altLang="zh-CN" sz="1300" b="0">
+              <a:rPr lang="en-US" altLang="zh-CN" sz="1300" b="0" dirty="0">
                 <a:solidFill>
                   <a:srgbClr val="D4D4D4"/>
                 </a:solidFill>
@@ -26533,7 +27009,7 @@
               <a:t>:</a:t>
             </a:r>
             <a:r>
-              <a:rPr lang="en-US" altLang="zh-CN" sz="1300" b="0">
+              <a:rPr lang="en-US" altLang="zh-CN" sz="1300" b="0" dirty="0">
                 <a:solidFill>
                   <a:srgbClr val="B5CEA8"/>
                 </a:solidFill>
@@ -26543,7 +27019,7 @@
               <a:t>3</a:t>
             </a:r>
             <a:r>
-              <a:rPr lang="en-US" altLang="zh-CN" sz="1300" b="0">
+              <a:rPr lang="en-US" altLang="zh-CN" sz="1300" b="0" dirty="0">
                 <a:solidFill>
                   <a:srgbClr val="CCCCCC"/>
                 </a:solidFill>
@@ -26553,7 +27029,7 @@
               <a:t>, </a:t>
             </a:r>
             <a:r>
-              <a:rPr lang="en-US" altLang="zh-CN" sz="1300" b="0">
+              <a:rPr lang="en-US" altLang="zh-CN" sz="1300" b="0" dirty="0">
                 <a:solidFill>
                   <a:srgbClr val="9CDCFE"/>
                 </a:solidFill>
@@ -26563,7 +27039,7 @@
               <a:t>d</a:t>
             </a:r>
             <a:r>
-              <a:rPr lang="en-US" altLang="zh-CN" sz="1300" b="0">
+              <a:rPr lang="en-US" altLang="zh-CN" sz="1300" b="0" dirty="0">
                 <a:solidFill>
                   <a:srgbClr val="D4D4D4"/>
                 </a:solidFill>
@@ -26573,7 +27049,7 @@
               <a:t>:</a:t>
             </a:r>
             <a:r>
-              <a:rPr lang="en-US" altLang="zh-CN" sz="1300" b="0">
+              <a:rPr lang="en-US" altLang="zh-CN" sz="1300" b="0" dirty="0">
                 <a:solidFill>
                   <a:srgbClr val="B5CEA8"/>
                 </a:solidFill>
@@ -26583,7 +27059,7 @@
               <a:t>4.0</a:t>
             </a:r>
             <a:r>
-              <a:rPr lang="en-US" altLang="zh-CN" sz="1300" b="0">
+              <a:rPr lang="en-US" altLang="zh-CN" sz="1300" b="0" dirty="0">
                 <a:solidFill>
                   <a:srgbClr val="CCCCCC"/>
                 </a:solidFill>
@@ -26600,7 +27076,7 @@
               </a:lnSpc>
             </a:pPr>
             <a:r>
-              <a:rPr lang="en-US" altLang="zh-CN" sz="1300" b="0">
+              <a:rPr lang="en-US" altLang="zh-CN" sz="1300" b="0" dirty="0">
                 <a:solidFill>
                   <a:srgbClr val="CCCCCC"/>
                 </a:solidFill>
@@ -26610,7 +27086,7 @@
               <a:t>    </a:t>
             </a:r>
             <a:r>
-              <a:rPr lang="en-US" altLang="zh-CN" sz="1300" b="0">
+              <a:rPr lang="en-US" altLang="zh-CN" sz="1300" b="0" dirty="0" err="1">
                 <a:solidFill>
                   <a:srgbClr val="DCDCAA"/>
                 </a:solidFill>
@@ -26620,7 +27096,7 @@
               <a:t>print_struct</a:t>
             </a:r>
             <a:r>
-              <a:rPr lang="en-US" altLang="zh-CN" sz="1300" b="0">
+              <a:rPr lang="en-US" altLang="zh-CN" sz="1300" b="0" dirty="0">
                 <a:solidFill>
                   <a:srgbClr val="CCCCCC"/>
                 </a:solidFill>
@@ -26630,7 +27106,7 @@
               <a:t>(</a:t>
             </a:r>
             <a:r>
-              <a:rPr lang="en-US" altLang="zh-CN" sz="1300" b="0">
+              <a:rPr lang="en-US" altLang="zh-CN" sz="1300" b="0" dirty="0">
                 <a:solidFill>
                   <a:srgbClr val="D4D4D4"/>
                 </a:solidFill>
@@ -26640,7 +27116,7 @@
               <a:t>&amp;</a:t>
             </a:r>
             <a:r>
-              <a:rPr lang="en-US" altLang="zh-CN" sz="1300" b="0">
+              <a:rPr lang="en-US" altLang="zh-CN" sz="1300" b="0" dirty="0" err="1">
                 <a:solidFill>
                   <a:srgbClr val="9CDCFE"/>
                 </a:solidFill>
@@ -26650,7 +27126,7 @@
               <a:t>rust_struct</a:t>
             </a:r>
             <a:r>
-              <a:rPr lang="en-US" altLang="zh-CN" sz="1300" b="0">
+              <a:rPr lang="en-US" altLang="zh-CN" sz="1300" b="0" dirty="0">
                 <a:solidFill>
                   <a:srgbClr val="CCCCCC"/>
                 </a:solidFill>
@@ -26660,7 +27136,7 @@
               <a:t>, </a:t>
             </a:r>
             <a:r>
-              <a:rPr lang="en-US" altLang="zh-CN" sz="1300" b="0">
+              <a:rPr lang="en-US" altLang="zh-CN" sz="1300" b="0" dirty="0">
                 <a:solidFill>
                   <a:srgbClr val="CE9178"/>
                 </a:solidFill>
@@ -26670,7 +27146,7 @@
               <a:t>"Rust optimized layout"</a:t>
             </a:r>
             <a:r>
-              <a:rPr lang="en-US" altLang="zh-CN" sz="1300" b="0">
+              <a:rPr lang="en-US" altLang="zh-CN" sz="1300" b="0" dirty="0">
                 <a:solidFill>
                   <a:srgbClr val="CCCCCC"/>
                 </a:solidFill>
@@ -26687,7 +27163,7 @@
               </a:lnSpc>
             </a:pPr>
             <a:r>
-              <a:rPr lang="en-US" altLang="zh-CN" sz="1300" b="0">
+              <a:rPr lang="en-US" altLang="zh-CN" sz="1300" b="0" dirty="0">
                 <a:solidFill>
                   <a:srgbClr val="CCCCCC"/>
                 </a:solidFill>
@@ -26697,7 +27173,7 @@
               <a:t>    </a:t>
             </a:r>
             <a:r>
-              <a:rPr lang="en-US" altLang="zh-CN" sz="1300" b="0">
+              <a:rPr lang="en-US" altLang="zh-CN" sz="1300" b="0" dirty="0" err="1">
                 <a:solidFill>
                   <a:srgbClr val="DCDCAA"/>
                 </a:solidFill>
@@ -26707,7 +27183,7 @@
               <a:t>print_struct</a:t>
             </a:r>
             <a:r>
-              <a:rPr lang="en-US" altLang="zh-CN" sz="1300" b="0">
+              <a:rPr lang="en-US" altLang="zh-CN" sz="1300" b="0" dirty="0">
                 <a:solidFill>
                   <a:srgbClr val="CCCCCC"/>
                 </a:solidFill>
@@ -26717,7 +27193,7 @@
               <a:t>(</a:t>
             </a:r>
             <a:r>
-              <a:rPr lang="en-US" altLang="zh-CN" sz="1300" b="0">
+              <a:rPr lang="en-US" altLang="zh-CN" sz="1300" b="0" dirty="0">
                 <a:solidFill>
                   <a:srgbClr val="D4D4D4"/>
                 </a:solidFill>
@@ -26727,7 +27203,7 @@
               <a:t>&amp;</a:t>
             </a:r>
             <a:r>
-              <a:rPr lang="en-US" altLang="zh-CN" sz="1300" b="0">
+              <a:rPr lang="en-US" altLang="zh-CN" sz="1300" b="0" dirty="0" err="1">
                 <a:solidFill>
                   <a:srgbClr val="9CDCFE"/>
                 </a:solidFill>
@@ -26737,7 +27213,7 @@
               <a:t>c_struct</a:t>
             </a:r>
             <a:r>
-              <a:rPr lang="en-US" altLang="zh-CN" sz="1300" b="0">
+              <a:rPr lang="en-US" altLang="zh-CN" sz="1300" b="0" dirty="0">
                 <a:solidFill>
                   <a:srgbClr val="CCCCCC"/>
                 </a:solidFill>
@@ -26747,7 +27223,7 @@
               <a:t>, </a:t>
             </a:r>
             <a:r>
-              <a:rPr lang="en-US" altLang="zh-CN" sz="1300" b="0">
+              <a:rPr lang="en-US" altLang="zh-CN" sz="1300" b="0" dirty="0">
                 <a:solidFill>
                   <a:srgbClr val="CE9178"/>
                 </a:solidFill>
@@ -26757,7 +27233,7 @@
               <a:t>"C layout"</a:t>
             </a:r>
             <a:r>
-              <a:rPr lang="en-US" altLang="zh-CN" sz="1300" b="0">
+              <a:rPr lang="en-US" altLang="zh-CN" sz="1300" b="0" dirty="0">
                 <a:solidFill>
                   <a:srgbClr val="CCCCCC"/>
                 </a:solidFill>
@@ -26774,7 +27250,7 @@
               </a:lnSpc>
             </a:pPr>
             <a:r>
-              <a:rPr lang="en-US" altLang="zh-CN" sz="1300" b="0">
+              <a:rPr lang="en-US" altLang="zh-CN" sz="1300" b="0" dirty="0">
                 <a:solidFill>
                   <a:srgbClr val="CCCCCC"/>
                 </a:solidFill>
